--- a/API Gateway vs BFF_v0.pptx
+++ b/API Gateway vs BFF_v0.pptx
@@ -35,6 +35,7 @@
     <p:sldId id="270" r:id="rId28"/>
     <p:sldId id="271" r:id="rId29"/>
     <p:sldId id="272" r:id="rId30"/>
+    <p:sldId id="273" r:id="rId31"/>
   </p:sldIdLst>
   <p:sldSz cx="12192000" cy="6858000"/>
   <p:notesSz cx="6858000" cy="9144000"/>
@@ -53,10 +54,10 @@
           <c:layoutTarget val="inner"/>
           <c:xMode val="edge"/>
           <c:yMode val="edge"/>
-          <c:x val="0.117876336148349"/>
-          <c:y val="0.0952162215368463"/>
-          <c:w val="0.785035138486978"/>
-          <c:h val="0.685674913052038"/>
+          <c:x val="0.117879816920124"/>
+          <c:y val="0.0952224701404384"/>
+          <c:w val="0.784999261774694"/>
+          <c:h val="0.685654285339283"/>
         </c:manualLayout>
       </c:layout>
       <c:barChart>
@@ -498,11 +499,11 @@
         </c:ser>
         <c:gapWidth val="75"/>
         <c:overlap val="0"/>
-        <c:axId val="23619895"/>
-        <c:axId val="9683213"/>
+        <c:axId val="84969670"/>
+        <c:axId val="45249571"/>
       </c:barChart>
       <c:catAx>
-        <c:axId val="23619895"/>
+        <c:axId val="84969670"/>
         <c:scaling>
           <c:orientation val="minMax"/>
         </c:scaling>
@@ -535,7 +536,7 @@
             </a:pPr>
           </a:p>
         </c:txPr>
-        <c:crossAx val="9683213"/>
+        <c:crossAx val="45249571"/>
         <c:crosses val="autoZero"/>
         <c:auto val="1"/>
         <c:lblAlgn val="ctr"/>
@@ -543,7 +544,7 @@
         <c:noMultiLvlLbl val="0"/>
       </c:catAx>
       <c:valAx>
-        <c:axId val="9683213"/>
+        <c:axId val="45249571"/>
         <c:scaling>
           <c:orientation val="minMax"/>
         </c:scaling>
@@ -583,7 +584,7 @@
             </a:pPr>
           </a:p>
         </c:txPr>
-        <c:crossAx val="23619895"/>
+        <c:crossAx val="84969670"/>
         <c:crosses val="autoZero"/>
         <c:crossBetween val="between"/>
       </c:valAx>
@@ -918,7 +919,7 @@
             <a:pPr algn="r">
               <a:buNone/>
             </a:pPr>
-            <a:fld id="{DEDDAD73-EF23-43C0-A74F-ADCF91115734}" type="slidenum">
+            <a:fld id="{70525570-8E2C-4ADA-9AD9-9B62B28942E0}" type="slidenum">
               <a:rPr b="0" lang="pt-BR" sz="1400" spc="-1" strike="noStrike">
                 <a:latin typeface="Times New Roman"/>
               </a:rPr>
@@ -936,7 +937,7 @@
 </p:notesMaster>
 </file>
 
-<file path=ppt/notesSlides/notesSlide11.xml><?xml version="1.0" encoding="utf-8"?>
+<file path=ppt/notesSlides/notesSlide12.xml><?xml version="1.0" encoding="utf-8"?>
 <p:notes xmlns:a="http://schemas.openxmlformats.org/drawingml/2006/main" xmlns:p="http://schemas.openxmlformats.org/presentationml/2006/main" xmlns:r="http://schemas.openxmlformats.org/officeDocument/2006/relationships" xmlns:p14="http://schemas.microsoft.com/office/powerpoint/2010/main" xmlns:p15="http://schemas.microsoft.com/office/powerpoint/2012/main" xmlns:mc="http://schemas.openxmlformats.org/markup-compatibility/2006">
   <p:cSld>
     <p:spTree>
@@ -955,7 +956,7 @@
       </p:grpSpPr>
       <p:sp>
         <p:nvSpPr>
-          <p:cNvPr id="517" name="PlaceHolder 1"/>
+          <p:cNvPr id="522" name="PlaceHolder 1"/>
           <p:cNvSpPr>
             <a:spLocks noGrp="1"/>
           </p:cNvSpPr>
@@ -966,19 +967,19 @@
         <p:spPr>
           <a:xfrm>
             <a:off x="685800" y="1143000"/>
-            <a:ext cx="5485680" cy="3085560"/>
-          </a:xfrm>
-          <a:prstGeom prst="rect">
-            <a:avLst/>
-          </a:prstGeom>
-          <a:ln w="0">
-            <a:noFill/>
-          </a:ln>
-        </p:spPr>
-      </p:sp>
-      <p:sp>
-        <p:nvSpPr>
-          <p:cNvPr id="518" name="PlaceHolder 2"/>
+            <a:ext cx="5485320" cy="3085200"/>
+          </a:xfrm>
+          <a:prstGeom prst="rect">
+            <a:avLst/>
+          </a:prstGeom>
+          <a:ln w="0">
+            <a:noFill/>
+          </a:ln>
+        </p:spPr>
+      </p:sp>
+      <p:sp>
+        <p:nvSpPr>
+          <p:cNvPr id="523" name="PlaceHolder 2"/>
           <p:cNvSpPr>
             <a:spLocks noGrp="1"/>
           </p:cNvSpPr>
@@ -989,7 +990,7 @@
         <p:spPr>
           <a:xfrm>
             <a:off x="685800" y="4400640"/>
-            <a:ext cx="5485680" cy="3599640"/>
+            <a:ext cx="5485320" cy="3599280"/>
           </a:xfrm>
           <a:prstGeom prst="rect">
             <a:avLst/>
@@ -1012,7 +1013,7 @@
       </p:sp>
       <p:sp>
         <p:nvSpPr>
-          <p:cNvPr id="519" name="PlaceHolder 3"/>
+          <p:cNvPr id="524" name="PlaceHolder 3"/>
           <p:cNvSpPr>
             <a:spLocks noGrp="1"/>
           </p:cNvSpPr>
@@ -1023,7 +1024,7 @@
         <p:spPr>
           <a:xfrm>
             <a:off x="3884760" y="8685360"/>
-            <a:ext cx="2971080" cy="457920"/>
+            <a:ext cx="2970720" cy="457560"/>
           </a:xfrm>
           <a:prstGeom prst="rect">
             <a:avLst/>
@@ -1059,7 +1060,7 @@
               </a:lnSpc>
               <a:buNone/>
             </a:pPr>
-            <a:fld id="{AF78D970-989C-456B-A6EC-0CE9AC25F5EE}" type="slidenum">
+            <a:fld id="{1601A6C7-D3FA-40DD-A3F4-10A2E4E6DB23}" type="slidenum">
               <a:rPr b="0" lang="en-US" sz="1200" spc="-1" strike="noStrike">
                 <a:solidFill>
                   <a:srgbClr val="000000"/>
@@ -1080,7 +1081,7 @@
 </p:notes>
 </file>
 
-<file path=ppt/notesSlides/notesSlide16.xml><?xml version="1.0" encoding="utf-8"?>
+<file path=ppt/notesSlides/notesSlide17.xml><?xml version="1.0" encoding="utf-8"?>
 <p:notes xmlns:a="http://schemas.openxmlformats.org/drawingml/2006/main" xmlns:p="http://schemas.openxmlformats.org/presentationml/2006/main" xmlns:r="http://schemas.openxmlformats.org/officeDocument/2006/relationships" xmlns:p14="http://schemas.microsoft.com/office/powerpoint/2010/main" xmlns:p15="http://schemas.microsoft.com/office/powerpoint/2012/main" xmlns:mc="http://schemas.openxmlformats.org/markup-compatibility/2006">
   <p:cSld>
     <p:spTree>
@@ -1099,7 +1100,7 @@
       </p:grpSpPr>
       <p:sp>
         <p:nvSpPr>
-          <p:cNvPr id="520" name="PlaceHolder 1"/>
+          <p:cNvPr id="525" name="PlaceHolder 1"/>
           <p:cNvSpPr>
             <a:spLocks noGrp="1"/>
           </p:cNvSpPr>
@@ -1110,19 +1111,19 @@
         <p:spPr>
           <a:xfrm>
             <a:off x="685800" y="1143000"/>
-            <a:ext cx="5485680" cy="3085560"/>
-          </a:xfrm>
-          <a:prstGeom prst="rect">
-            <a:avLst/>
-          </a:prstGeom>
-          <a:ln w="0">
-            <a:noFill/>
-          </a:ln>
-        </p:spPr>
-      </p:sp>
-      <p:sp>
-        <p:nvSpPr>
-          <p:cNvPr id="521" name="PlaceHolder 2"/>
+            <a:ext cx="5485320" cy="3085200"/>
+          </a:xfrm>
+          <a:prstGeom prst="rect">
+            <a:avLst/>
+          </a:prstGeom>
+          <a:ln w="0">
+            <a:noFill/>
+          </a:ln>
+        </p:spPr>
+      </p:sp>
+      <p:sp>
+        <p:nvSpPr>
+          <p:cNvPr id="526" name="PlaceHolder 2"/>
           <p:cNvSpPr>
             <a:spLocks noGrp="1"/>
           </p:cNvSpPr>
@@ -1133,7 +1134,7 @@
         <p:spPr>
           <a:xfrm>
             <a:off x="685800" y="4400640"/>
-            <a:ext cx="5485680" cy="3599640"/>
+            <a:ext cx="5485320" cy="3599280"/>
           </a:xfrm>
           <a:prstGeom prst="rect">
             <a:avLst/>
@@ -1156,7 +1157,7 @@
       </p:sp>
       <p:sp>
         <p:nvSpPr>
-          <p:cNvPr id="522" name="PlaceHolder 3"/>
+          <p:cNvPr id="527" name="PlaceHolder 3"/>
           <p:cNvSpPr>
             <a:spLocks noGrp="1"/>
           </p:cNvSpPr>
@@ -1167,7 +1168,7 @@
         <p:spPr>
           <a:xfrm>
             <a:off x="3884760" y="8685360"/>
-            <a:ext cx="2971080" cy="457920"/>
+            <a:ext cx="2970720" cy="457560"/>
           </a:xfrm>
           <a:prstGeom prst="rect">
             <a:avLst/>
@@ -1199,7 +1200,7 @@
               </a:lnSpc>
               <a:buNone/>
             </a:pPr>
-            <a:fld id="{6523BA2D-89B4-4481-838A-69B2C4970434}" type="slidenum">
+            <a:fld id="{E08D9658-3B9D-4589-B4AA-EAB576892A80}" type="slidenum">
               <a:rPr b="0" lang="en-US" sz="1200" spc="-1" strike="noStrike">
                 <a:latin typeface="Times New Roman"/>
               </a:rPr>
@@ -1235,7 +1236,7 @@
       </p:grpSpPr>
       <p:sp>
         <p:nvSpPr>
-          <p:cNvPr id="514" name="PlaceHolder 1"/>
+          <p:cNvPr id="519" name="PlaceHolder 1"/>
           <p:cNvSpPr>
             <a:spLocks noGrp="1"/>
           </p:cNvSpPr>
@@ -1246,19 +1247,19 @@
         <p:spPr>
           <a:xfrm>
             <a:off x="685800" y="1143000"/>
-            <a:ext cx="5485680" cy="3085560"/>
-          </a:xfrm>
-          <a:prstGeom prst="rect">
-            <a:avLst/>
-          </a:prstGeom>
-          <a:ln w="0">
-            <a:noFill/>
-          </a:ln>
-        </p:spPr>
-      </p:sp>
-      <p:sp>
-        <p:nvSpPr>
-          <p:cNvPr id="515" name="PlaceHolder 2"/>
+            <a:ext cx="5485320" cy="3085200"/>
+          </a:xfrm>
+          <a:prstGeom prst="rect">
+            <a:avLst/>
+          </a:prstGeom>
+          <a:ln w="0">
+            <a:noFill/>
+          </a:ln>
+        </p:spPr>
+      </p:sp>
+      <p:sp>
+        <p:nvSpPr>
+          <p:cNvPr id="520" name="PlaceHolder 2"/>
           <p:cNvSpPr>
             <a:spLocks noGrp="1"/>
           </p:cNvSpPr>
@@ -1269,7 +1270,7 @@
         <p:spPr>
           <a:xfrm>
             <a:off x="685800" y="4400640"/>
-            <a:ext cx="5485680" cy="3599640"/>
+            <a:ext cx="5485320" cy="3599280"/>
           </a:xfrm>
           <a:prstGeom prst="rect">
             <a:avLst/>
@@ -1292,7 +1293,7 @@
       </p:sp>
       <p:sp>
         <p:nvSpPr>
-          <p:cNvPr id="516" name="PlaceHolder 3"/>
+          <p:cNvPr id="521" name="PlaceHolder 3"/>
           <p:cNvSpPr>
             <a:spLocks noGrp="1"/>
           </p:cNvSpPr>
@@ -1303,7 +1304,7 @@
         <p:spPr>
           <a:xfrm>
             <a:off x="3884760" y="8685360"/>
-            <a:ext cx="2971080" cy="457920"/>
+            <a:ext cx="2970720" cy="457560"/>
           </a:xfrm>
           <a:prstGeom prst="rect">
             <a:avLst/>
@@ -1335,7 +1336,7 @@
               </a:lnSpc>
               <a:buNone/>
             </a:pPr>
-            <a:fld id="{2207D86E-9FEF-441D-AE29-6F7F66CA4507}" type="slidenum">
+            <a:fld id="{D364C8B2-B88C-439B-A932-2E867466429C}" type="slidenum">
               <a:rPr b="0" lang="en-US" sz="1200" spc="-1" strike="noStrike">
                 <a:latin typeface="Times New Roman"/>
               </a:rPr>
@@ -1637,7 +1638,7 @@
         <p:txBody>
           <a:bodyPr/>
           <a:p>
-            <a:fld id="{974DB973-0257-4356-97EC-2019936ACE8C}" type="slidenum">
+            <a:fld id="{691A15B3-EF80-4E73-A8F2-0DDF4C32F757}" type="slidenum">
               <a:t>&lt;#&gt;</a:t>
             </a:fld>
           </a:p>
@@ -1716,7 +1717,7 @@
         <p:txBody>
           <a:bodyPr/>
           <a:p>
-            <a:fld id="{830C559A-C3FA-46D2-B172-6730464360E2}" type="slidenum">
+            <a:fld id="{23E2A799-72EC-4628-9787-D7A813019933}" type="slidenum">
               <a:t>&lt;#&gt;</a:t>
             </a:fld>
           </a:p>
@@ -1795,7 +1796,7 @@
         <p:txBody>
           <a:bodyPr/>
           <a:p>
-            <a:fld id="{5411CD43-0D8B-488D-9F43-13BCBDD7E3FB}" type="slidenum">
+            <a:fld id="{C96D0D7B-A429-42D8-9D41-8B34F1D1120C}" type="slidenum">
               <a:t>&lt;#&gt;</a:t>
             </a:fld>
           </a:p>
@@ -1976,7 +1977,7 @@
         <p:txBody>
           <a:bodyPr/>
           <a:p>
-            <a:fld id="{06367930-572F-41CA-AA9A-4D0EE599F68F}" type="slidenum">
+            <a:fld id="{08BF2745-E8B1-4B71-BC14-46C9106AA224}" type="slidenum">
               <a:t>&lt;#&gt;</a:t>
             </a:fld>
           </a:p>
@@ -2157,7 +2158,7 @@
         <p:txBody>
           <a:bodyPr/>
           <a:p>
-            <a:fld id="{BD714731-CF08-4CD3-8D24-921594D3E26D}" type="slidenum">
+            <a:fld id="{F5618B97-D28D-4EAD-B9FB-AA59534A4A25}" type="slidenum">
               <a:t>&lt;#&gt;</a:t>
             </a:fld>
           </a:p>
@@ -2338,7 +2339,7 @@
         <p:txBody>
           <a:bodyPr/>
           <a:p>
-            <a:fld id="{32796B43-CAEA-4888-8238-F5718C00E552}" type="slidenum">
+            <a:fld id="{D2F3A26E-AA86-4359-B4A3-C99D921BD1C9}" type="slidenum">
               <a:t>&lt;#&gt;</a:t>
             </a:fld>
           </a:p>
@@ -2485,7 +2486,7 @@
         <p:txBody>
           <a:bodyPr/>
           <a:p>
-            <a:fld id="{3FF64250-DF79-49B1-A2F0-B6D4877BC2B5}" type="slidenum">
+            <a:fld id="{FAB7EA0C-960F-444F-88C3-9C65A29A8E31}" type="slidenum">
               <a:t>&lt;#&gt;</a:t>
             </a:fld>
           </a:p>
@@ -2700,7 +2701,7 @@
         <p:txBody>
           <a:bodyPr/>
           <a:p>
-            <a:fld id="{97BEFCAB-8576-43A2-955F-596299886B90}" type="slidenum">
+            <a:fld id="{6121DFF9-FADB-4001-8CF8-445312258569}" type="slidenum">
               <a:t>&lt;#&gt;</a:t>
             </a:fld>
           </a:p>
@@ -2983,7 +2984,7 @@
         <p:txBody>
           <a:bodyPr/>
           <a:p>
-            <a:fld id="{5D8A9563-399F-4094-8C0D-7407529A1F71}" type="slidenum">
+            <a:fld id="{F7EE91A8-5C3C-43DF-A50A-CB441973CF85}" type="slidenum">
               <a:t>&lt;#&gt;</a:t>
             </a:fld>
           </a:p>
@@ -3025,7 +3026,7 @@
         <p:txBody>
           <a:bodyPr/>
           <a:p>
-            <a:fld id="{67D9DE7E-B3E9-4742-ADFB-22F7F434B547}" type="slidenum">
+            <a:fld id="{764E5CB2-12AC-4FA3-862B-EFE51F92927C}" type="slidenum">
               <a:t>&lt;#&gt;</a:t>
             </a:fld>
           </a:p>
@@ -3336,7 +3337,7 @@
         <p:txBody>
           <a:bodyPr/>
           <a:p>
-            <a:fld id="{5C89BDAA-BEA6-40BB-9230-DC54916F3EE8}" type="slidenum">
+            <a:fld id="{96899D7E-FC54-4780-9853-45343A686CD6}" type="slidenum">
               <a:t>&lt;#&gt;</a:t>
             </a:fld>
           </a:p>
@@ -3449,7 +3450,7 @@
         <p:txBody>
           <a:bodyPr/>
           <a:p>
-            <a:fld id="{DF85BE04-94F7-4A7D-80E5-5B364ADA6D34}" type="slidenum">
+            <a:fld id="{E2088801-7796-4536-934B-B67CB9856BFE}" type="slidenum">
               <a:t>&lt;#&gt;</a:t>
             </a:fld>
           </a:p>
@@ -3596,7 +3597,7 @@
         <p:txBody>
           <a:bodyPr/>
           <a:p>
-            <a:fld id="{2539D203-8A65-4068-BB55-1CC5F61045B1}" type="slidenum">
+            <a:fld id="{CE4502E6-6B14-40DD-8DE1-017F5CF1FEA7}" type="slidenum">
               <a:t>&lt;#&gt;</a:t>
             </a:fld>
           </a:p>
@@ -3675,7 +3676,7 @@
         <p:txBody>
           <a:bodyPr/>
           <a:p>
-            <a:fld id="{287A8CF5-1B47-44E1-A9D7-15AC48F45329}" type="slidenum">
+            <a:fld id="{099F7B82-1D0E-426E-B1C1-B08C589F37A5}" type="slidenum">
               <a:t>&lt;#&gt;</a:t>
             </a:fld>
           </a:p>
@@ -3754,7 +3755,7 @@
         <p:txBody>
           <a:bodyPr/>
           <a:p>
-            <a:fld id="{59BEA14E-467E-4168-9EF8-06E96386940B}" type="slidenum">
+            <a:fld id="{69C3D274-5F51-4391-9536-6A013D29F315}" type="slidenum">
               <a:t>&lt;#&gt;</a:t>
             </a:fld>
           </a:p>
@@ -3935,7 +3936,7 @@
         <p:txBody>
           <a:bodyPr/>
           <a:p>
-            <a:fld id="{2C3AF983-46A9-463E-8026-0B80EB844979}" type="slidenum">
+            <a:fld id="{1AD2B6D5-3FDF-4DCF-A148-06728501A855}" type="slidenum">
               <a:t>&lt;#&gt;</a:t>
             </a:fld>
           </a:p>
@@ -4116,7 +4117,7 @@
         <p:txBody>
           <a:bodyPr/>
           <a:p>
-            <a:fld id="{D5E7CC78-6854-4AB6-8C63-AB70E85128BE}" type="slidenum">
+            <a:fld id="{BFDFCE63-042A-4423-B669-349C88C6D3D9}" type="slidenum">
               <a:t>&lt;#&gt;</a:t>
             </a:fld>
           </a:p>
@@ -4297,7 +4298,7 @@
         <p:txBody>
           <a:bodyPr/>
           <a:p>
-            <a:fld id="{6FB0D7B7-A84A-4C21-B32D-63FEEE133564}" type="slidenum">
+            <a:fld id="{7E9F9656-8F6D-483B-BFD4-900A9537BA95}" type="slidenum">
               <a:t>&lt;#&gt;</a:t>
             </a:fld>
           </a:p>
@@ -4444,7 +4445,7 @@
         <p:txBody>
           <a:bodyPr/>
           <a:p>
-            <a:fld id="{995AC759-3806-48C1-BE3E-11E778DC6C0B}" type="slidenum">
+            <a:fld id="{D7E01CCA-F5D6-408F-B462-87BF2E0CCC31}" type="slidenum">
               <a:t>&lt;#&gt;</a:t>
             </a:fld>
           </a:p>
@@ -4659,7 +4660,7 @@
         <p:txBody>
           <a:bodyPr/>
           <a:p>
-            <a:fld id="{6FCC4EBA-709C-405B-AAFE-9BE7560392C7}" type="slidenum">
+            <a:fld id="{41A932AB-3F7C-4DB2-A7F0-20523400229E}" type="slidenum">
               <a:t>&lt;#&gt;</a:t>
             </a:fld>
           </a:p>
@@ -5205,7 +5206,7 @@
         <p:txBody>
           <a:bodyPr/>
           <a:p>
-            <a:fld id="{DC989EBD-936F-4ED2-8823-DF9A06D25BBB}" type="slidenum">
+            <a:fld id="{F8427E3B-8E92-485E-B495-D6B198258A81}" type="slidenum">
               <a:t>&lt;#&gt;</a:t>
             </a:fld>
           </a:p>
@@ -6206,7 +6207,7 @@
         <p:txBody>
           <a:bodyPr/>
           <a:p>
-            <a:fld id="{4D2FF0E2-478A-4330-868C-B09F0A80AB2D}" type="slidenum">
+            <a:fld id="{1F79DBF0-7A38-4214-82A6-E1D17A19D240}" type="slidenum">
               <a:t>&lt;#&gt;</a:t>
             </a:fld>
           </a:p>
@@ -6927,7 +6928,7 @@
         <p:txBody>
           <a:bodyPr/>
           <a:p>
-            <a:fld id="{D85C72A4-70DF-432E-B462-8E1F965480D5}" type="slidenum">
+            <a:fld id="{A60ACAC9-D35A-4E00-9D66-44975F054E01}" type="slidenum">
               <a:t>&lt;#&gt;</a:t>
             </a:fld>
           </a:p>
@@ -7060,7 +7061,7 @@
         <p:txBody>
           <a:bodyPr/>
           <a:p>
-            <a:fld id="{B138019E-197E-40ED-A8E9-4C9D85462820}" type="slidenum">
+            <a:fld id="{3C2FD096-39F4-4BC3-B896-42D38400D9B2}" type="slidenum">
               <a:t>&lt;#&gt;</a:t>
             </a:fld>
           </a:p>
@@ -7227,7 +7228,7 @@
         <p:txBody>
           <a:bodyPr/>
           <a:p>
-            <a:fld id="{4AB7A6FC-F0CA-4B6E-A5D7-2988BA71587D}" type="slidenum">
+            <a:fld id="{1E60BD5B-CF2B-4722-9602-53150765C626}" type="slidenum">
               <a:t>&lt;#&gt;</a:t>
             </a:fld>
           </a:p>
@@ -7326,7 +7327,7 @@
         <p:txBody>
           <a:bodyPr/>
           <a:p>
-            <a:fld id="{7F5F4B5E-6F7A-4F38-B3BE-96E8EA510E97}" type="slidenum">
+            <a:fld id="{EE9D8BB5-FB15-46BF-B899-FFCFA1A63E61}" type="slidenum">
               <a:t>&lt;#&gt;</a:t>
             </a:fld>
           </a:p>
@@ -7425,7 +7426,7 @@
         <p:txBody>
           <a:bodyPr/>
           <a:p>
-            <a:fld id="{F58F24BD-9097-4781-A541-1E02B62A354F}" type="slidenum">
+            <a:fld id="{F5802B6B-FC5B-4BA2-8359-ACE93A7F6A0B}" type="slidenum">
               <a:t>&lt;#&gt;</a:t>
             </a:fld>
           </a:p>
@@ -7626,7 +7627,7 @@
         <p:txBody>
           <a:bodyPr/>
           <a:p>
-            <a:fld id="{E0DCF7F3-8CB2-4211-9B7A-B05489DB7E07}" type="slidenum">
+            <a:fld id="{51EB491C-6D88-407F-BDD8-750CDD1CEFFD}" type="slidenum">
               <a:t>&lt;#&gt;</a:t>
             </a:fld>
           </a:p>
@@ -7923,7 +7924,7 @@
         <p:txBody>
           <a:bodyPr/>
           <a:p>
-            <a:fld id="{A9DEF563-2E67-4B2E-A553-283CF7F04A38}" type="slidenum">
+            <a:fld id="{3AEE89DC-DFD0-4B00-A5E3-DD6D66D11C3A}" type="slidenum">
               <a:t>&lt;#&gt;</a:t>
             </a:fld>
           </a:p>
@@ -8124,7 +8125,7 @@
         <p:txBody>
           <a:bodyPr/>
           <a:p>
-            <a:fld id="{0E6D0587-A691-4B2B-8E8A-4C34BB25DE03}" type="slidenum">
+            <a:fld id="{8247BF31-2AB8-438B-A2EC-4D02CA42D376}" type="slidenum">
               <a:t>&lt;#&gt;</a:t>
             </a:fld>
           </a:p>
@@ -8291,7 +8292,7 @@
         <p:txBody>
           <a:bodyPr/>
           <a:p>
-            <a:fld id="{2069C4E0-F611-4708-833C-F763BD52D3D2}" type="slidenum">
+            <a:fld id="{81766FD3-9213-47CA-8E76-55C49EAFC876}" type="slidenum">
               <a:t>&lt;#&gt;</a:t>
             </a:fld>
           </a:p>
@@ -8526,7 +8527,7 @@
         <p:txBody>
           <a:bodyPr/>
           <a:p>
-            <a:fld id="{83DE9288-BB98-41A9-A9ED-9F2E71BE3A46}" type="slidenum">
+            <a:fld id="{D26311FD-3A0E-476D-B124-63EE08C589AF}" type="slidenum">
               <a:t>&lt;#&gt;</a:t>
             </a:fld>
           </a:p>
@@ -8829,7 +8830,7 @@
         <p:txBody>
           <a:bodyPr/>
           <a:p>
-            <a:fld id="{1F45ABF4-D9FF-43E7-B42C-B5F28C86B542}" type="slidenum">
+            <a:fld id="{8325C318-1A5E-40C3-B252-9BC71194D0AE}" type="slidenum">
               <a:t>&lt;#&gt;</a:t>
             </a:fld>
           </a:p>
@@ -8871,7 +8872,7 @@
         <p:txBody>
           <a:bodyPr/>
           <a:p>
-            <a:fld id="{92C67939-4978-44E1-9C91-7FE3868F8EFD}" type="slidenum">
+            <a:fld id="{07BDF095-51C2-4ADA-BC23-4AD83A2695BD}" type="slidenum">
               <a:t>&lt;#&gt;</a:t>
             </a:fld>
           </a:p>
@@ -8987,7 +8988,7 @@
         <p:txBody>
           <a:bodyPr/>
           <a:p>
-            <a:fld id="{8BF4221F-23C1-4EF8-BB2C-F64268BB2E14}" type="slidenum">
+            <a:fld id="{B12E0931-921C-41D6-951F-E5076BB8AE7D}" type="slidenum">
               <a:t>&lt;#&gt;</a:t>
             </a:fld>
           </a:p>
@@ -9100,7 +9101,7 @@
         <p:txBody>
           <a:bodyPr/>
           <a:p>
-            <a:fld id="{15F0649E-EA46-4132-8945-F50C75CBEB0E}" type="slidenum">
+            <a:fld id="{4B92EA7A-BAFE-4EBC-8ECF-6E677C26658C}" type="slidenum">
               <a:t>&lt;#&gt;</a:t>
             </a:fld>
           </a:p>
@@ -9247,7 +9248,7 @@
         <p:txBody>
           <a:bodyPr/>
           <a:p>
-            <a:fld id="{641A0E63-C32E-4B35-B298-B86193F548E4}" type="slidenum">
+            <a:fld id="{57AFCE40-27B0-49EA-A455-948D3797CD9E}" type="slidenum">
               <a:t>&lt;#&gt;</a:t>
             </a:fld>
           </a:p>
@@ -9326,7 +9327,7 @@
         <p:txBody>
           <a:bodyPr/>
           <a:p>
-            <a:fld id="{56152472-E0F1-4452-8FD2-75D4F6A6601E}" type="slidenum">
+            <a:fld id="{B5BA55C2-8D74-4CCB-9D09-A0C6D1C4F054}" type="slidenum">
               <a:t>&lt;#&gt;</a:t>
             </a:fld>
           </a:p>
@@ -9498,7 +9499,7 @@
         <p:txBody>
           <a:bodyPr/>
           <a:p>
-            <a:fld id="{81DF0B83-1708-4F33-875A-B849CFC63A4D}" type="slidenum">
+            <a:fld id="{4B441BCC-90EA-46C1-BF9C-64F2D8D433D7}" type="slidenum">
               <a:t>&lt;#&gt;</a:t>
             </a:fld>
           </a:p>
@@ -9679,7 +9680,7 @@
         <p:txBody>
           <a:bodyPr/>
           <a:p>
-            <a:fld id="{F0F2FF27-A548-4B4C-A769-2E366C461FFD}" type="slidenum">
+            <a:fld id="{065D2BD2-0C7F-4463-AD90-6B40CA2B5FB3}" type="slidenum">
               <a:t>&lt;#&gt;</a:t>
             </a:fld>
           </a:p>
@@ -9860,7 +9861,7 @@
         <p:txBody>
           <a:bodyPr/>
           <a:p>
-            <a:fld id="{E15E722B-4C3E-4A22-A620-2A8EFD9B615F}" type="slidenum">
+            <a:fld id="{2ED53C60-3032-4D9B-9112-6ABF54E9C4DD}" type="slidenum">
               <a:t>&lt;#&gt;</a:t>
             </a:fld>
           </a:p>
@@ -10041,7 +10042,7 @@
         <p:txBody>
           <a:bodyPr/>
           <a:p>
-            <a:fld id="{AC1DF7E2-5AFE-4CB5-8F73-FC65AA390B79}" type="slidenum">
+            <a:fld id="{97EEDCF0-1BD2-48F5-9F69-5EBFB08494DC}" type="slidenum">
               <a:t>&lt;#&gt;</a:t>
             </a:fld>
           </a:p>
@@ -10188,7 +10189,7 @@
         <p:txBody>
           <a:bodyPr/>
           <a:p>
-            <a:fld id="{2AC0B6A1-32FD-45FD-B220-8B27DC6D4884}" type="slidenum">
+            <a:fld id="{17F245B0-D542-4274-99E0-B95A2B0EB9C6}" type="slidenum">
               <a:t>&lt;#&gt;</a:t>
             </a:fld>
           </a:p>
@@ -10403,7 +10404,7 @@
         <p:txBody>
           <a:bodyPr/>
           <a:p>
-            <a:fld id="{5F1A2209-9ACD-4DDA-A1DE-0C3738DDF4F3}" type="slidenum">
+            <a:fld id="{30085123-5ADB-4177-9C0B-5673DB14E896}" type="slidenum">
               <a:t>&lt;#&gt;</a:t>
             </a:fld>
           </a:p>
@@ -10686,7 +10687,7 @@
         <p:txBody>
           <a:bodyPr/>
           <a:p>
-            <a:fld id="{09B7DC7F-4B4D-4698-9A4E-691AC6B59945}" type="slidenum">
+            <a:fld id="{07B7D429-14F1-403A-9D8D-0B84186A8B07}" type="slidenum">
               <a:t>&lt;#&gt;</a:t>
             </a:fld>
           </a:p>
@@ -10748,7 +10749,7 @@
         <p:txBody>
           <a:bodyPr/>
           <a:p>
-            <a:fld id="{655EBFF4-C9F5-4269-ABD9-86D708F2C9B3}" type="slidenum">
+            <a:fld id="{31509CC8-57F7-4E91-90F5-D349AB1C6BB4}" type="slidenum">
               <a:t>&lt;#&gt;</a:t>
             </a:fld>
           </a:p>
@@ -10884,7 +10885,7 @@
         <p:txBody>
           <a:bodyPr/>
           <a:p>
-            <a:fld id="{04FF142D-581A-4D5F-B730-C8FDE9CB9330}" type="slidenum">
+            <a:fld id="{8022F879-53D2-459B-99B6-D76F9AEE66C0}" type="slidenum">
               <a:t>&lt;#&gt;</a:t>
             </a:fld>
           </a:p>
@@ -11017,7 +11018,7 @@
         <p:txBody>
           <a:bodyPr/>
           <a:p>
-            <a:fld id="{57B61C03-15DB-434A-B412-DAF705AA4FEA}" type="slidenum">
+            <a:fld id="{A56A1F85-98EA-4E2C-AC06-B56A9617F279}" type="slidenum">
               <a:t>&lt;#&gt;</a:t>
             </a:fld>
           </a:p>
@@ -11311,7 +11312,7 @@
         <p:txBody>
           <a:bodyPr/>
           <a:p>
-            <a:fld id="{026FE5E4-14F6-440C-8D54-0B73F61ABFD3}" type="slidenum">
+            <a:fld id="{1857B852-AF6B-4F14-A6E2-D570C72A7DA3}" type="slidenum">
               <a:t>&lt;#&gt;</a:t>
             </a:fld>
           </a:p>
@@ -11410,7 +11411,7 @@
         <p:txBody>
           <a:bodyPr/>
           <a:p>
-            <a:fld id="{7EC54FD0-F4DD-40F8-85D7-9C924BEC28A6}" type="slidenum">
+            <a:fld id="{FF671D4D-A748-4484-B8E6-561A9D8968A6}" type="slidenum">
               <a:t>&lt;#&gt;</a:t>
             </a:fld>
           </a:p>
@@ -11509,7 +11510,7 @@
         <p:txBody>
           <a:bodyPr/>
           <a:p>
-            <a:fld id="{9107D2C3-7F17-459B-BF95-2EF86E9DDAD0}" type="slidenum">
+            <a:fld id="{090795ED-A400-4B0D-8E45-6ADA5247538F}" type="slidenum">
               <a:t>&lt;#&gt;</a:t>
             </a:fld>
           </a:p>
@@ -11710,7 +11711,7 @@
         <p:txBody>
           <a:bodyPr/>
           <a:p>
-            <a:fld id="{A043A04B-57A8-44D9-A74A-5556FA71B751}" type="slidenum">
+            <a:fld id="{ADB92CFD-E5BD-420A-BAA7-79B97DFE1FAE}" type="slidenum">
               <a:t>&lt;#&gt;</a:t>
             </a:fld>
           </a:p>
@@ -11911,7 +11912,7 @@
         <p:txBody>
           <a:bodyPr/>
           <a:p>
-            <a:fld id="{C07FF8B2-272C-4814-B703-8258427E33AA}" type="slidenum">
+            <a:fld id="{6D248B56-0B86-431F-9159-6B95D30AA4E7}" type="slidenum">
               <a:t>&lt;#&gt;</a:t>
             </a:fld>
           </a:p>
@@ -12112,7 +12113,7 @@
         <p:txBody>
           <a:bodyPr/>
           <a:p>
-            <a:fld id="{3A294344-E6E4-4CA7-B51A-A9CD0CC8051B}" type="slidenum">
+            <a:fld id="{C1453A4A-C672-42EE-9050-E3DD9D36BF45}" type="slidenum">
               <a:t>&lt;#&gt;</a:t>
             </a:fld>
           </a:p>
@@ -12279,7 +12280,7 @@
         <p:txBody>
           <a:bodyPr/>
           <a:p>
-            <a:fld id="{4F2563A6-9DB2-4E49-8A78-0499C8461475}" type="slidenum">
+            <a:fld id="{F278536F-2F69-4E92-B39C-6C23F4B8AB87}" type="slidenum">
               <a:t>&lt;#&gt;</a:t>
             </a:fld>
           </a:p>
@@ -12514,7 +12515,7 @@
         <p:txBody>
           <a:bodyPr/>
           <a:p>
-            <a:fld id="{01EEA9A2-A758-4AB3-BD18-3FAB9897E13D}" type="slidenum">
+            <a:fld id="{F194C02B-70E6-457A-A324-0FE1B5CCF7CA}" type="slidenum">
               <a:t>&lt;#&gt;</a:t>
             </a:fld>
           </a:p>
@@ -12817,7 +12818,7 @@
         <p:txBody>
           <a:bodyPr/>
           <a:p>
-            <a:fld id="{B8D34B66-823D-4364-8445-08A59DEDA239}" type="slidenum">
+            <a:fld id="{35E064A2-58E6-419E-88C8-C21696349331}" type="slidenum">
               <a:t>&lt;#&gt;</a:t>
             </a:fld>
           </a:p>
@@ -12879,7 +12880,7 @@
         <p:txBody>
           <a:bodyPr/>
           <a:p>
-            <a:fld id="{16443F5B-9455-4167-A653-FE0ADFE24812}" type="slidenum">
+            <a:fld id="{9AB43565-AE61-4329-84C4-8F6AE8E02FBB}" type="slidenum">
               <a:t>&lt;#&gt;</a:t>
             </a:fld>
           </a:p>
@@ -13074,7 +13075,7 @@
         <p:txBody>
           <a:bodyPr/>
           <a:p>
-            <a:fld id="{BFE253D0-247D-428F-B599-C39988867802}" type="slidenum">
+            <a:fld id="{B154E23A-34D8-4538-A5A6-DC071969806D}" type="slidenum">
               <a:t>&lt;#&gt;</a:t>
             </a:fld>
           </a:p>
@@ -13207,7 +13208,7 @@
         <p:txBody>
           <a:bodyPr/>
           <a:p>
-            <a:fld id="{3E151E40-5D0E-46EB-B963-C1D4608C373B}" type="slidenum">
+            <a:fld id="{83D3D498-F693-41FE-812B-D17ADB455B98}" type="slidenum">
               <a:t>&lt;#&gt;</a:t>
             </a:fld>
           </a:p>
@@ -13374,7 +13375,7 @@
         <p:txBody>
           <a:bodyPr/>
           <a:p>
-            <a:fld id="{127A2956-A988-4F40-9EC9-58EE8DE9A81D}" type="slidenum">
+            <a:fld id="{3D0F7904-1EA6-4183-A03C-FCCEC5674632}" type="slidenum">
               <a:t>&lt;#&gt;</a:t>
             </a:fld>
           </a:p>
@@ -13473,7 +13474,7 @@
         <p:txBody>
           <a:bodyPr/>
           <a:p>
-            <a:fld id="{46C25F8E-BA29-421F-9FD9-C25B08D52F3A}" type="slidenum">
+            <a:fld id="{785B5F7C-E51A-4B2C-8A24-0736184E1270}" type="slidenum">
               <a:t>&lt;#&gt;</a:t>
             </a:fld>
           </a:p>
@@ -13572,7 +13573,7 @@
         <p:txBody>
           <a:bodyPr/>
           <a:p>
-            <a:fld id="{F5518CC4-332C-4262-ABF0-774981D86021}" type="slidenum">
+            <a:fld id="{3BDA3BDC-CCA7-49F6-9DA3-171FFD0EBDD9}" type="slidenum">
               <a:t>&lt;#&gt;</a:t>
             </a:fld>
           </a:p>
@@ -13773,7 +13774,7 @@
         <p:txBody>
           <a:bodyPr/>
           <a:p>
-            <a:fld id="{8F25C286-3724-4E2C-AFF1-784135F6DD40}" type="slidenum">
+            <a:fld id="{02B9D624-1068-4C09-86BD-BA87482DA9DE}" type="slidenum">
               <a:t>&lt;#&gt;</a:t>
             </a:fld>
           </a:p>
@@ -13974,7 +13975,7 @@
         <p:txBody>
           <a:bodyPr/>
           <a:p>
-            <a:fld id="{542F3C8A-D901-47B5-B593-802CB4D0ABCD}" type="slidenum">
+            <a:fld id="{285DFECF-770F-44E6-BD54-FEA996DF78C9}" type="slidenum">
               <a:t>&lt;#&gt;</a:t>
             </a:fld>
           </a:p>
@@ -14175,7 +14176,7 @@
         <p:txBody>
           <a:bodyPr/>
           <a:p>
-            <a:fld id="{D20CEEB3-DF5A-40CE-9EE5-6B1A1615BEDA}" type="slidenum">
+            <a:fld id="{EF806157-E866-4014-AF7B-43EA9D5146AB}" type="slidenum">
               <a:t>&lt;#&gt;</a:t>
             </a:fld>
           </a:p>
@@ -14342,7 +14343,7 @@
         <p:txBody>
           <a:bodyPr/>
           <a:p>
-            <a:fld id="{D73E899F-5E67-4196-9C11-04B023300CB4}" type="slidenum">
+            <a:fld id="{F2683C10-DE6C-460C-81F5-616C38F74106}" type="slidenum">
               <a:t>&lt;#&gt;</a:t>
             </a:fld>
           </a:p>
@@ -14577,7 +14578,7 @@
         <p:txBody>
           <a:bodyPr/>
           <a:p>
-            <a:fld id="{0DC7574A-BB7E-407C-A92F-43D0D9891E2F}" type="slidenum">
+            <a:fld id="{3B66F4B6-78C0-41FA-B1F6-AD2589DA39D8}" type="slidenum">
               <a:t>&lt;#&gt;</a:t>
             </a:fld>
           </a:p>
@@ -14939,7 +14940,7 @@
         <p:txBody>
           <a:bodyPr/>
           <a:p>
-            <a:fld id="{6649D7CC-7879-426F-BBB2-6164633DE636}" type="slidenum">
+            <a:fld id="{FDC4D0C3-158A-448C-87B0-0C2788B32A49}" type="slidenum">
               <a:t>&lt;#&gt;</a:t>
             </a:fld>
           </a:p>
@@ -16666,7 +16667,7 @@
         <p:txBody>
           <a:bodyPr/>
           <a:p>
-            <a:fld id="{0D0AC356-85CD-40AC-8A54-29F44DC3B4D3}" type="slidenum">
+            <a:fld id="{A07538C7-B0D2-4BEB-9885-9CDAAF1D4B16}" type="slidenum">
               <a:t>&lt;#&gt;</a:t>
             </a:fld>
           </a:p>
@@ -16782,7 +16783,7 @@
         <p:txBody>
           <a:bodyPr/>
           <a:p>
-            <a:fld id="{600A7A80-EA43-4475-BC6D-0B1C383FD74E}" type="slidenum">
+            <a:fld id="{A9C935F3-876F-420E-AB5D-E490128E5D79}" type="slidenum">
               <a:t>&lt;#&gt;</a:t>
             </a:fld>
           </a:p>
@@ -16895,7 +16896,7 @@
         <p:txBody>
           <a:bodyPr/>
           <a:p>
-            <a:fld id="{A92EE8D6-E283-48A8-981B-76DCD8157968}" type="slidenum">
+            <a:fld id="{AC0AAFB0-0324-472C-91AA-F2E6FC1D3F5F}" type="slidenum">
               <a:t>&lt;#&gt;</a:t>
             </a:fld>
           </a:p>
@@ -17042,7 +17043,7 @@
         <p:txBody>
           <a:bodyPr/>
           <a:p>
-            <a:fld id="{1137093E-856F-4395-93F8-6B60DF40F5C4}" type="slidenum">
+            <a:fld id="{4EC149BF-D17D-4D8B-BE63-DC8D52E1767C}" type="slidenum">
               <a:t>&lt;#&gt;</a:t>
             </a:fld>
           </a:p>
@@ -17121,7 +17122,7 @@
         <p:txBody>
           <a:bodyPr/>
           <a:p>
-            <a:fld id="{24F38A7C-11A7-40D7-80FA-0065A7C09278}" type="slidenum">
+            <a:fld id="{E516808D-6152-4761-A72E-13026B6E06B0}" type="slidenum">
               <a:t>&lt;#&gt;</a:t>
             </a:fld>
           </a:p>
@@ -17200,7 +17201,7 @@
         <p:txBody>
           <a:bodyPr/>
           <a:p>
-            <a:fld id="{1802E87A-351B-4159-9B4C-67DCBA15ED68}" type="slidenum">
+            <a:fld id="{B08DC917-1442-4E40-B17F-8FC3391B8866}" type="slidenum">
               <a:t>&lt;#&gt;</a:t>
             </a:fld>
           </a:p>
@@ -17381,7 +17382,7 @@
         <p:txBody>
           <a:bodyPr/>
           <a:p>
-            <a:fld id="{4BC392B5-1198-4B56-B30E-273C52A0303A}" type="slidenum">
+            <a:fld id="{DFD70C03-58DB-40E7-9DD7-72E67BA4704D}" type="slidenum">
               <a:t>&lt;#&gt;</a:t>
             </a:fld>
           </a:p>
@@ -17723,7 +17724,7 @@
         <p:txBody>
           <a:bodyPr/>
           <a:p>
-            <a:fld id="{224AB0BD-50F6-4DF2-AF1F-EFF35DAA117C}" type="slidenum">
+            <a:fld id="{46AFCD87-7796-4CE4-B3BE-B86076AD1D7C}" type="slidenum">
               <a:t>&lt;#&gt;</a:t>
             </a:fld>
           </a:p>
@@ -17904,7 +17905,7 @@
         <p:txBody>
           <a:bodyPr/>
           <a:p>
-            <a:fld id="{97ADDC53-85EF-481A-A34D-17931C81C308}" type="slidenum">
+            <a:fld id="{07976D2F-0B73-49EF-A7BF-B1D1B593F6A5}" type="slidenum">
               <a:t>&lt;#&gt;</a:t>
             </a:fld>
           </a:p>
@@ -18051,7 +18052,7 @@
         <p:txBody>
           <a:bodyPr/>
           <a:p>
-            <a:fld id="{DFF5C5FE-DE7B-429F-B1EF-E3D3437D64F2}" type="slidenum">
+            <a:fld id="{0F88ACBD-51D5-4B2C-A1E2-E26E6DB1F16C}" type="slidenum">
               <a:t>&lt;#&gt;</a:t>
             </a:fld>
           </a:p>
@@ -18266,7 +18267,7 @@
         <p:txBody>
           <a:bodyPr/>
           <a:p>
-            <a:fld id="{6D70F1B4-8D3F-436B-AF51-D204DF856726}" type="slidenum">
+            <a:fld id="{604222DE-A78C-4E4A-8223-850C71A28557}" type="slidenum">
               <a:t>&lt;#&gt;</a:t>
             </a:fld>
           </a:p>
@@ -18549,7 +18550,7 @@
         <p:txBody>
           <a:bodyPr/>
           <a:p>
-            <a:fld id="{E69936FA-8696-4ED7-98BD-1D02568F3531}" type="slidenum">
+            <a:fld id="{EEEB5802-5EB2-416A-9EDF-5F1E7D0ADE8E}" type="slidenum">
               <a:t>&lt;#&gt;</a:t>
             </a:fld>
           </a:p>
@@ -18591,7 +18592,7 @@
         <p:txBody>
           <a:bodyPr/>
           <a:p>
-            <a:fld id="{BE91CF07-4EA5-47F2-B7F8-C4586AC0FF14}" type="slidenum">
+            <a:fld id="{03AF4F85-7754-4840-A125-9B8B9D102AFD}" type="slidenum">
               <a:t>&lt;#&gt;</a:t>
             </a:fld>
           </a:p>
@@ -18707,7 +18708,7 @@
         <p:txBody>
           <a:bodyPr/>
           <a:p>
-            <a:fld id="{9E062A9D-476C-4B4E-9A80-DBD9A4D2E64A}" type="slidenum">
+            <a:fld id="{785A4E63-0077-4067-892F-EC5882943EC1}" type="slidenum">
               <a:t>&lt;#&gt;</a:t>
             </a:fld>
           </a:p>
@@ -18820,7 +18821,7 @@
         <p:txBody>
           <a:bodyPr/>
           <a:p>
-            <a:fld id="{9018EB52-2194-4ECC-BDA8-D88BD6F2A67C}" type="slidenum">
+            <a:fld id="{3CDADE33-1632-4FA3-9746-F2566503B800}" type="slidenum">
               <a:t>&lt;#&gt;</a:t>
             </a:fld>
           </a:p>
@@ -18967,7 +18968,7 @@
         <p:txBody>
           <a:bodyPr/>
           <a:p>
-            <a:fld id="{D032B17D-B37D-4C33-BFCD-758C1DE73473}" type="slidenum">
+            <a:fld id="{4CFA4895-CBB2-4261-8526-8C2DC027DD67}" type="slidenum">
               <a:t>&lt;#&gt;</a:t>
             </a:fld>
           </a:p>
@@ -19046,7 +19047,7 @@
         <p:txBody>
           <a:bodyPr/>
           <a:p>
-            <a:fld id="{AA68B547-6A1B-4050-B9CF-00528EB4193D}" type="slidenum">
+            <a:fld id="{4521ABD2-B3F6-440D-94EF-5D34A025BA3B}" type="slidenum">
               <a:t>&lt;#&gt;</a:t>
             </a:fld>
           </a:p>
@@ -19286,7 +19287,7 @@
         <p:txBody>
           <a:bodyPr/>
           <a:p>
-            <a:fld id="{073CA899-AEE3-4BD9-A087-C35D92F84088}" type="slidenum">
+            <a:fld id="{C165C273-62C1-4613-9936-B077F9185D11}" type="slidenum">
               <a:t>&lt;#&gt;</a:t>
             </a:fld>
           </a:p>
@@ -19467,7 +19468,7 @@
         <p:txBody>
           <a:bodyPr/>
           <a:p>
-            <a:fld id="{290D04DD-E73A-4F1A-AF5A-D8E6AB9AEBF0}" type="slidenum">
+            <a:fld id="{A908072C-24B3-40CC-A848-0F0354EC7E00}" type="slidenum">
               <a:t>&lt;#&gt;</a:t>
             </a:fld>
           </a:p>
@@ -19648,7 +19649,7 @@
         <p:txBody>
           <a:bodyPr/>
           <a:p>
-            <a:fld id="{BD4C690E-F217-44D3-B400-F77B4F441E1C}" type="slidenum">
+            <a:fld id="{CB0CB0FE-3681-4C73-B876-E7D0A0409199}" type="slidenum">
               <a:t>&lt;#&gt;</a:t>
             </a:fld>
           </a:p>
@@ -19829,7 +19830,7 @@
         <p:txBody>
           <a:bodyPr/>
           <a:p>
-            <a:fld id="{2C5E793A-9173-4386-BCD2-A4B03C118318}" type="slidenum">
+            <a:fld id="{97340E62-305E-4FAB-B29B-33AA89187067}" type="slidenum">
               <a:t>&lt;#&gt;</a:t>
             </a:fld>
           </a:p>
@@ -19976,7 +19977,7 @@
         <p:txBody>
           <a:bodyPr/>
           <a:p>
-            <a:fld id="{CCF214B1-45D5-4858-B867-93EC4BC1E8B7}" type="slidenum">
+            <a:fld id="{A47D9A88-2947-49D0-9A77-72DA95A854D9}" type="slidenum">
               <a:t>&lt;#&gt;</a:t>
             </a:fld>
           </a:p>
@@ -20191,7 +20192,7 @@
         <p:txBody>
           <a:bodyPr/>
           <a:p>
-            <a:fld id="{E9A0B022-EF85-421C-98DD-61F783E8C48C}" type="slidenum">
+            <a:fld id="{EBBD8630-6706-4511-8E60-81A03109B161}" type="slidenum">
               <a:t>&lt;#&gt;</a:t>
             </a:fld>
           </a:p>
@@ -20474,7 +20475,7 @@
         <p:txBody>
           <a:bodyPr/>
           <a:p>
-            <a:fld id="{3F70F25B-0777-4B60-B839-3D70A31C8554}" type="slidenum">
+            <a:fld id="{636C659C-182B-4AAB-8509-48D83489507F}" type="slidenum">
               <a:t>&lt;#&gt;</a:t>
             </a:fld>
           </a:p>
@@ -20516,7 +20517,7 @@
         <p:txBody>
           <a:bodyPr/>
           <a:p>
-            <a:fld id="{4364F77B-BBC1-4549-A2A8-98C80A80EF41}" type="slidenum">
+            <a:fld id="{875B8F79-4B4A-4DB2-821D-A5CC3BFC7D48}" type="slidenum">
               <a:t>&lt;#&gt;</a:t>
             </a:fld>
           </a:p>
@@ -20632,7 +20633,7 @@
         <p:txBody>
           <a:bodyPr/>
           <a:p>
-            <a:fld id="{315836AC-59F8-4C7C-95E5-F9EA4AEB0597}" type="slidenum">
+            <a:fld id="{F4EDC52A-6958-422A-B00E-4A485CFD979F}" type="slidenum">
               <a:t>&lt;#&gt;</a:t>
             </a:fld>
           </a:p>
@@ -20745,7 +20746,7 @@
         <p:txBody>
           <a:bodyPr/>
           <a:p>
-            <a:fld id="{FF9F7842-BDFC-46B7-A674-C52265A7EB89}" type="slidenum">
+            <a:fld id="{701A338F-74DF-4985-81B0-EAED35CF0CEC}" type="slidenum">
               <a:t>&lt;#&gt;</a:t>
             </a:fld>
           </a:p>
@@ -21014,25 +21015,37 @@
               <a:rPr b="0" lang="pt-BR" sz="2000" spc="-1" strike="noStrike">
                 <a:latin typeface="Arial"/>
               </a:rPr>
-              <a:t>Fifth </a:t>
+              <a:t>Fift</a:t>
             </a:r>
             <a:r>
               <a:rPr b="0" lang="pt-BR" sz="2000" spc="-1" strike="noStrike">
                 <a:latin typeface="Arial"/>
               </a:rPr>
-              <a:t>Outlin</a:t>
+              <a:t>h </a:t>
             </a:r>
             <a:r>
               <a:rPr b="0" lang="pt-BR" sz="2000" spc="-1" strike="noStrike">
                 <a:latin typeface="Arial"/>
               </a:rPr>
-              <a:t>e </a:t>
+              <a:t>Outl</a:t>
             </a:r>
             <a:r>
               <a:rPr b="0" lang="pt-BR" sz="2000" spc="-1" strike="noStrike">
                 <a:latin typeface="Arial"/>
               </a:rPr>
-              <a:t>Level</a:t>
+              <a:t>ine </a:t>
+            </a:r>
+            <a:r>
+              <a:rPr b="0" lang="pt-BR" sz="2000" spc="-1" strike="noStrike">
+                <a:latin typeface="Arial"/>
+              </a:rPr>
+              <a:t>Lev</a:t>
+            </a:r>
+            <a:r>
+              <a:rPr b="0" lang="pt-BR" sz="2000" spc="-1" strike="noStrike">
+                <a:latin typeface="Arial"/>
+              </a:rPr>
+              <a:t>el</a:t>
             </a:r>
             <a:endParaRPr b="0" lang="pt-BR" sz="2000" spc="-1" strike="noStrike">
               <a:latin typeface="Arial"/>
@@ -21054,19 +21067,37 @@
               <a:rPr b="0" lang="pt-BR" sz="2000" spc="-1" strike="noStrike">
                 <a:latin typeface="Arial"/>
               </a:rPr>
-              <a:t>Si</a:t>
+              <a:t>S</a:t>
             </a:r>
             <a:r>
               <a:rPr b="0" lang="pt-BR" sz="2000" spc="-1" strike="noStrike">
                 <a:latin typeface="Arial"/>
               </a:rPr>
-              <a:t>xt</a:t>
+              <a:t>i</a:t>
             </a:r>
             <a:r>
               <a:rPr b="0" lang="pt-BR" sz="2000" spc="-1" strike="noStrike">
                 <a:latin typeface="Arial"/>
               </a:rPr>
-              <a:t>h </a:t>
+              <a:t>x</a:t>
+            </a:r>
+            <a:r>
+              <a:rPr b="0" lang="pt-BR" sz="2000" spc="-1" strike="noStrike">
+                <a:latin typeface="Arial"/>
+              </a:rPr>
+              <a:t>t</a:t>
+            </a:r>
+            <a:r>
+              <a:rPr b="0" lang="pt-BR" sz="2000" spc="-1" strike="noStrike">
+                <a:latin typeface="Arial"/>
+              </a:rPr>
+              <a:t>h</a:t>
+            </a:r>
+            <a:r>
+              <a:rPr b="0" lang="pt-BR" sz="2000" spc="-1" strike="noStrike">
+                <a:latin typeface="Arial"/>
+              </a:rPr>
+              <a:t> </a:t>
             </a:r>
             <a:r>
               <a:rPr b="0" lang="pt-BR" sz="2000" spc="-1" strike="noStrike">
@@ -21078,13 +21109,25 @@
               <a:rPr b="0" lang="pt-BR" sz="2000" spc="-1" strike="noStrike">
                 <a:latin typeface="Arial"/>
               </a:rPr>
-              <a:t>ut</a:t>
+              <a:t>u</a:t>
             </a:r>
             <a:r>
               <a:rPr b="0" lang="pt-BR" sz="2000" spc="-1" strike="noStrike">
                 <a:latin typeface="Arial"/>
               </a:rPr>
-              <a:t>li</a:t>
+              <a:t>t</a:t>
+            </a:r>
+            <a:r>
+              <a:rPr b="0" lang="pt-BR" sz="2000" spc="-1" strike="noStrike">
+                <a:latin typeface="Arial"/>
+              </a:rPr>
+              <a:t>l</a:t>
+            </a:r>
+            <a:r>
+              <a:rPr b="0" lang="pt-BR" sz="2000" spc="-1" strike="noStrike">
+                <a:latin typeface="Arial"/>
+              </a:rPr>
+              <a:t>i</a:t>
             </a:r>
             <a:r>
               <a:rPr b="0" lang="pt-BR" sz="2000" spc="-1" strike="noStrike">
@@ -21096,7 +21139,13 @@
               <a:rPr b="0" lang="pt-BR" sz="2000" spc="-1" strike="noStrike">
                 <a:latin typeface="Arial"/>
               </a:rPr>
-              <a:t>e </a:t>
+              <a:t>e</a:t>
+            </a:r>
+            <a:r>
+              <a:rPr b="0" lang="pt-BR" sz="2000" spc="-1" strike="noStrike">
+                <a:latin typeface="Arial"/>
+              </a:rPr>
+              <a:t> </a:t>
             </a:r>
             <a:r>
               <a:rPr b="0" lang="pt-BR" sz="2000" spc="-1" strike="noStrike">
@@ -21120,7 +21169,13 @@
               <a:rPr b="0" lang="pt-BR" sz="2000" spc="-1" strike="noStrike">
                 <a:latin typeface="Arial"/>
               </a:rPr>
-              <a:t>el</a:t>
+              <a:t>e</a:t>
+            </a:r>
+            <a:r>
+              <a:rPr b="0" lang="pt-BR" sz="2000" spc="-1" strike="noStrike">
+                <a:latin typeface="Arial"/>
+              </a:rPr>
+              <a:t>l</a:t>
             </a:r>
             <a:endParaRPr b="0" lang="pt-BR" sz="2000" spc="-1" strike="noStrike">
               <a:latin typeface="Arial"/>
@@ -21323,7 +21378,7 @@
         <p:spPr>
           <a:xfrm>
             <a:off x="11549160" y="6468480"/>
-            <a:ext cx="443160" cy="364320"/>
+            <a:ext cx="442800" cy="363960"/>
           </a:xfrm>
           <a:prstGeom prst="rect">
             <a:avLst/>
@@ -21350,7 +21405,7 @@
               </a:lnSpc>
               <a:buNone/>
             </a:pPr>
-            <a:fld id="{B27C823C-4507-4822-8317-C46ABA9A8E21}" type="slidenum">
+            <a:fld id="{8B2396FF-B2EE-42FF-AF5B-972D71E8BF45}" type="slidenum">
               <a:rPr b="0" lang="en-US" sz="1200" spc="-1" strike="noStrike">
                 <a:solidFill>
                   <a:srgbClr val="8b8b8b"/>
@@ -21375,7 +21430,7 @@
         <p:spPr>
           <a:xfrm>
             <a:off x="6107040" y="6303960"/>
-            <a:ext cx="3014280" cy="553320"/>
+            <a:ext cx="3013920" cy="552960"/>
           </a:xfrm>
           <a:prstGeom prst="rect">
             <a:avLst/>
@@ -21423,7 +21478,7 @@
         <p:spPr>
           <a:xfrm>
             <a:off x="11549160" y="6468480"/>
-            <a:ext cx="443160" cy="364320"/>
+            <a:ext cx="442800" cy="363960"/>
           </a:xfrm>
           <a:prstGeom prst="rect">
             <a:avLst/>
@@ -21458,7 +21513,7 @@
               </a:lnSpc>
               <a:buNone/>
             </a:pPr>
-            <a:fld id="{2AA80418-BA5F-4F8D-9A48-B745F119848B}" type="slidenum">
+            <a:fld id="{865438B9-8673-4A36-8627-DCEEDAFCC162}" type="slidenum">
               <a:rPr b="0" lang="en-US" sz="1200" spc="-1" strike="noStrike">
                 <a:solidFill>
                   <a:srgbClr val="b2b2b2"/>
@@ -22022,7 +22077,7 @@
         <p:spPr>
           <a:xfrm>
             <a:off x="7068960" y="6303960"/>
-            <a:ext cx="3014280" cy="553320"/>
+            <a:ext cx="3013920" cy="552960"/>
           </a:xfrm>
           <a:prstGeom prst="rect">
             <a:avLst/>
@@ -22070,7 +22125,7 @@
         <p:spPr>
           <a:xfrm>
             <a:off x="4038480" y="6356520"/>
-            <a:ext cx="4114080" cy="364320"/>
+            <a:ext cx="4113720" cy="363960"/>
           </a:xfrm>
           <a:prstGeom prst="rect">
             <a:avLst/>
@@ -22133,7 +22188,7 @@
         <p:spPr>
           <a:xfrm>
             <a:off x="11549160" y="6468480"/>
-            <a:ext cx="443160" cy="364320"/>
+            <a:ext cx="442800" cy="363960"/>
           </a:xfrm>
           <a:prstGeom prst="rect">
             <a:avLst/>
@@ -22168,7 +22223,7 @@
               </a:lnSpc>
               <a:buNone/>
             </a:pPr>
-            <a:fld id="{74E3EE34-CE18-4266-8081-A370F8C47146}" type="slidenum">
+            <a:fld id="{E493A89D-38F2-4A33-AB90-9DB4658AE0FD}" type="slidenum">
               <a:rPr b="0" lang="en-US" sz="1200" spc="-1" strike="noStrike">
                 <a:solidFill>
                   <a:srgbClr val="8b8b8b"/>
@@ -22462,7 +22517,7 @@
         <p:spPr>
           <a:xfrm>
             <a:off x="11549160" y="6468480"/>
-            <a:ext cx="443160" cy="364320"/>
+            <a:ext cx="442800" cy="363960"/>
           </a:xfrm>
           <a:prstGeom prst="rect">
             <a:avLst/>
@@ -22489,7 +22544,7 @@
               </a:lnSpc>
               <a:buNone/>
             </a:pPr>
-            <a:fld id="{9ABA8CFC-B070-4AF4-BC91-CE2EC3144204}" type="slidenum">
+            <a:fld id="{B6E78F64-4130-4A4A-9FB1-159722FE27EC}" type="slidenum">
               <a:rPr b="0" lang="en-US" sz="1200" spc="-1" strike="noStrike">
                 <a:solidFill>
                   <a:srgbClr val="8b8b8b"/>
@@ -22518,7 +22573,7 @@
         <p:spPr>
           <a:xfrm>
             <a:off x="11549160" y="6468480"/>
-            <a:ext cx="443160" cy="364320"/>
+            <a:ext cx="442800" cy="363960"/>
           </a:xfrm>
           <a:prstGeom prst="rect">
             <a:avLst/>
@@ -22553,7 +22608,7 @@
               </a:lnSpc>
               <a:buNone/>
             </a:pPr>
-            <a:fld id="{10668805-4966-44BE-B40C-91E1F7B89869}" type="slidenum">
+            <a:fld id="{E3B7A7D2-3906-430B-A3EE-74BA4D48F9A0}" type="slidenum">
               <a:rPr b="0" lang="en-US" sz="1200" spc="-1" strike="noStrike">
                 <a:solidFill>
                   <a:srgbClr val="b2b2b2"/>
@@ -22851,7 +22906,7 @@
         <p:spPr>
           <a:xfrm>
             <a:off x="4038480" y="6356520"/>
-            <a:ext cx="4114080" cy="364320"/>
+            <a:ext cx="4113720" cy="363960"/>
           </a:xfrm>
           <a:prstGeom prst="rect">
             <a:avLst/>
@@ -22914,7 +22969,7 @@
         <p:spPr>
           <a:xfrm>
             <a:off x="11549160" y="6468480"/>
-            <a:ext cx="443160" cy="364320"/>
+            <a:ext cx="442800" cy="363960"/>
           </a:xfrm>
           <a:prstGeom prst="rect">
             <a:avLst/>
@@ -22949,7 +23004,7 @@
               </a:lnSpc>
               <a:buNone/>
             </a:pPr>
-            <a:fld id="{AEE75B2D-8D88-4412-9953-4591598D9C0A}" type="slidenum">
+            <a:fld id="{22E56C2A-EC19-4619-9530-3A160ABD9977}" type="slidenum">
               <a:rPr b="0" lang="en-US" sz="1200" spc="-1" strike="noStrike">
                 <a:solidFill>
                   <a:srgbClr val="8b8b8b"/>
@@ -23247,7 +23302,7 @@
         <p:spPr>
           <a:xfrm>
             <a:off x="4038480" y="6356520"/>
-            <a:ext cx="4114080" cy="364320"/>
+            <a:ext cx="4113720" cy="363960"/>
           </a:xfrm>
           <a:prstGeom prst="rect">
             <a:avLst/>
@@ -23310,7 +23365,7 @@
         <p:spPr>
           <a:xfrm>
             <a:off x="11549160" y="6468480"/>
-            <a:ext cx="443160" cy="364320"/>
+            <a:ext cx="442800" cy="363960"/>
           </a:xfrm>
           <a:prstGeom prst="rect">
             <a:avLst/>
@@ -23345,7 +23400,7 @@
               </a:lnSpc>
               <a:buNone/>
             </a:pPr>
-            <a:fld id="{24D26860-D97F-4357-AC42-838BA763F176}" type="slidenum">
+            <a:fld id="{6F2D03A5-FBF7-42E7-A29E-C34812693311}" type="slidenum">
               <a:rPr b="0" lang="en-US" sz="1200" spc="-1" strike="noStrike">
                 <a:solidFill>
                   <a:srgbClr val="8b8b8b"/>
@@ -23909,7 +23964,7 @@
         <p:spPr>
           <a:xfrm>
             <a:off x="7781760" y="6303960"/>
-            <a:ext cx="3014280" cy="553320"/>
+            <a:ext cx="3013920" cy="552960"/>
           </a:xfrm>
           <a:prstGeom prst="rect">
             <a:avLst/>
@@ -23957,7 +24012,7 @@
         <p:spPr>
           <a:xfrm>
             <a:off x="11549160" y="6468480"/>
-            <a:ext cx="443160" cy="364320"/>
+            <a:ext cx="442800" cy="363960"/>
           </a:xfrm>
           <a:prstGeom prst="rect">
             <a:avLst/>
@@ -23992,7 +24047,7 @@
               </a:lnSpc>
               <a:buNone/>
             </a:pPr>
-            <a:fld id="{68803458-05EA-40BE-A7C7-F245D1D1CED8}" type="slidenum">
+            <a:fld id="{0148558F-5BF2-4CC1-BEF7-A90DE3D168F6}" type="slidenum">
               <a:rPr b="0" lang="en-US" sz="1200" spc="-1" strike="noStrike">
                 <a:solidFill>
                   <a:srgbClr val="b2b2b2"/>
@@ -24290,7 +24345,7 @@
         <p:spPr>
           <a:xfrm>
             <a:off x="11549160" y="6468480"/>
-            <a:ext cx="443160" cy="364320"/>
+            <a:ext cx="442800" cy="363960"/>
           </a:xfrm>
           <a:prstGeom prst="rect">
             <a:avLst/>
@@ -24325,7 +24380,7 @@
               </a:lnSpc>
               <a:buNone/>
             </a:pPr>
-            <a:fld id="{539A5746-A28A-41CD-8E12-4F4E2810C03C}" type="slidenum">
+            <a:fld id="{27600C1E-8868-4DD7-A409-E6BE1D8BCFA5}" type="slidenum">
               <a:rPr b="0" lang="en-US" sz="1200" spc="-1" strike="noStrike">
                 <a:solidFill>
                   <a:srgbClr val="8b8b8b"/>
@@ -24623,7 +24678,7 @@
         <p:spPr>
           <a:xfrm>
             <a:off x="11549160" y="6468480"/>
-            <a:ext cx="443160" cy="364320"/>
+            <a:ext cx="442800" cy="363960"/>
           </a:xfrm>
           <a:prstGeom prst="rect">
             <a:avLst/>
@@ -24658,7 +24713,7 @@
               </a:lnSpc>
               <a:buNone/>
             </a:pPr>
-            <a:fld id="{5D24CCEE-7F6A-444B-A2EA-59293DAF2077}" type="slidenum">
+            <a:fld id="{F6C4ED46-9E85-4D64-923F-8CE313625557}" type="slidenum">
               <a:rPr b="0" lang="en-US" sz="1200" spc="-1" strike="noStrike">
                 <a:solidFill>
                   <a:srgbClr val="8b8b8b"/>
@@ -24969,7 +25024,7 @@
         <p:spPr>
           <a:xfrm>
             <a:off x="0" y="0"/>
-            <a:ext cx="12191400" cy="6857280"/>
+            <a:ext cx="12191040" cy="6856920"/>
           </a:xfrm>
           <a:prstGeom prst="rect">
             <a:avLst/>
@@ -24992,7 +25047,7 @@
         <p:spPr>
           <a:xfrm>
             <a:off x="351000" y="2445480"/>
-            <a:ext cx="11489760" cy="823320"/>
+            <a:ext cx="11489400" cy="822960"/>
           </a:xfrm>
           <a:prstGeom prst="rect">
             <a:avLst/>
@@ -25017,7 +25072,7 @@
               <a:buNone/>
             </a:pPr>
             <a:r>
-              <a:rPr b="0" lang="en-US" sz="4000" spc="296" strike="noStrike" cap="all">
+              <a:rPr b="0" lang="en-US" sz="4000" spc="293" strike="noStrike" cap="all">
                 <a:solidFill>
                   <a:srgbClr val="ffffff"/>
                 </a:solidFill>
@@ -25044,7 +25099,7 @@
         <p:spPr>
           <a:xfrm>
             <a:off x="3512520" y="5922000"/>
-            <a:ext cx="5166720" cy="518040"/>
+            <a:ext cx="5166360" cy="517680"/>
           </a:xfrm>
           <a:prstGeom prst="rect">
             <a:avLst/>
@@ -25072,7 +25127,7 @@
               </a:tabLst>
             </a:pPr>
             <a:r>
-              <a:rPr b="0" lang="en-US" sz="1800" spc="296" strike="noStrike">
+              <a:rPr b="0" lang="en-US" sz="1800" spc="293" strike="noStrike">
                 <a:solidFill>
                   <a:srgbClr val="ffffff"/>
                 </a:solidFill>
@@ -25099,7 +25154,7 @@
         <p:spPr>
           <a:xfrm>
             <a:off x="4038480" y="3608640"/>
-            <a:ext cx="4114080" cy="518040"/>
+            <a:ext cx="4113720" cy="517680"/>
           </a:xfrm>
           <a:prstGeom prst="rect">
             <a:avLst/>
@@ -25165,6 +25220,1059 @@
 </file>
 
 <file path=ppt/slides/slide10.xml><?xml version="1.0" encoding="utf-8"?>
+<p:sld xmlns:a="http://schemas.openxmlformats.org/drawingml/2006/main" xmlns:p="http://schemas.openxmlformats.org/presentationml/2006/main" xmlns:r="http://schemas.openxmlformats.org/officeDocument/2006/relationships" xmlns:p14="http://schemas.microsoft.com/office/powerpoint/2010/main" xmlns:p15="http://schemas.microsoft.com/office/powerpoint/2012/main" xmlns:mc="http://schemas.openxmlformats.org/markup-compatibility/2006">
+  <p:cSld>
+    <p:spTree>
+      <p:nvGrpSpPr>
+        <p:cNvPr id="1" name=""/>
+        <p:cNvGrpSpPr/>
+        <p:nvPr/>
+      </p:nvGrpSpPr>
+      <p:grpSpPr>
+        <a:xfrm>
+          <a:off x="0" y="0"/>
+          <a:ext cx="0" cy="0"/>
+          <a:chOff x="0" y="0"/>
+          <a:chExt cx="0" cy="0"/>
+        </a:xfrm>
+      </p:grpSpPr>
+      <p:sp>
+        <p:nvSpPr>
+          <p:cNvPr id="473" name="Rectangle 3"/>
+          <p:cNvSpPr/>
+          <p:nvPr/>
+        </p:nvSpPr>
+        <p:spPr>
+          <a:xfrm>
+            <a:off x="594360" y="2418840"/>
+            <a:ext cx="11001960" cy="556560"/>
+          </a:xfrm>
+          <a:prstGeom prst="rect">
+            <a:avLst/>
+          </a:prstGeom>
+          <a:gradFill rotWithShape="0">
+            <a:gsLst>
+              <a:gs pos="0">
+                <a:srgbClr val="ea9a5c"/>
+              </a:gs>
+              <a:gs pos="100000">
+                <a:srgbClr val="01023b"/>
+              </a:gs>
+            </a:gsLst>
+            <a:lin ang="2700000"/>
+          </a:gradFill>
+          <a:ln>
+            <a:noFill/>
+          </a:ln>
+        </p:spPr>
+        <p:style>
+          <a:lnRef idx="2">
+            <a:schemeClr val="accent1">
+              <a:shade val="50000"/>
+            </a:schemeClr>
+          </a:lnRef>
+          <a:fillRef idx="1">
+            <a:schemeClr val="accent1"/>
+          </a:fillRef>
+          <a:effectRef idx="0">
+            <a:schemeClr val="accent1"/>
+          </a:effectRef>
+          <a:fontRef idx="minor"/>
+        </p:style>
+      </p:sp>
+      <p:sp>
+        <p:nvSpPr>
+          <p:cNvPr id="474" name="PlaceHolder 1"/>
+          <p:cNvSpPr>
+            <a:spLocks noGrp="1"/>
+          </p:cNvSpPr>
+          <p:nvPr>
+            <p:ph type="title"/>
+          </p:nvPr>
+        </p:nvSpPr>
+        <p:spPr>
+          <a:xfrm>
+            <a:off x="594360" y="767880"/>
+            <a:ext cx="11001960" cy="822960"/>
+          </a:xfrm>
+          <a:prstGeom prst="rect">
+            <a:avLst/>
+          </a:prstGeom>
+          <a:noFill/>
+          <a:ln w="0">
+            <a:noFill/>
+          </a:ln>
+        </p:spPr>
+        <p:txBody>
+          <a:bodyPr lIns="90000" rIns="90000" tIns="45000" bIns="45000" anchor="ctr">
+            <a:normAutofit/>
+          </a:bodyPr>
+          <a:p>
+            <a:pPr algn="ctr">
+              <a:lnSpc>
+                <a:spcPct val="100000"/>
+              </a:lnSpc>
+              <a:buNone/>
+            </a:pPr>
+            <a:r>
+              <a:rPr b="0" lang="en-US" sz="4800" spc="293" strike="noStrike" cap="all">
+                <a:solidFill>
+                  <a:srgbClr val="000000"/>
+                </a:solidFill>
+                <a:latin typeface="Calibri Light"/>
+              </a:rPr>
+              <a:t>Growth by sector </a:t>
+            </a:r>
+            <a:endParaRPr b="0" lang="pt-BR" sz="4800" spc="-1" strike="noStrike">
+              <a:latin typeface="Arial"/>
+            </a:endParaRPr>
+          </a:p>
+        </p:txBody>
+      </p:sp>
+      <p:graphicFrame>
+        <p:nvGraphicFramePr>
+          <p:cNvPr id="475" name="Table 2"/>
+          <p:cNvGraphicFramePr/>
+          <p:nvPr/>
+        </p:nvGraphicFramePr>
+        <p:xfrm>
+          <a:off x="595440" y="2406240"/>
+          <a:ext cx="11000520" cy="2775600"/>
+        </p:xfrm>
+        <a:graphic>
+          <a:graphicData uri="http://schemas.openxmlformats.org/drawingml/2006/table">
+            <a:tbl>
+              <a:tblPr/>
+              <a:tblGrid>
+                <a:gridCol w="2199960"/>
+                <a:gridCol w="2199960"/>
+                <a:gridCol w="2199960"/>
+                <a:gridCol w="2199960"/>
+                <a:gridCol w="2201040"/>
+              </a:tblGrid>
+              <a:tr h="581400">
+                <a:tc>
+                  <a:tcPr anchor="ctr" marL="91440" marR="91440">
+                    <a:lnL w="6480">
+                      <a:solidFill>
+                        <a:srgbClr val="e7e6e6"/>
+                      </a:solidFill>
+                    </a:lnL>
+                    <a:lnR w="12240">
+                      <a:noFill/>
+                    </a:lnR>
+                    <a:lnT w="6480">
+                      <a:solidFill>
+                        <a:srgbClr val="e7e6e6"/>
+                      </a:solidFill>
+                    </a:lnT>
+                    <a:lnB w="2880">
+                      <a:noFill/>
+                    </a:lnB>
+                    <a:noFill/>
+                  </a:tcPr>
+                </a:tc>
+                <a:tc>
+                  <a:txBody>
+                    <a:bodyPr anchor="ctr">
+                      <a:noAutofit/>
+                    </a:bodyPr>
+                    <a:p>
+                      <a:pPr algn="ctr">
+                        <a:lnSpc>
+                          <a:spcPct val="100000"/>
+                        </a:lnSpc>
+                        <a:buNone/>
+                      </a:pPr>
+                      <a:r>
+                        <a:rPr b="0" lang="en-US" sz="1600" spc="-1" strike="noStrike">
+                          <a:solidFill>
+                            <a:srgbClr val="ffffff"/>
+                          </a:solidFill>
+                          <a:latin typeface="Calibri"/>
+                        </a:rPr>
+                        <a:t>Q1</a:t>
+                      </a:r>
+                      <a:endParaRPr b="0" lang="pt-BR" sz="1600" spc="-1" strike="noStrike">
+                        <a:latin typeface="Arial"/>
+                      </a:endParaRPr>
+                    </a:p>
+                  </a:txBody>
+                  <a:tcPr anchor="ctr" marL="91440" marR="91440">
+                    <a:lnL w="12240">
+                      <a:noFill/>
+                    </a:lnL>
+                    <a:lnR w="12240">
+                      <a:noFill/>
+                    </a:lnR>
+                    <a:lnT w="6480">
+                      <a:solidFill>
+                        <a:srgbClr val="e7e6e6"/>
+                      </a:solidFill>
+                    </a:lnT>
+                    <a:lnB w="2880">
+                      <a:noFill/>
+                    </a:lnB>
+                    <a:noFill/>
+                  </a:tcPr>
+                </a:tc>
+                <a:tc>
+                  <a:txBody>
+                    <a:bodyPr anchor="ctr">
+                      <a:noAutofit/>
+                    </a:bodyPr>
+                    <a:p>
+                      <a:pPr algn="ctr">
+                        <a:lnSpc>
+                          <a:spcPct val="100000"/>
+                        </a:lnSpc>
+                        <a:buNone/>
+                      </a:pPr>
+                      <a:r>
+                        <a:rPr b="0" lang="en-US" sz="1600" spc="-1" strike="noStrike">
+                          <a:solidFill>
+                            <a:srgbClr val="ffffff"/>
+                          </a:solidFill>
+                          <a:latin typeface="Calibri"/>
+                        </a:rPr>
+                        <a:t>Q2</a:t>
+                      </a:r>
+                      <a:endParaRPr b="0" lang="pt-BR" sz="1600" spc="-1" strike="noStrike">
+                        <a:latin typeface="Arial"/>
+                      </a:endParaRPr>
+                    </a:p>
+                  </a:txBody>
+                  <a:tcPr anchor="ctr" marL="91440" marR="91440">
+                    <a:lnL w="12240">
+                      <a:noFill/>
+                    </a:lnL>
+                    <a:lnR w="12240">
+                      <a:noFill/>
+                    </a:lnR>
+                    <a:lnT w="6480">
+                      <a:solidFill>
+                        <a:srgbClr val="e7e6e6"/>
+                      </a:solidFill>
+                    </a:lnT>
+                    <a:lnB w="2880">
+                      <a:noFill/>
+                    </a:lnB>
+                    <a:noFill/>
+                  </a:tcPr>
+                </a:tc>
+                <a:tc>
+                  <a:txBody>
+                    <a:bodyPr anchor="ctr">
+                      <a:noAutofit/>
+                    </a:bodyPr>
+                    <a:p>
+                      <a:pPr algn="ctr">
+                        <a:lnSpc>
+                          <a:spcPct val="100000"/>
+                        </a:lnSpc>
+                        <a:buNone/>
+                      </a:pPr>
+                      <a:r>
+                        <a:rPr b="0" lang="en-US" sz="1600" spc="-1" strike="noStrike">
+                          <a:solidFill>
+                            <a:srgbClr val="ffffff"/>
+                          </a:solidFill>
+                          <a:latin typeface="Calibri"/>
+                        </a:rPr>
+                        <a:t>Q3</a:t>
+                      </a:r>
+                      <a:endParaRPr b="0" lang="pt-BR" sz="1600" spc="-1" strike="noStrike">
+                        <a:latin typeface="Arial"/>
+                      </a:endParaRPr>
+                    </a:p>
+                  </a:txBody>
+                  <a:tcPr anchor="ctr" marL="91440" marR="91440">
+                    <a:lnL w="12240">
+                      <a:noFill/>
+                    </a:lnL>
+                    <a:lnR w="12240">
+                      <a:noFill/>
+                    </a:lnR>
+                    <a:lnT w="6480">
+                      <a:solidFill>
+                        <a:srgbClr val="e7e6e6"/>
+                      </a:solidFill>
+                    </a:lnT>
+                    <a:lnB w="2880">
+                      <a:noFill/>
+                    </a:lnB>
+                    <a:noFill/>
+                  </a:tcPr>
+                </a:tc>
+                <a:tc>
+                  <a:txBody>
+                    <a:bodyPr anchor="ctr">
+                      <a:noAutofit/>
+                    </a:bodyPr>
+                    <a:p>
+                      <a:pPr algn="ctr">
+                        <a:lnSpc>
+                          <a:spcPct val="100000"/>
+                        </a:lnSpc>
+                        <a:buNone/>
+                      </a:pPr>
+                      <a:r>
+                        <a:rPr b="0" lang="en-US" sz="1600" spc="-1" strike="noStrike">
+                          <a:solidFill>
+                            <a:srgbClr val="ffffff"/>
+                          </a:solidFill>
+                          <a:latin typeface="Calibri"/>
+                        </a:rPr>
+                        <a:t>Q4</a:t>
+                      </a:r>
+                      <a:endParaRPr b="0" lang="pt-BR" sz="1600" spc="-1" strike="noStrike">
+                        <a:latin typeface="Arial"/>
+                      </a:endParaRPr>
+                    </a:p>
+                  </a:txBody>
+                  <a:tcPr anchor="ctr" marL="91440" marR="91440">
+                    <a:lnL w="12240">
+                      <a:noFill/>
+                    </a:lnL>
+                    <a:lnR w="6480">
+                      <a:solidFill>
+                        <a:srgbClr val="e7e6e6"/>
+                      </a:solidFill>
+                    </a:lnR>
+                    <a:lnT w="6480">
+                      <a:solidFill>
+                        <a:srgbClr val="e7e6e6"/>
+                      </a:solidFill>
+                    </a:lnT>
+                    <a:lnB w="2880">
+                      <a:noFill/>
+                    </a:lnB>
+                    <a:noFill/>
+                  </a:tcPr>
+                </a:tc>
+              </a:tr>
+              <a:tr h="731520">
+                <a:tc>
+                  <a:txBody>
+                    <a:bodyPr lIns="182880" anchor="ctr">
+                      <a:noAutofit/>
+                    </a:bodyPr>
+                    <a:p>
+                      <a:pPr>
+                        <a:lnSpc>
+                          <a:spcPct val="100000"/>
+                        </a:lnSpc>
+                        <a:buNone/>
+                      </a:pPr>
+                      <a:r>
+                        <a:rPr b="0" lang="en-US" sz="1600" spc="293" strike="noStrike">
+                          <a:solidFill>
+                            <a:srgbClr val="000000"/>
+                          </a:solidFill>
+                          <a:latin typeface="Calibri"/>
+                        </a:rPr>
+                        <a:t>SERIES 1</a:t>
+                      </a:r>
+                      <a:endParaRPr b="0" lang="pt-BR" sz="1600" spc="-1" strike="noStrike">
+                        <a:latin typeface="Arial"/>
+                      </a:endParaRPr>
+                    </a:p>
+                  </a:txBody>
+                  <a:tcPr anchor="ctr" marL="182880" marR="91440">
+                    <a:lnL w="6480">
+                      <a:noFill/>
+                    </a:lnL>
+                    <a:lnR w="2880">
+                      <a:solidFill>
+                        <a:srgbClr val="767171"/>
+                      </a:solidFill>
+                    </a:lnR>
+                    <a:lnT w="2880">
+                      <a:noFill/>
+                    </a:lnT>
+                    <a:lnB w="6480">
+                      <a:noFill/>
+                    </a:lnB>
+                    <a:noFill/>
+                  </a:tcPr>
+                </a:tc>
+                <a:tc>
+                  <a:txBody>
+                    <a:bodyPr anchor="ctr">
+                      <a:noAutofit/>
+                    </a:bodyPr>
+                    <a:p>
+                      <a:pPr algn="ctr">
+                        <a:lnSpc>
+                          <a:spcPct val="100000"/>
+                        </a:lnSpc>
+                        <a:buNone/>
+                      </a:pPr>
+                      <a:r>
+                        <a:rPr b="0" lang="en-US" sz="1400" spc="-1" strike="noStrike">
+                          <a:solidFill>
+                            <a:srgbClr val="000000"/>
+                          </a:solidFill>
+                          <a:latin typeface="Calibri"/>
+                        </a:rPr>
+                        <a:t>4.3</a:t>
+                      </a:r>
+                      <a:endParaRPr b="0" lang="pt-BR" sz="1400" spc="-1" strike="noStrike">
+                        <a:latin typeface="Arial"/>
+                      </a:endParaRPr>
+                    </a:p>
+                  </a:txBody>
+                  <a:tcPr anchor="ctr" marL="91440" marR="91440">
+                    <a:lnL w="2880">
+                      <a:solidFill>
+                        <a:srgbClr val="767171"/>
+                      </a:solidFill>
+                    </a:lnL>
+                    <a:lnR w="2880">
+                      <a:solidFill>
+                        <a:srgbClr val="767171"/>
+                      </a:solidFill>
+                    </a:lnR>
+                    <a:lnT w="2880">
+                      <a:noFill/>
+                    </a:lnT>
+                    <a:lnB w="6480">
+                      <a:noFill/>
+                    </a:lnB>
+                    <a:noFill/>
+                  </a:tcPr>
+                </a:tc>
+                <a:tc>
+                  <a:txBody>
+                    <a:bodyPr anchor="ctr">
+                      <a:noAutofit/>
+                    </a:bodyPr>
+                    <a:p>
+                      <a:pPr algn="ctr">
+                        <a:lnSpc>
+                          <a:spcPct val="100000"/>
+                        </a:lnSpc>
+                        <a:buNone/>
+                      </a:pPr>
+                      <a:r>
+                        <a:rPr b="0" lang="en-US" sz="1400" spc="-1" strike="noStrike">
+                          <a:solidFill>
+                            <a:srgbClr val="000000"/>
+                          </a:solidFill>
+                          <a:latin typeface="Calibri"/>
+                        </a:rPr>
+                        <a:t>2.5</a:t>
+                      </a:r>
+                      <a:endParaRPr b="0" lang="pt-BR" sz="1400" spc="-1" strike="noStrike">
+                        <a:latin typeface="Arial"/>
+                      </a:endParaRPr>
+                    </a:p>
+                  </a:txBody>
+                  <a:tcPr anchor="ctr" marL="91440" marR="91440">
+                    <a:lnL w="2880">
+                      <a:solidFill>
+                        <a:srgbClr val="767171"/>
+                      </a:solidFill>
+                    </a:lnL>
+                    <a:lnR w="2880">
+                      <a:solidFill>
+                        <a:srgbClr val="767171"/>
+                      </a:solidFill>
+                    </a:lnR>
+                    <a:lnT w="2880">
+                      <a:noFill/>
+                    </a:lnT>
+                    <a:lnB w="6480">
+                      <a:noFill/>
+                    </a:lnB>
+                    <a:noFill/>
+                  </a:tcPr>
+                </a:tc>
+                <a:tc>
+                  <a:txBody>
+                    <a:bodyPr anchor="ctr">
+                      <a:noAutofit/>
+                    </a:bodyPr>
+                    <a:p>
+                      <a:pPr algn="ctr">
+                        <a:lnSpc>
+                          <a:spcPct val="100000"/>
+                        </a:lnSpc>
+                        <a:buNone/>
+                      </a:pPr>
+                      <a:r>
+                        <a:rPr b="0" lang="en-US" sz="1400" spc="-1" strike="noStrike">
+                          <a:solidFill>
+                            <a:srgbClr val="000000"/>
+                          </a:solidFill>
+                          <a:latin typeface="Calibri"/>
+                        </a:rPr>
+                        <a:t>3.5</a:t>
+                      </a:r>
+                      <a:endParaRPr b="0" lang="pt-BR" sz="1400" spc="-1" strike="noStrike">
+                        <a:latin typeface="Arial"/>
+                      </a:endParaRPr>
+                    </a:p>
+                  </a:txBody>
+                  <a:tcPr anchor="ctr" marL="91440" marR="91440">
+                    <a:lnL w="2880">
+                      <a:solidFill>
+                        <a:srgbClr val="767171"/>
+                      </a:solidFill>
+                    </a:lnL>
+                    <a:lnR w="2880">
+                      <a:solidFill>
+                        <a:srgbClr val="767171"/>
+                      </a:solidFill>
+                    </a:lnR>
+                    <a:lnT w="2880">
+                      <a:noFill/>
+                    </a:lnT>
+                    <a:lnB w="6480">
+                      <a:noFill/>
+                    </a:lnB>
+                    <a:noFill/>
+                  </a:tcPr>
+                </a:tc>
+                <a:tc>
+                  <a:txBody>
+                    <a:bodyPr anchor="ctr">
+                      <a:noAutofit/>
+                    </a:bodyPr>
+                    <a:p>
+                      <a:pPr algn="ctr">
+                        <a:lnSpc>
+                          <a:spcPct val="100000"/>
+                        </a:lnSpc>
+                        <a:buNone/>
+                      </a:pPr>
+                      <a:r>
+                        <a:rPr b="0" lang="en-US" sz="1400" spc="-1" strike="noStrike">
+                          <a:solidFill>
+                            <a:srgbClr val="000000"/>
+                          </a:solidFill>
+                          <a:latin typeface="Calibri"/>
+                        </a:rPr>
+                        <a:t>4.5</a:t>
+                      </a:r>
+                      <a:endParaRPr b="0" lang="pt-BR" sz="1400" spc="-1" strike="noStrike">
+                        <a:latin typeface="Arial"/>
+                      </a:endParaRPr>
+                    </a:p>
+                  </a:txBody>
+                  <a:tcPr anchor="ctr" marL="91440" marR="91440">
+                    <a:lnL w="2880">
+                      <a:solidFill>
+                        <a:srgbClr val="767171"/>
+                      </a:solidFill>
+                    </a:lnL>
+                    <a:lnR w="6480">
+                      <a:noFill/>
+                    </a:lnR>
+                    <a:lnT w="2880">
+                      <a:noFill/>
+                    </a:lnT>
+                    <a:lnB w="6480">
+                      <a:noFill/>
+                    </a:lnB>
+                    <a:noFill/>
+                  </a:tcPr>
+                </a:tc>
+              </a:tr>
+              <a:tr h="731520">
+                <a:tc>
+                  <a:txBody>
+                    <a:bodyPr lIns="182880" anchor="ctr">
+                      <a:noAutofit/>
+                    </a:bodyPr>
+                    <a:p>
+                      <a:pPr>
+                        <a:lnSpc>
+                          <a:spcPct val="100000"/>
+                        </a:lnSpc>
+                        <a:buNone/>
+                      </a:pPr>
+                      <a:r>
+                        <a:rPr b="0" lang="en-US" sz="1600" spc="293" strike="noStrike">
+                          <a:solidFill>
+                            <a:srgbClr val="000000"/>
+                          </a:solidFill>
+                          <a:latin typeface="Calibri"/>
+                        </a:rPr>
+                        <a:t>SERIES 2</a:t>
+                      </a:r>
+                      <a:endParaRPr b="0" lang="pt-BR" sz="1600" spc="-1" strike="noStrike">
+                        <a:latin typeface="Arial"/>
+                      </a:endParaRPr>
+                    </a:p>
+                  </a:txBody>
+                  <a:tcPr anchor="ctr" marL="182880" marR="91440">
+                    <a:lnL w="6480">
+                      <a:noFill/>
+                    </a:lnL>
+                    <a:lnR w="2880">
+                      <a:solidFill>
+                        <a:srgbClr val="767171"/>
+                      </a:solidFill>
+                    </a:lnR>
+                    <a:lnT w="6480">
+                      <a:noFill/>
+                    </a:lnT>
+                    <a:lnB w="6480">
+                      <a:noFill/>
+                    </a:lnB>
+                    <a:noFill/>
+                  </a:tcPr>
+                </a:tc>
+                <a:tc>
+                  <a:txBody>
+                    <a:bodyPr anchor="ctr">
+                      <a:noAutofit/>
+                    </a:bodyPr>
+                    <a:p>
+                      <a:pPr algn="ctr">
+                        <a:lnSpc>
+                          <a:spcPct val="100000"/>
+                        </a:lnSpc>
+                        <a:buNone/>
+                      </a:pPr>
+                      <a:r>
+                        <a:rPr b="0" lang="en-US" sz="1400" spc="-1" strike="noStrike">
+                          <a:solidFill>
+                            <a:srgbClr val="000000"/>
+                          </a:solidFill>
+                          <a:latin typeface="Calibri"/>
+                        </a:rPr>
+                        <a:t>2.4</a:t>
+                      </a:r>
+                      <a:endParaRPr b="0" lang="pt-BR" sz="1400" spc="-1" strike="noStrike">
+                        <a:latin typeface="Arial"/>
+                      </a:endParaRPr>
+                    </a:p>
+                  </a:txBody>
+                  <a:tcPr anchor="ctr" marL="91440" marR="91440">
+                    <a:lnL w="2880">
+                      <a:solidFill>
+                        <a:srgbClr val="767171"/>
+                      </a:solidFill>
+                    </a:lnL>
+                    <a:lnR w="2880">
+                      <a:solidFill>
+                        <a:srgbClr val="767171"/>
+                      </a:solidFill>
+                    </a:lnR>
+                    <a:lnT w="6480">
+                      <a:noFill/>
+                    </a:lnT>
+                    <a:lnB w="6480">
+                      <a:noFill/>
+                    </a:lnB>
+                    <a:noFill/>
+                  </a:tcPr>
+                </a:tc>
+                <a:tc>
+                  <a:txBody>
+                    <a:bodyPr anchor="ctr">
+                      <a:noAutofit/>
+                    </a:bodyPr>
+                    <a:p>
+                      <a:pPr algn="ctr">
+                        <a:lnSpc>
+                          <a:spcPct val="100000"/>
+                        </a:lnSpc>
+                        <a:buNone/>
+                      </a:pPr>
+                      <a:r>
+                        <a:rPr b="0" lang="en-US" sz="1400" spc="-1" strike="noStrike">
+                          <a:solidFill>
+                            <a:srgbClr val="000000"/>
+                          </a:solidFill>
+                          <a:latin typeface="Calibri"/>
+                        </a:rPr>
+                        <a:t>4.4</a:t>
+                      </a:r>
+                      <a:endParaRPr b="0" lang="pt-BR" sz="1400" spc="-1" strike="noStrike">
+                        <a:latin typeface="Arial"/>
+                      </a:endParaRPr>
+                    </a:p>
+                  </a:txBody>
+                  <a:tcPr anchor="ctr" marL="91440" marR="91440">
+                    <a:lnL w="2880">
+                      <a:solidFill>
+                        <a:srgbClr val="767171"/>
+                      </a:solidFill>
+                    </a:lnL>
+                    <a:lnR w="2880">
+                      <a:solidFill>
+                        <a:srgbClr val="767171"/>
+                      </a:solidFill>
+                    </a:lnR>
+                    <a:lnT w="6480">
+                      <a:noFill/>
+                    </a:lnT>
+                    <a:lnB w="6480">
+                      <a:noFill/>
+                    </a:lnB>
+                    <a:noFill/>
+                  </a:tcPr>
+                </a:tc>
+                <a:tc>
+                  <a:txBody>
+                    <a:bodyPr anchor="ctr">
+                      <a:noAutofit/>
+                    </a:bodyPr>
+                    <a:p>
+                      <a:pPr algn="ctr">
+                        <a:lnSpc>
+                          <a:spcPct val="100000"/>
+                        </a:lnSpc>
+                        <a:buNone/>
+                      </a:pPr>
+                      <a:r>
+                        <a:rPr b="0" lang="en-US" sz="1400" spc="-1" strike="noStrike">
+                          <a:solidFill>
+                            <a:srgbClr val="000000"/>
+                          </a:solidFill>
+                          <a:latin typeface="Calibri"/>
+                        </a:rPr>
+                        <a:t>1.8</a:t>
+                      </a:r>
+                      <a:endParaRPr b="0" lang="pt-BR" sz="1400" spc="-1" strike="noStrike">
+                        <a:latin typeface="Arial"/>
+                      </a:endParaRPr>
+                    </a:p>
+                  </a:txBody>
+                  <a:tcPr anchor="ctr" marL="91440" marR="91440">
+                    <a:lnL w="2880">
+                      <a:solidFill>
+                        <a:srgbClr val="767171"/>
+                      </a:solidFill>
+                    </a:lnL>
+                    <a:lnR w="2880">
+                      <a:solidFill>
+                        <a:srgbClr val="767171"/>
+                      </a:solidFill>
+                    </a:lnR>
+                    <a:lnT w="6480">
+                      <a:noFill/>
+                    </a:lnT>
+                    <a:lnB w="6480">
+                      <a:noFill/>
+                    </a:lnB>
+                    <a:noFill/>
+                  </a:tcPr>
+                </a:tc>
+                <a:tc>
+                  <a:txBody>
+                    <a:bodyPr anchor="ctr">
+                      <a:noAutofit/>
+                    </a:bodyPr>
+                    <a:p>
+                      <a:pPr algn="ctr">
+                        <a:lnSpc>
+                          <a:spcPct val="100000"/>
+                        </a:lnSpc>
+                        <a:buNone/>
+                      </a:pPr>
+                      <a:r>
+                        <a:rPr b="0" lang="en-US" sz="1400" spc="-1" strike="noStrike">
+                          <a:solidFill>
+                            <a:srgbClr val="000000"/>
+                          </a:solidFill>
+                          <a:latin typeface="Calibri"/>
+                        </a:rPr>
+                        <a:t>2.8</a:t>
+                      </a:r>
+                      <a:endParaRPr b="0" lang="pt-BR" sz="1400" spc="-1" strike="noStrike">
+                        <a:latin typeface="Arial"/>
+                      </a:endParaRPr>
+                    </a:p>
+                  </a:txBody>
+                  <a:tcPr anchor="ctr" marL="91440" marR="91440">
+                    <a:lnL w="2880">
+                      <a:solidFill>
+                        <a:srgbClr val="767171"/>
+                      </a:solidFill>
+                    </a:lnL>
+                    <a:lnR w="6480">
+                      <a:noFill/>
+                    </a:lnR>
+                    <a:lnT w="6480">
+                      <a:noFill/>
+                    </a:lnT>
+                    <a:lnB w="6480">
+                      <a:noFill/>
+                    </a:lnB>
+                    <a:noFill/>
+                  </a:tcPr>
+                </a:tc>
+              </a:tr>
+              <a:tr h="731520">
+                <a:tc>
+                  <a:txBody>
+                    <a:bodyPr lIns="182880" anchor="ctr">
+                      <a:noAutofit/>
+                    </a:bodyPr>
+                    <a:p>
+                      <a:pPr>
+                        <a:lnSpc>
+                          <a:spcPct val="100000"/>
+                        </a:lnSpc>
+                        <a:buNone/>
+                      </a:pPr>
+                      <a:r>
+                        <a:rPr b="0" lang="en-US" sz="1600" spc="293" strike="noStrike">
+                          <a:solidFill>
+                            <a:srgbClr val="000000"/>
+                          </a:solidFill>
+                          <a:latin typeface="Calibri"/>
+                        </a:rPr>
+                        <a:t>SERIES 3</a:t>
+                      </a:r>
+                      <a:endParaRPr b="0" lang="pt-BR" sz="1600" spc="-1" strike="noStrike">
+                        <a:latin typeface="Arial"/>
+                      </a:endParaRPr>
+                    </a:p>
+                  </a:txBody>
+                  <a:tcPr anchor="ctr" marL="182880" marR="91440">
+                    <a:lnL w="6480">
+                      <a:noFill/>
+                    </a:lnL>
+                    <a:lnR w="2880">
+                      <a:solidFill>
+                        <a:srgbClr val="767171"/>
+                      </a:solidFill>
+                    </a:lnR>
+                    <a:lnT w="6480">
+                      <a:noFill/>
+                    </a:lnT>
+                    <a:lnB w="6480">
+                      <a:noFill/>
+                    </a:lnB>
+                    <a:noFill/>
+                  </a:tcPr>
+                </a:tc>
+                <a:tc>
+                  <a:txBody>
+                    <a:bodyPr anchor="ctr">
+                      <a:noAutofit/>
+                    </a:bodyPr>
+                    <a:p>
+                      <a:pPr algn="ctr">
+                        <a:lnSpc>
+                          <a:spcPct val="100000"/>
+                        </a:lnSpc>
+                        <a:buNone/>
+                      </a:pPr>
+                      <a:r>
+                        <a:rPr b="0" lang="en-US" sz="1400" spc="-1" strike="noStrike">
+                          <a:solidFill>
+                            <a:srgbClr val="000000"/>
+                          </a:solidFill>
+                          <a:latin typeface="Calibri"/>
+                        </a:rPr>
+                        <a:t>2</a:t>
+                      </a:r>
+                      <a:endParaRPr b="0" lang="pt-BR" sz="1400" spc="-1" strike="noStrike">
+                        <a:latin typeface="Arial"/>
+                      </a:endParaRPr>
+                    </a:p>
+                  </a:txBody>
+                  <a:tcPr anchor="ctr" marL="91440" marR="91440">
+                    <a:lnL w="2880">
+                      <a:solidFill>
+                        <a:srgbClr val="767171"/>
+                      </a:solidFill>
+                    </a:lnL>
+                    <a:lnR w="2880">
+                      <a:solidFill>
+                        <a:srgbClr val="767171"/>
+                      </a:solidFill>
+                    </a:lnR>
+                    <a:lnT w="6480">
+                      <a:noFill/>
+                    </a:lnT>
+                    <a:lnB w="6480">
+                      <a:noFill/>
+                    </a:lnB>
+                    <a:noFill/>
+                  </a:tcPr>
+                </a:tc>
+                <a:tc>
+                  <a:txBody>
+                    <a:bodyPr anchor="ctr">
+                      <a:noAutofit/>
+                    </a:bodyPr>
+                    <a:p>
+                      <a:pPr algn="ctr">
+                        <a:lnSpc>
+                          <a:spcPct val="100000"/>
+                        </a:lnSpc>
+                        <a:buNone/>
+                      </a:pPr>
+                      <a:r>
+                        <a:rPr b="0" lang="en-US" sz="1400" spc="-1" strike="noStrike">
+                          <a:solidFill>
+                            <a:srgbClr val="000000"/>
+                          </a:solidFill>
+                          <a:latin typeface="Calibri"/>
+                        </a:rPr>
+                        <a:t>2</a:t>
+                      </a:r>
+                      <a:endParaRPr b="0" lang="pt-BR" sz="1400" spc="-1" strike="noStrike">
+                        <a:latin typeface="Arial"/>
+                      </a:endParaRPr>
+                    </a:p>
+                  </a:txBody>
+                  <a:tcPr anchor="ctr" marL="91440" marR="91440">
+                    <a:lnL w="2880">
+                      <a:solidFill>
+                        <a:srgbClr val="767171"/>
+                      </a:solidFill>
+                    </a:lnL>
+                    <a:lnR w="2880">
+                      <a:solidFill>
+                        <a:srgbClr val="767171"/>
+                      </a:solidFill>
+                    </a:lnR>
+                    <a:lnT w="6480">
+                      <a:noFill/>
+                    </a:lnT>
+                    <a:lnB w="6480">
+                      <a:noFill/>
+                    </a:lnB>
+                    <a:noFill/>
+                  </a:tcPr>
+                </a:tc>
+                <a:tc>
+                  <a:txBody>
+                    <a:bodyPr anchor="ctr">
+                      <a:noAutofit/>
+                    </a:bodyPr>
+                    <a:p>
+                      <a:pPr algn="ctr">
+                        <a:lnSpc>
+                          <a:spcPct val="100000"/>
+                        </a:lnSpc>
+                        <a:buNone/>
+                      </a:pPr>
+                      <a:r>
+                        <a:rPr b="0" lang="en-US" sz="1400" spc="-1" strike="noStrike">
+                          <a:solidFill>
+                            <a:srgbClr val="000000"/>
+                          </a:solidFill>
+                          <a:latin typeface="Calibri"/>
+                        </a:rPr>
+                        <a:t>3</a:t>
+                      </a:r>
+                      <a:endParaRPr b="0" lang="pt-BR" sz="1400" spc="-1" strike="noStrike">
+                        <a:latin typeface="Arial"/>
+                      </a:endParaRPr>
+                    </a:p>
+                  </a:txBody>
+                  <a:tcPr anchor="ctr" marL="91440" marR="91440">
+                    <a:lnL w="2880">
+                      <a:solidFill>
+                        <a:srgbClr val="767171"/>
+                      </a:solidFill>
+                    </a:lnL>
+                    <a:lnR w="2880">
+                      <a:solidFill>
+                        <a:srgbClr val="767171"/>
+                      </a:solidFill>
+                    </a:lnR>
+                    <a:lnT w="6480">
+                      <a:noFill/>
+                    </a:lnT>
+                    <a:lnB w="6480">
+                      <a:noFill/>
+                    </a:lnB>
+                    <a:noFill/>
+                  </a:tcPr>
+                </a:tc>
+                <a:tc>
+                  <a:txBody>
+                    <a:bodyPr anchor="ctr">
+                      <a:noAutofit/>
+                    </a:bodyPr>
+                    <a:p>
+                      <a:pPr algn="ctr">
+                        <a:lnSpc>
+                          <a:spcPct val="100000"/>
+                        </a:lnSpc>
+                        <a:buNone/>
+                      </a:pPr>
+                      <a:r>
+                        <a:rPr b="0" lang="en-US" sz="1400" spc="-1" strike="noStrike">
+                          <a:solidFill>
+                            <a:srgbClr val="000000"/>
+                          </a:solidFill>
+                          <a:latin typeface="Calibri"/>
+                        </a:rPr>
+                        <a:t>5</a:t>
+                      </a:r>
+                      <a:endParaRPr b="0" lang="pt-BR" sz="1400" spc="-1" strike="noStrike">
+                        <a:latin typeface="Arial"/>
+                      </a:endParaRPr>
+                    </a:p>
+                  </a:txBody>
+                  <a:tcPr anchor="ctr" marL="91440" marR="91440">
+                    <a:lnL w="2880">
+                      <a:solidFill>
+                        <a:srgbClr val="767171"/>
+                      </a:solidFill>
+                    </a:lnL>
+                    <a:lnR w="6480">
+                      <a:noFill/>
+                    </a:lnR>
+                    <a:lnT w="6480">
+                      <a:noFill/>
+                    </a:lnT>
+                    <a:lnB w="6480">
+                      <a:noFill/>
+                    </a:lnB>
+                    <a:noFill/>
+                  </a:tcPr>
+                </a:tc>
+              </a:tr>
+            </a:tbl>
+          </a:graphicData>
+        </a:graphic>
+      </p:graphicFrame>
+      <p:sp>
+        <p:nvSpPr>
+          <p:cNvPr id="3" name="PlaceHolder 2"/>
+          <p:cNvSpPr>
+            <a:spLocks noGrp="1"/>
+          </p:cNvSpPr>
+          <p:nvPr>
+            <p:ph type="sldNum" idx="7"/>
+          </p:nvPr>
+        </p:nvSpPr>
+        <p:spPr/>
+        <p:txBody>
+          <a:bodyPr/>
+          <a:p>
+            <a:fld id="{7EC9D5BB-E62A-4E5D-9D3D-26ADADEE7CF7}" type="slidenum">
+              <a:t>10</a:t>
+            </a:fld>
+          </a:p>
+        </p:txBody>
+      </p:sp>
+    </p:spTree>
+  </p:cSld>
+  <mc:AlternateContent>
+    <mc:Choice Requires="p14">
+      <p:transition spd="slow" p14:dur="2000"/>
+    </mc:Choice>
+    <mc:Fallback>
+      <p:transition spd="slow"/>
+    </mc:Fallback>
+  </mc:AlternateContent>
+</p:sld>
+</file>
+
+<file path=ppt/slides/slide11.xml><?xml version="1.0" encoding="utf-8"?>
 <p:sld xmlns:a="http://schemas.openxmlformats.org/drawingml/2006/main" xmlns:p="http://schemas.openxmlformats.org/presentationml/2006/main" xmlns:r="http://schemas.openxmlformats.org/officeDocument/2006/relationships" xmlns:p14="http://schemas.microsoft.com/office/powerpoint/2010/main" xmlns:p15="http://schemas.microsoft.com/office/powerpoint/2012/main" xmlns:mc="http://schemas.openxmlformats.org/markup-compatibility/2006">
   <p:cSld>
     <p:bg>
@@ -25190,7 +26298,7 @@
       </p:grpSpPr>
       <p:pic>
         <p:nvPicPr>
-          <p:cNvPr id="471" name="Picture Placeholder 7" descr="close up of computer code"/>
+          <p:cNvPr id="476" name="Picture Placeholder 7" descr="close up of computer code"/>
           <p:cNvPicPr/>
           <p:nvPr/>
         </p:nvPicPr>
@@ -25215,7 +26323,7 @@
         <p:spPr>
           <a:xfrm>
             <a:off x="0" y="0"/>
-            <a:ext cx="12191400" cy="6857280"/>
+            <a:ext cx="12191040" cy="6856920"/>
           </a:xfrm>
           <a:prstGeom prst="rect">
             <a:avLst/>
@@ -25227,7 +26335,7 @@
       </p:pic>
       <p:sp>
         <p:nvSpPr>
-          <p:cNvPr id="472" name="PlaceHolder 1"/>
+          <p:cNvPr id="477" name="PlaceHolder 1"/>
           <p:cNvSpPr>
             <a:spLocks noGrp="1"/>
           </p:cNvSpPr>
@@ -25238,7 +26346,7 @@
         <p:spPr>
           <a:xfrm>
             <a:off x="4038480" y="4607280"/>
-            <a:ext cx="4114080" cy="420840"/>
+            <a:ext cx="4113720" cy="420480"/>
           </a:xfrm>
           <a:prstGeom prst="rect">
             <a:avLst/>
@@ -25270,7 +26378,7 @@
               <a:buNone/>
             </a:pPr>
             <a:r>
-              <a:rPr b="0" lang="en-US" sz="1400" spc="296" strike="noStrike" cap="all">
+              <a:rPr b="0" lang="en-US" sz="1400" spc="293" strike="noStrike" cap="all">
                 <a:solidFill>
                   <a:srgbClr val="ffffff"/>
                 </a:solidFill>
@@ -25286,7 +26394,7 @@
       </p:sp>
       <p:sp>
         <p:nvSpPr>
-          <p:cNvPr id="473" name="PlaceHolder 2"/>
+          <p:cNvPr id="478" name="PlaceHolder 2"/>
           <p:cNvSpPr>
             <a:spLocks noGrp="1"/>
           </p:cNvSpPr>
@@ -25297,7 +26405,7 @@
         <p:spPr>
           <a:xfrm>
             <a:off x="1478880" y="1569600"/>
-            <a:ext cx="9233640" cy="2650680"/>
+            <a:ext cx="9233280" cy="2650320"/>
           </a:xfrm>
           <a:prstGeom prst="rect">
             <a:avLst/>
@@ -25336,661 +26444,6 @@
             <a:endParaRPr b="0" lang="pt-BR" sz="3200" spc="-1" strike="noStrike">
               <a:latin typeface="Arial"/>
             </a:endParaRPr>
-          </a:p>
-        </p:txBody>
-      </p:sp>
-    </p:spTree>
-  </p:cSld>
-  <mc:AlternateContent>
-    <mc:Choice Requires="p14">
-      <p:transition spd="slow" p14:dur="2000"/>
-    </mc:Choice>
-    <mc:Fallback>
-      <p:transition spd="slow"/>
-    </mc:Fallback>
-  </mc:AlternateContent>
-</p:sld>
-</file>
-
-<file path=ppt/slides/slide11.xml><?xml version="1.0" encoding="utf-8"?>
-<p:sld xmlns:a="http://schemas.openxmlformats.org/drawingml/2006/main" xmlns:p="http://schemas.openxmlformats.org/presentationml/2006/main" xmlns:r="http://schemas.openxmlformats.org/officeDocument/2006/relationships" xmlns:p14="http://schemas.microsoft.com/office/powerpoint/2010/main" xmlns:p15="http://schemas.microsoft.com/office/powerpoint/2012/main" xmlns:mc="http://schemas.openxmlformats.org/markup-compatibility/2006">
-  <p:cSld>
-    <p:spTree>
-      <p:nvGrpSpPr>
-        <p:cNvPr id="1" name=""/>
-        <p:cNvGrpSpPr/>
-        <p:nvPr/>
-      </p:nvGrpSpPr>
-      <p:grpSpPr>
-        <a:xfrm>
-          <a:off x="0" y="0"/>
-          <a:ext cx="0" cy="0"/>
-          <a:chOff x="0" y="0"/>
-          <a:chExt cx="0" cy="0"/>
-        </a:xfrm>
-      </p:grpSpPr>
-      <p:sp>
-        <p:nvSpPr>
-          <p:cNvPr id="474" name="PlaceHolder 1"/>
-          <p:cNvSpPr>
-            <a:spLocks noGrp="1"/>
-          </p:cNvSpPr>
-          <p:nvPr>
-            <p:ph type="title"/>
-          </p:nvPr>
-        </p:nvSpPr>
-        <p:spPr>
-          <a:xfrm>
-            <a:off x="7792200" y="365040"/>
-            <a:ext cx="4017960" cy="573120"/>
-          </a:xfrm>
-          <a:prstGeom prst="rect">
-            <a:avLst/>
-          </a:prstGeom>
-          <a:noFill/>
-          <a:ln w="0">
-            <a:noFill/>
-          </a:ln>
-        </p:spPr>
-        <p:txBody>
-          <a:bodyPr lIns="0" rIns="0" tIns="45000" bIns="45000" anchor="ctr">
-            <a:noAutofit/>
-          </a:bodyPr>
-          <a:p>
-            <a:pPr>
-              <a:lnSpc>
-                <a:spcPct val="100000"/>
-              </a:lnSpc>
-              <a:buNone/>
-            </a:pPr>
-            <a:r>
-              <a:rPr b="0" lang="en-US" sz="3200" spc="296" strike="noStrike" cap="all">
-                <a:solidFill>
-                  <a:srgbClr val="000000"/>
-                </a:solidFill>
-                <a:latin typeface="Calibri Light"/>
-              </a:rPr>
-              <a:t>Meet the team</a:t>
-            </a:r>
-            <a:endParaRPr b="0" lang="pt-BR" sz="3200" spc="-1" strike="noStrike">
-              <a:latin typeface="Arial"/>
-            </a:endParaRPr>
-          </a:p>
-        </p:txBody>
-      </p:sp>
-      <p:pic>
-        <p:nvPicPr>
-          <p:cNvPr id="475" name="Picture Placeholder 10" descr="portrait"/>
-          <p:cNvPicPr/>
-          <p:nvPr/>
-        </p:nvPicPr>
-        <p:blipFill>
-          <a:blip r:embed="rId1">
-            <a:extLst>
-              <a:ext uri="{BEBA8EAE-BF5A-486C-A8C5-ECC9F3942E4B}">
-                <a14:imgProps xmlns:a14="http://schemas.microsoft.com/office/drawing/2010/main">
-                  <a14:imgLayer r:embed="rId2">
-                    <a14:imgEffect>
-                      <a14:saturation sat="0"/>
-                    </a14:imgEffect>
-                  </a14:imgLayer>
-                </a14:imgProps>
-              </a:ext>
-            </a:extLst>
-          </a:blip>
-          <a:srcRect l="0" t="5381" r="0" b="5381"/>
-          <a:stretch/>
-        </p:blipFill>
-        <p:spPr>
-          <a:xfrm>
-            <a:off x="736560" y="365040"/>
-            <a:ext cx="2996640" cy="1781280"/>
-          </a:xfrm>
-          <a:prstGeom prst="rect">
-            <a:avLst/>
-          </a:prstGeom>
-          <a:ln w="0">
-            <a:noFill/>
-          </a:ln>
-        </p:spPr>
-      </p:pic>
-      <p:pic>
-        <p:nvPicPr>
-          <p:cNvPr id="476" name="Picture Placeholder 15" descr="portrait"/>
-          <p:cNvPicPr/>
-          <p:nvPr/>
-        </p:nvPicPr>
-        <p:blipFill>
-          <a:blip r:embed="rId3">
-            <a:extLst>
-              <a:ext uri="{BEBA8EAE-BF5A-486C-A8C5-ECC9F3942E4B}">
-                <a14:imgProps xmlns:a14="http://schemas.microsoft.com/office/drawing/2010/main">
-                  <a14:imgLayer r:embed="rId4">
-                    <a14:imgEffect>
-                      <a14:saturation sat="0"/>
-                    </a14:imgEffect>
-                  </a14:imgLayer>
-                </a14:imgProps>
-              </a:ext>
-            </a:extLst>
-          </a:blip>
-          <a:srcRect l="33885" t="18387" r="16166" b="36401"/>
-          <a:stretch/>
-        </p:blipFill>
-        <p:spPr>
-          <a:xfrm>
-            <a:off x="4051440" y="365040"/>
-            <a:ext cx="2996640" cy="1781280"/>
-          </a:xfrm>
-          <a:prstGeom prst="rect">
-            <a:avLst/>
-          </a:prstGeom>
-          <a:ln w="0">
-            <a:noFill/>
-          </a:ln>
-        </p:spPr>
-      </p:pic>
-      <p:pic>
-        <p:nvPicPr>
-          <p:cNvPr id="477" name="Picture Placeholder 17" descr="portrait"/>
-          <p:cNvPicPr/>
-          <p:nvPr/>
-        </p:nvPicPr>
-        <p:blipFill>
-          <a:blip r:embed="rId5">
-            <a:grayscl/>
-          </a:blip>
-          <a:srcRect l="0" t="5382" r="0" b="5382"/>
-          <a:stretch/>
-        </p:blipFill>
-        <p:spPr>
-          <a:xfrm>
-            <a:off x="736560" y="2422440"/>
-            <a:ext cx="2996640" cy="1781280"/>
-          </a:xfrm>
-          <a:prstGeom prst="rect">
-            <a:avLst/>
-          </a:prstGeom>
-          <a:ln w="0">
-            <a:noFill/>
-          </a:ln>
-        </p:spPr>
-      </p:pic>
-      <p:pic>
-        <p:nvPicPr>
-          <p:cNvPr id="478" name="Picture Placeholder 21" descr="portrait"/>
-          <p:cNvPicPr/>
-          <p:nvPr/>
-        </p:nvPicPr>
-        <p:blipFill>
-          <a:blip r:embed="rId6">
-            <a:extLst>
-              <a:ext uri="{BEBA8EAE-BF5A-486C-A8C5-ECC9F3942E4B}">
-                <a14:imgProps xmlns:a14="http://schemas.microsoft.com/office/drawing/2010/main">
-                  <a14:imgLayer r:embed="rId7">
-                    <a14:imgEffect>
-                      <a14:saturation sat="0"/>
-                    </a14:imgEffect>
-                  </a14:imgLayer>
-                </a14:imgProps>
-              </a:ext>
-            </a:extLst>
-          </a:blip>
-          <a:srcRect l="0" t="5381" r="0" b="5381"/>
-          <a:stretch/>
-        </p:blipFill>
-        <p:spPr>
-          <a:xfrm>
-            <a:off x="4051440" y="2422440"/>
-            <a:ext cx="2996640" cy="1781280"/>
-          </a:xfrm>
-          <a:prstGeom prst="rect">
-            <a:avLst/>
-          </a:prstGeom>
-          <a:ln w="0">
-            <a:noFill/>
-          </a:ln>
-        </p:spPr>
-      </p:pic>
-      <p:pic>
-        <p:nvPicPr>
-          <p:cNvPr id="479" name="Picture Placeholder 23" descr="portrait"/>
-          <p:cNvPicPr/>
-          <p:nvPr/>
-        </p:nvPicPr>
-        <p:blipFill>
-          <a:blip r:embed="rId8">
-            <a:extLst>
-              <a:ext uri="{BEBA8EAE-BF5A-486C-A8C5-ECC9F3942E4B}">
-                <a14:imgProps xmlns:a14="http://schemas.microsoft.com/office/drawing/2010/main">
-                  <a14:imgLayer r:embed="rId9">
-                    <a14:imgEffect>
-                      <a14:saturation sat="0"/>
-                    </a14:imgEffect>
-                  </a14:imgLayer>
-                </a14:imgProps>
-              </a:ext>
-            </a:extLst>
-          </a:blip>
-          <a:srcRect l="0" t="5381" r="0" b="5381"/>
-          <a:stretch/>
-        </p:blipFill>
-        <p:spPr>
-          <a:xfrm>
-            <a:off x="736560" y="4479840"/>
-            <a:ext cx="2996640" cy="1781280"/>
-          </a:xfrm>
-          <a:prstGeom prst="rect">
-            <a:avLst/>
-          </a:prstGeom>
-          <a:ln w="0">
-            <a:noFill/>
-          </a:ln>
-        </p:spPr>
-      </p:pic>
-      <p:pic>
-        <p:nvPicPr>
-          <p:cNvPr id="480" name="Picture Placeholder 19" descr="portrait"/>
-          <p:cNvPicPr/>
-          <p:nvPr/>
-        </p:nvPicPr>
-        <p:blipFill>
-          <a:blip r:embed="rId10">
-            <a:extLst>
-              <a:ext uri="{BEBA8EAE-BF5A-486C-A8C5-ECC9F3942E4B}">
-                <a14:imgProps xmlns:a14="http://schemas.microsoft.com/office/drawing/2010/main">
-                  <a14:imgLayer r:embed="rId11">
-                    <a14:imgEffect>
-                      <a14:saturation sat="0"/>
-                    </a14:imgEffect>
-                  </a14:imgLayer>
-                </a14:imgProps>
-              </a:ext>
-            </a:extLst>
-          </a:blip>
-          <a:srcRect l="8984" t="7849" r="6193" b="16509"/>
-          <a:stretch/>
-        </p:blipFill>
-        <p:spPr>
-          <a:xfrm>
-            <a:off x="4051440" y="4479840"/>
-            <a:ext cx="2996640" cy="1781280"/>
-          </a:xfrm>
-          <a:prstGeom prst="rect">
-            <a:avLst/>
-          </a:prstGeom>
-          <a:ln w="0">
-            <a:noFill/>
-          </a:ln>
-        </p:spPr>
-      </p:pic>
-      <p:sp>
-        <p:nvSpPr>
-          <p:cNvPr id="481" name="PlaceHolder 2"/>
-          <p:cNvSpPr>
-            <a:spLocks noGrp="1"/>
-          </p:cNvSpPr>
-          <p:nvPr>
-            <p:ph/>
-          </p:nvPr>
-        </p:nvSpPr>
-        <p:spPr>
-          <a:xfrm>
-            <a:off x="7792200" y="1263960"/>
-            <a:ext cx="4017960" cy="4635720"/>
-          </a:xfrm>
-          <a:prstGeom prst="rect">
-            <a:avLst/>
-          </a:prstGeom>
-          <a:noFill/>
-          <a:ln w="0">
-            <a:noFill/>
-          </a:ln>
-        </p:spPr>
-        <p:txBody>
-          <a:bodyPr lIns="0" rIns="0" tIns="45000" bIns="45000" anchor="t">
-            <a:normAutofit/>
-          </a:bodyPr>
-          <a:p>
-            <a:pPr>
-              <a:lnSpc>
-                <a:spcPct val="150000"/>
-              </a:lnSpc>
-              <a:spcBef>
-                <a:spcPts val="499"/>
-              </a:spcBef>
-              <a:buNone/>
-              <a:tabLst>
-                <a:tab algn="l" pos="0"/>
-              </a:tabLst>
-            </a:pPr>
-            <a:r>
-              <a:rPr b="0" lang="en-US" sz="1800" spc="296" strike="noStrike">
-                <a:solidFill>
-                  <a:srgbClr val="000000"/>
-                </a:solidFill>
-                <a:latin typeface="Calibri"/>
-              </a:rPr>
-              <a:t>ANA</a:t>
-            </a:r>
-            <a:endParaRPr b="0" lang="pt-BR" sz="1800" spc="-1" strike="noStrike">
-              <a:latin typeface="Arial"/>
-            </a:endParaRPr>
-          </a:p>
-          <a:p>
-            <a:pPr>
-              <a:lnSpc>
-                <a:spcPct val="100000"/>
-              </a:lnSpc>
-              <a:spcBef>
-                <a:spcPts val="499"/>
-              </a:spcBef>
-              <a:buNone/>
-              <a:tabLst>
-                <a:tab algn="l" pos="0"/>
-              </a:tabLst>
-            </a:pPr>
-            <a:r>
-              <a:rPr b="0" lang="en-US" sz="1500" spc="-1" strike="noStrike">
-                <a:solidFill>
-                  <a:srgbClr val="000000"/>
-                </a:solidFill>
-                <a:latin typeface="Calibri"/>
-              </a:rPr>
-              <a:t>CEO</a:t>
-            </a:r>
-            <a:endParaRPr b="0" lang="pt-BR" sz="1500" spc="-1" strike="noStrike">
-              <a:latin typeface="Arial"/>
-            </a:endParaRPr>
-          </a:p>
-          <a:p>
-            <a:pPr>
-              <a:lnSpc>
-                <a:spcPct val="150000"/>
-              </a:lnSpc>
-              <a:spcBef>
-                <a:spcPts val="499"/>
-              </a:spcBef>
-              <a:buNone/>
-              <a:tabLst>
-                <a:tab algn="l" pos="0"/>
-              </a:tabLst>
-            </a:pPr>
-            <a:r>
-              <a:rPr b="0" lang="en-US" sz="1800" spc="296" strike="noStrike">
-                <a:solidFill>
-                  <a:srgbClr val="000000"/>
-                </a:solidFill>
-                <a:latin typeface="Calibri"/>
-              </a:rPr>
-              <a:t>LARISSA</a:t>
-            </a:r>
-            <a:endParaRPr b="0" lang="pt-BR" sz="1800" spc="-1" strike="noStrike">
-              <a:latin typeface="Arial"/>
-            </a:endParaRPr>
-          </a:p>
-          <a:p>
-            <a:pPr>
-              <a:lnSpc>
-                <a:spcPct val="100000"/>
-              </a:lnSpc>
-              <a:spcBef>
-                <a:spcPts val="499"/>
-              </a:spcBef>
-              <a:buNone/>
-              <a:tabLst>
-                <a:tab algn="l" pos="0"/>
-              </a:tabLst>
-            </a:pPr>
-            <a:r>
-              <a:rPr b="0" lang="en-US" sz="1500" spc="-1" strike="noStrike">
-                <a:solidFill>
-                  <a:srgbClr val="000000"/>
-                </a:solidFill>
-                <a:latin typeface="Calibri"/>
-              </a:rPr>
-              <a:t>CFO</a:t>
-            </a:r>
-            <a:endParaRPr b="0" lang="pt-BR" sz="1500" spc="-1" strike="noStrike">
-              <a:latin typeface="Arial"/>
-            </a:endParaRPr>
-          </a:p>
-          <a:p>
-            <a:pPr>
-              <a:lnSpc>
-                <a:spcPct val="150000"/>
-              </a:lnSpc>
-              <a:spcBef>
-                <a:spcPts val="499"/>
-              </a:spcBef>
-              <a:buNone/>
-              <a:tabLst>
-                <a:tab algn="l" pos="0"/>
-              </a:tabLst>
-            </a:pPr>
-            <a:r>
-              <a:rPr b="0" lang="en-US" sz="1800" spc="296" strike="noStrike">
-                <a:solidFill>
-                  <a:srgbClr val="000000"/>
-                </a:solidFill>
-                <a:latin typeface="Calibri"/>
-              </a:rPr>
-              <a:t>ROMAN</a:t>
-            </a:r>
-            <a:endParaRPr b="0" lang="pt-BR" sz="1800" spc="-1" strike="noStrike">
-              <a:latin typeface="Arial"/>
-            </a:endParaRPr>
-          </a:p>
-          <a:p>
-            <a:pPr>
-              <a:lnSpc>
-                <a:spcPct val="100000"/>
-              </a:lnSpc>
-              <a:spcBef>
-                <a:spcPts val="499"/>
-              </a:spcBef>
-              <a:buNone/>
-              <a:tabLst>
-                <a:tab algn="l" pos="0"/>
-              </a:tabLst>
-            </a:pPr>
-            <a:r>
-              <a:rPr b="0" lang="en-US" sz="1500" spc="-1" strike="noStrike">
-                <a:solidFill>
-                  <a:srgbClr val="000000"/>
-                </a:solidFill>
-                <a:latin typeface="Calibri"/>
-              </a:rPr>
-              <a:t>CTO</a:t>
-            </a:r>
-            <a:endParaRPr b="0" lang="pt-BR" sz="1500" spc="-1" strike="noStrike">
-              <a:latin typeface="Arial"/>
-            </a:endParaRPr>
-          </a:p>
-          <a:p>
-            <a:pPr>
-              <a:lnSpc>
-                <a:spcPct val="150000"/>
-              </a:lnSpc>
-              <a:spcBef>
-                <a:spcPts val="499"/>
-              </a:spcBef>
-              <a:buNone/>
-              <a:tabLst>
-                <a:tab algn="l" pos="0"/>
-              </a:tabLst>
-            </a:pPr>
-            <a:r>
-              <a:rPr b="0" lang="en-US" sz="1800" spc="296" strike="noStrike">
-                <a:solidFill>
-                  <a:srgbClr val="000000"/>
-                </a:solidFill>
-                <a:latin typeface="Calibri"/>
-              </a:rPr>
-              <a:t>FEDERICO</a:t>
-            </a:r>
-            <a:r>
-              <a:rPr b="0" lang="en-US" sz="1800" spc="-1" strike="noStrike">
-                <a:solidFill>
-                  <a:srgbClr val="000000"/>
-                </a:solidFill>
-                <a:latin typeface="Calibri"/>
-              </a:rPr>
-              <a:t> </a:t>
-            </a:r>
-            <a:endParaRPr b="0" lang="pt-BR" sz="1800" spc="-1" strike="noStrike">
-              <a:latin typeface="Arial"/>
-            </a:endParaRPr>
-          </a:p>
-          <a:p>
-            <a:pPr>
-              <a:lnSpc>
-                <a:spcPct val="100000"/>
-              </a:lnSpc>
-              <a:spcBef>
-                <a:spcPts val="499"/>
-              </a:spcBef>
-              <a:buNone/>
-              <a:tabLst>
-                <a:tab algn="l" pos="0"/>
-              </a:tabLst>
-            </a:pPr>
-            <a:r>
-              <a:rPr b="0" lang="en-US" sz="1500" spc="-1" strike="noStrike">
-                <a:solidFill>
-                  <a:srgbClr val="000000"/>
-                </a:solidFill>
-                <a:latin typeface="Calibri"/>
-              </a:rPr>
-              <a:t>CPO</a:t>
-            </a:r>
-            <a:endParaRPr b="0" lang="pt-BR" sz="1500" spc="-1" strike="noStrike">
-              <a:latin typeface="Arial"/>
-            </a:endParaRPr>
-          </a:p>
-          <a:p>
-            <a:pPr>
-              <a:lnSpc>
-                <a:spcPct val="150000"/>
-              </a:lnSpc>
-              <a:spcBef>
-                <a:spcPts val="499"/>
-              </a:spcBef>
-              <a:buNone/>
-              <a:tabLst>
-                <a:tab algn="l" pos="0"/>
-              </a:tabLst>
-            </a:pPr>
-            <a:r>
-              <a:rPr b="0" lang="en-US" sz="1800" spc="296" strike="noStrike">
-                <a:solidFill>
-                  <a:srgbClr val="000000"/>
-                </a:solidFill>
-                <a:latin typeface="Calibri"/>
-              </a:rPr>
-              <a:t>ALEJANDRA </a:t>
-            </a:r>
-            <a:endParaRPr b="0" lang="pt-BR" sz="1800" spc="-1" strike="noStrike">
-              <a:latin typeface="Arial"/>
-            </a:endParaRPr>
-          </a:p>
-          <a:p>
-            <a:pPr>
-              <a:lnSpc>
-                <a:spcPct val="100000"/>
-              </a:lnSpc>
-              <a:spcBef>
-                <a:spcPts val="499"/>
-              </a:spcBef>
-              <a:buNone/>
-              <a:tabLst>
-                <a:tab algn="l" pos="0"/>
-              </a:tabLst>
-            </a:pPr>
-            <a:r>
-              <a:rPr b="0" lang="en-US" sz="1500" spc="-1" strike="noStrike">
-                <a:solidFill>
-                  <a:srgbClr val="000000"/>
-                </a:solidFill>
-                <a:latin typeface="Calibri"/>
-              </a:rPr>
-              <a:t>CMO</a:t>
-            </a:r>
-            <a:endParaRPr b="0" lang="pt-BR" sz="1500" spc="-1" strike="noStrike">
-              <a:latin typeface="Arial"/>
-            </a:endParaRPr>
-          </a:p>
-          <a:p>
-            <a:pPr>
-              <a:lnSpc>
-                <a:spcPct val="150000"/>
-              </a:lnSpc>
-              <a:spcBef>
-                <a:spcPts val="499"/>
-              </a:spcBef>
-              <a:buNone/>
-              <a:tabLst>
-                <a:tab algn="l" pos="0"/>
-              </a:tabLst>
-            </a:pPr>
-            <a:r>
-              <a:rPr b="0" lang="en-US" sz="1800" spc="296" strike="noStrike">
-                <a:solidFill>
-                  <a:srgbClr val="000000"/>
-                </a:solidFill>
-                <a:latin typeface="Calibri"/>
-              </a:rPr>
-              <a:t>JIM </a:t>
-            </a:r>
-            <a:endParaRPr b="0" lang="pt-BR" sz="1800" spc="-1" strike="noStrike">
-              <a:latin typeface="Arial"/>
-            </a:endParaRPr>
-          </a:p>
-          <a:p>
-            <a:pPr>
-              <a:lnSpc>
-                <a:spcPct val="100000"/>
-              </a:lnSpc>
-              <a:spcBef>
-                <a:spcPts val="499"/>
-              </a:spcBef>
-              <a:buNone/>
-              <a:tabLst>
-                <a:tab algn="l" pos="0"/>
-              </a:tabLst>
-            </a:pPr>
-            <a:r>
-              <a:rPr b="0" lang="en-US" sz="1500" spc="-1" strike="noStrike">
-                <a:solidFill>
-                  <a:srgbClr val="000000"/>
-                </a:solidFill>
-                <a:latin typeface="Calibri"/>
-              </a:rPr>
-              <a:t>COO</a:t>
-            </a:r>
-            <a:endParaRPr b="0" lang="pt-BR" sz="1500" spc="-1" strike="noStrike">
-              <a:latin typeface="Arial"/>
-            </a:endParaRPr>
-          </a:p>
-        </p:txBody>
-      </p:sp>
-      <p:sp>
-        <p:nvSpPr>
-          <p:cNvPr id="4" name="PlaceHolder 3"/>
-          <p:cNvSpPr>
-            <a:spLocks noGrp="1"/>
-          </p:cNvSpPr>
-          <p:nvPr>
-            <p:ph type="sldNum" idx="8"/>
-          </p:nvPr>
-        </p:nvSpPr>
-        <p:spPr/>
-        <p:txBody>
-          <a:bodyPr/>
-          <a:p>
-            <a:fld id="{7BA6F39C-682D-4BD6-9C35-A80E2FECD488}" type="slidenum">
-              <a:t>11</a:t>
-            </a:fld>
           </a:p>
         </p:txBody>
       </p:sp>
@@ -26026,7 +26479,7 @@
       </p:grpSpPr>
       <p:sp>
         <p:nvSpPr>
-          <p:cNvPr id="482" name="PlaceHolder 1"/>
+          <p:cNvPr id="479" name="PlaceHolder 1"/>
           <p:cNvSpPr>
             <a:spLocks noGrp="1"/>
           </p:cNvSpPr>
@@ -26036,20 +26489,20 @@
         </p:nvSpPr>
         <p:spPr>
           <a:xfrm>
-            <a:off x="6095880" y="2262960"/>
-            <a:ext cx="5250600" cy="1660680"/>
-          </a:xfrm>
-          <a:prstGeom prst="rect">
-            <a:avLst/>
-          </a:prstGeom>
-          <a:noFill/>
-          <a:ln w="0">
-            <a:noFill/>
-          </a:ln>
-        </p:spPr>
-        <p:txBody>
-          <a:bodyPr lIns="90000" rIns="90000" tIns="45000" bIns="45000" anchor="b">
-            <a:normAutofit fontScale="88000"/>
+            <a:off x="7792200" y="365040"/>
+            <a:ext cx="4017600" cy="572760"/>
+          </a:xfrm>
+          <a:prstGeom prst="rect">
+            <a:avLst/>
+          </a:prstGeom>
+          <a:noFill/>
+          <a:ln w="0">
+            <a:noFill/>
+          </a:ln>
+        </p:spPr>
+        <p:txBody>
+          <a:bodyPr lIns="0" rIns="0" tIns="45000" bIns="45000" anchor="ctr">
+            <a:noAutofit/>
           </a:bodyPr>
           <a:p>
             <a:pPr>
@@ -26059,76 +26512,229 @@
               <a:buNone/>
             </a:pPr>
             <a:r>
-              <a:rPr b="0" lang="en-US" sz="6000" spc="296" strike="noStrike" cap="all">
+              <a:rPr b="0" lang="en-US" sz="3200" spc="293" strike="noStrike" cap="all">
                 <a:solidFill>
                   <a:srgbClr val="000000"/>
                 </a:solidFill>
                 <a:latin typeface="Calibri Light"/>
               </a:rPr>
-              <a:t>What’s next</a:t>
+              <a:t>Meet the team</a:t>
             </a:r>
-            <a:endParaRPr b="0" lang="pt-BR" sz="6000" spc="-1" strike="noStrike">
-              <a:latin typeface="Arial"/>
-            </a:endParaRPr>
-          </a:p>
-        </p:txBody>
-      </p:sp>
-      <p:sp>
-        <p:nvSpPr>
-          <p:cNvPr id="483" name="Picture Placeholder 12"/>
-          <p:cNvSpPr/>
+            <a:endParaRPr b="0" lang="pt-BR" sz="3200" spc="-1" strike="noStrike">
+              <a:latin typeface="Arial"/>
+            </a:endParaRPr>
+          </a:p>
+        </p:txBody>
+      </p:sp>
+      <p:pic>
+        <p:nvPicPr>
+          <p:cNvPr id="480" name="Picture Placeholder 10" descr="portrait"/>
+          <p:cNvPicPr/>
           <p:nvPr/>
-        </p:nvSpPr>
-        <p:spPr>
-          <a:xfrm>
-            <a:off x="0" y="0"/>
-            <a:ext cx="6095160" cy="6867360"/>
-          </a:xfrm>
-          <a:custGeom>
-            <a:avLst/>
-            <a:gdLst/>
-            <a:ahLst/>
-            <a:rect l="l" t="t" r="r" b="b"/>
-            <a:pathLst>
-              <a:path w="6096000" h="6867922">
-                <a:moveTo>
-                  <a:pt x="0" y="0"/>
-                </a:moveTo>
-                <a:lnTo>
-                  <a:pt x="6096000" y="0"/>
-                </a:lnTo>
-                <a:lnTo>
-                  <a:pt x="4228633" y="6867922"/>
-                </a:lnTo>
-                <a:lnTo>
-                  <a:pt x="0" y="6858000"/>
-                </a:lnTo>
-                <a:lnTo>
-                  <a:pt x="0" y="0"/>
-                </a:lnTo>
-                <a:close/>
-              </a:path>
-            </a:pathLst>
-          </a:custGeom>
-          <a:blipFill rotWithShape="0">
-            <a:blip r:embed="rId1"/>
-            <a:srcRect/>
-            <a:stretch/>
-          </a:blipFill>
-          <a:ln w="0">
-            <a:noFill/>
-          </a:ln>
-        </p:spPr>
-        <p:style>
-          <a:lnRef idx="0"/>
-          <a:fillRef idx="0"/>
-          <a:effectRef idx="0"/>
-          <a:fontRef idx="minor"/>
-        </p:style>
-      </p:sp>
-      <p:sp>
-        <p:nvSpPr>
-          <p:cNvPr id="484" name="PlaceHolder 2"/>
+        </p:nvPicPr>
+        <p:blipFill>
+          <a:blip r:embed="rId1">
+            <a:extLst>
+              <a:ext uri="{BEBA8EAE-BF5A-486C-A8C5-ECC9F3942E4B}">
+                <a14:imgProps xmlns:a14="http://schemas.microsoft.com/office/drawing/2010/main">
+                  <a14:imgLayer r:embed="rId2">
+                    <a14:imgEffect>
+                      <a14:saturation sat="0"/>
+                    </a14:imgEffect>
+                  </a14:imgLayer>
+                </a14:imgProps>
+              </a:ext>
+            </a:extLst>
+          </a:blip>
+          <a:srcRect l="0" t="5381" r="0" b="5381"/>
+          <a:stretch/>
+        </p:blipFill>
+        <p:spPr>
+          <a:xfrm>
+            <a:off x="736560" y="365040"/>
+            <a:ext cx="2996280" cy="1780920"/>
+          </a:xfrm>
+          <a:prstGeom prst="rect">
+            <a:avLst/>
+          </a:prstGeom>
+          <a:ln w="0">
+            <a:noFill/>
+          </a:ln>
+        </p:spPr>
+      </p:pic>
+      <p:pic>
+        <p:nvPicPr>
+          <p:cNvPr id="481" name="Picture Placeholder 15" descr="portrait"/>
+          <p:cNvPicPr/>
+          <p:nvPr/>
+        </p:nvPicPr>
+        <p:blipFill>
+          <a:blip r:embed="rId3">
+            <a:extLst>
+              <a:ext uri="{BEBA8EAE-BF5A-486C-A8C5-ECC9F3942E4B}">
+                <a14:imgProps xmlns:a14="http://schemas.microsoft.com/office/drawing/2010/main">
+                  <a14:imgLayer r:embed="rId4">
+                    <a14:imgEffect>
+                      <a14:saturation sat="0"/>
+                    </a14:imgEffect>
+                  </a14:imgLayer>
+                </a14:imgProps>
+              </a:ext>
+            </a:extLst>
+          </a:blip>
+          <a:srcRect l="33885" t="18387" r="16166" b="36401"/>
+          <a:stretch/>
+        </p:blipFill>
+        <p:spPr>
+          <a:xfrm>
+            <a:off x="4051440" y="365040"/>
+            <a:ext cx="2996280" cy="1780920"/>
+          </a:xfrm>
+          <a:prstGeom prst="rect">
+            <a:avLst/>
+          </a:prstGeom>
+          <a:ln w="0">
+            <a:noFill/>
+          </a:ln>
+        </p:spPr>
+      </p:pic>
+      <p:pic>
+        <p:nvPicPr>
+          <p:cNvPr id="482" name="Picture Placeholder 17" descr="portrait"/>
+          <p:cNvPicPr/>
+          <p:nvPr/>
+        </p:nvPicPr>
+        <p:blipFill>
+          <a:blip r:embed="rId5">
+            <a:grayscl/>
+          </a:blip>
+          <a:srcRect l="0" t="5382" r="0" b="5382"/>
+          <a:stretch/>
+        </p:blipFill>
+        <p:spPr>
+          <a:xfrm>
+            <a:off x="736560" y="2422440"/>
+            <a:ext cx="2996280" cy="1780920"/>
+          </a:xfrm>
+          <a:prstGeom prst="rect">
+            <a:avLst/>
+          </a:prstGeom>
+          <a:ln w="0">
+            <a:noFill/>
+          </a:ln>
+        </p:spPr>
+      </p:pic>
+      <p:pic>
+        <p:nvPicPr>
+          <p:cNvPr id="483" name="Picture Placeholder 21" descr="portrait"/>
+          <p:cNvPicPr/>
+          <p:nvPr/>
+        </p:nvPicPr>
+        <p:blipFill>
+          <a:blip r:embed="rId6">
+            <a:extLst>
+              <a:ext uri="{BEBA8EAE-BF5A-486C-A8C5-ECC9F3942E4B}">
+                <a14:imgProps xmlns:a14="http://schemas.microsoft.com/office/drawing/2010/main">
+                  <a14:imgLayer r:embed="rId7">
+                    <a14:imgEffect>
+                      <a14:saturation sat="0"/>
+                    </a14:imgEffect>
+                  </a14:imgLayer>
+                </a14:imgProps>
+              </a:ext>
+            </a:extLst>
+          </a:blip>
+          <a:srcRect l="0" t="5381" r="0" b="5381"/>
+          <a:stretch/>
+        </p:blipFill>
+        <p:spPr>
+          <a:xfrm>
+            <a:off x="4051440" y="2422440"/>
+            <a:ext cx="2996280" cy="1780920"/>
+          </a:xfrm>
+          <a:prstGeom prst="rect">
+            <a:avLst/>
+          </a:prstGeom>
+          <a:ln w="0">
+            <a:noFill/>
+          </a:ln>
+        </p:spPr>
+      </p:pic>
+      <p:pic>
+        <p:nvPicPr>
+          <p:cNvPr id="484" name="Picture Placeholder 23" descr="portrait"/>
+          <p:cNvPicPr/>
+          <p:nvPr/>
+        </p:nvPicPr>
+        <p:blipFill>
+          <a:blip r:embed="rId8">
+            <a:extLst>
+              <a:ext uri="{BEBA8EAE-BF5A-486C-A8C5-ECC9F3942E4B}">
+                <a14:imgProps xmlns:a14="http://schemas.microsoft.com/office/drawing/2010/main">
+                  <a14:imgLayer r:embed="rId9">
+                    <a14:imgEffect>
+                      <a14:saturation sat="0"/>
+                    </a14:imgEffect>
+                  </a14:imgLayer>
+                </a14:imgProps>
+              </a:ext>
+            </a:extLst>
+          </a:blip>
+          <a:srcRect l="0" t="5381" r="0" b="5381"/>
+          <a:stretch/>
+        </p:blipFill>
+        <p:spPr>
+          <a:xfrm>
+            <a:off x="736560" y="4479840"/>
+            <a:ext cx="2996280" cy="1780920"/>
+          </a:xfrm>
+          <a:prstGeom prst="rect">
+            <a:avLst/>
+          </a:prstGeom>
+          <a:ln w="0">
+            <a:noFill/>
+          </a:ln>
+        </p:spPr>
+      </p:pic>
+      <p:pic>
+        <p:nvPicPr>
+          <p:cNvPr id="485" name="Picture Placeholder 19" descr="portrait"/>
+          <p:cNvPicPr/>
+          <p:nvPr/>
+        </p:nvPicPr>
+        <p:blipFill>
+          <a:blip r:embed="rId10">
+            <a:extLst>
+              <a:ext uri="{BEBA8EAE-BF5A-486C-A8C5-ECC9F3942E4B}">
+                <a14:imgProps xmlns:a14="http://schemas.microsoft.com/office/drawing/2010/main">
+                  <a14:imgLayer r:embed="rId11">
+                    <a14:imgEffect>
+                      <a14:saturation sat="0"/>
+                    </a14:imgEffect>
+                  </a14:imgLayer>
+                </a14:imgProps>
+              </a:ext>
+            </a:extLst>
+          </a:blip>
+          <a:srcRect l="8984" t="7849" r="6193" b="16509"/>
+          <a:stretch/>
+        </p:blipFill>
+        <p:spPr>
+          <a:xfrm>
+            <a:off x="4051440" y="4479840"/>
+            <a:ext cx="2996280" cy="1780920"/>
+          </a:xfrm>
+          <a:prstGeom prst="rect">
+            <a:avLst/>
+          </a:prstGeom>
+          <a:ln w="0">
+            <a:noFill/>
+          </a:ln>
+        </p:spPr>
+      </p:pic>
+      <p:sp>
+        <p:nvSpPr>
+          <p:cNvPr id="486" name="PlaceHolder 2"/>
           <p:cNvSpPr>
             <a:spLocks noGrp="1"/>
           </p:cNvSpPr>
@@ -26138,38 +26744,28 @@
         </p:nvSpPr>
         <p:spPr>
           <a:xfrm>
-            <a:off x="6095880" y="4377960"/>
-            <a:ext cx="2376720" cy="364320"/>
-          </a:xfrm>
-          <a:prstGeom prst="rect">
-            <a:avLst/>
-          </a:prstGeom>
-          <a:gradFill rotWithShape="0">
-            <a:gsLst>
-              <a:gs pos="0">
-                <a:srgbClr val="01023b"/>
-              </a:gs>
-              <a:gs pos="100000">
-                <a:srgbClr val="a53f52"/>
-              </a:gs>
-            </a:gsLst>
-            <a:lin ang="10800000"/>
-          </a:gradFill>
-          <a:ln w="0">
-            <a:noFill/>
-          </a:ln>
-        </p:spPr>
-        <p:txBody>
-          <a:bodyPr lIns="90000" rIns="90000" tIns="45000" bIns="45000" anchor="ctr">
-            <a:noAutofit/>
-          </a:bodyPr>
-          <a:p>
-            <a:pPr algn="ctr">
+            <a:off x="7792200" y="1263960"/>
+            <a:ext cx="4017600" cy="4635360"/>
+          </a:xfrm>
+          <a:prstGeom prst="rect">
+            <a:avLst/>
+          </a:prstGeom>
+          <a:noFill/>
+          <a:ln w="0">
+            <a:noFill/>
+          </a:ln>
+        </p:spPr>
+        <p:txBody>
+          <a:bodyPr lIns="0" rIns="0" tIns="45000" bIns="45000" anchor="t">
+            <a:normAutofit/>
+          </a:bodyPr>
+          <a:p>
+            <a:pPr>
               <a:lnSpc>
-                <a:spcPct val="100000"/>
+                <a:spcPct val="150000"/>
               </a:lnSpc>
               <a:spcBef>
-                <a:spcPts val="1001"/>
+                <a:spcPts val="499"/>
               </a:spcBef>
               <a:buNone/>
               <a:tabLst>
@@ -26177,15 +26773,310 @@
               </a:tabLst>
             </a:pPr>
             <a:r>
-              <a:rPr b="0" lang="en-US" sz="1400" spc="296" strike="noStrike" cap="all">
+              <a:rPr b="0" lang="en-US" sz="1800" spc="293" strike="noStrike">
                 <a:solidFill>
-                  <a:srgbClr val="ffffff"/>
+                  <a:srgbClr val="000000"/>
                 </a:solidFill>
                 <a:latin typeface="Calibri"/>
               </a:rPr>
-              <a:t>LOOKING AHEAD</a:t>
+              <a:t>ANA</a:t>
             </a:r>
-            <a:endParaRPr b="0" lang="pt-BR" sz="1400" spc="-1" strike="noStrike">
+            <a:endParaRPr b="0" lang="pt-BR" sz="1800" spc="-1" strike="noStrike">
+              <a:latin typeface="Arial"/>
+            </a:endParaRPr>
+          </a:p>
+          <a:p>
+            <a:pPr>
+              <a:lnSpc>
+                <a:spcPct val="100000"/>
+              </a:lnSpc>
+              <a:spcBef>
+                <a:spcPts val="499"/>
+              </a:spcBef>
+              <a:buNone/>
+              <a:tabLst>
+                <a:tab algn="l" pos="0"/>
+              </a:tabLst>
+            </a:pPr>
+            <a:r>
+              <a:rPr b="0" lang="en-US" sz="1500" spc="-1" strike="noStrike">
+                <a:solidFill>
+                  <a:srgbClr val="000000"/>
+                </a:solidFill>
+                <a:latin typeface="Calibri"/>
+              </a:rPr>
+              <a:t>CEO</a:t>
+            </a:r>
+            <a:endParaRPr b="0" lang="pt-BR" sz="1500" spc="-1" strike="noStrike">
+              <a:latin typeface="Arial"/>
+            </a:endParaRPr>
+          </a:p>
+          <a:p>
+            <a:pPr>
+              <a:lnSpc>
+                <a:spcPct val="150000"/>
+              </a:lnSpc>
+              <a:spcBef>
+                <a:spcPts val="499"/>
+              </a:spcBef>
+              <a:buNone/>
+              <a:tabLst>
+                <a:tab algn="l" pos="0"/>
+              </a:tabLst>
+            </a:pPr>
+            <a:r>
+              <a:rPr b="0" lang="en-US" sz="1800" spc="293" strike="noStrike">
+                <a:solidFill>
+                  <a:srgbClr val="000000"/>
+                </a:solidFill>
+                <a:latin typeface="Calibri"/>
+              </a:rPr>
+              <a:t>LARISSA</a:t>
+            </a:r>
+            <a:endParaRPr b="0" lang="pt-BR" sz="1800" spc="-1" strike="noStrike">
+              <a:latin typeface="Arial"/>
+            </a:endParaRPr>
+          </a:p>
+          <a:p>
+            <a:pPr>
+              <a:lnSpc>
+                <a:spcPct val="100000"/>
+              </a:lnSpc>
+              <a:spcBef>
+                <a:spcPts val="499"/>
+              </a:spcBef>
+              <a:buNone/>
+              <a:tabLst>
+                <a:tab algn="l" pos="0"/>
+              </a:tabLst>
+            </a:pPr>
+            <a:r>
+              <a:rPr b="0" lang="en-US" sz="1500" spc="-1" strike="noStrike">
+                <a:solidFill>
+                  <a:srgbClr val="000000"/>
+                </a:solidFill>
+                <a:latin typeface="Calibri"/>
+              </a:rPr>
+              <a:t>CFO</a:t>
+            </a:r>
+            <a:endParaRPr b="0" lang="pt-BR" sz="1500" spc="-1" strike="noStrike">
+              <a:latin typeface="Arial"/>
+            </a:endParaRPr>
+          </a:p>
+          <a:p>
+            <a:pPr>
+              <a:lnSpc>
+                <a:spcPct val="150000"/>
+              </a:lnSpc>
+              <a:spcBef>
+                <a:spcPts val="499"/>
+              </a:spcBef>
+              <a:buNone/>
+              <a:tabLst>
+                <a:tab algn="l" pos="0"/>
+              </a:tabLst>
+            </a:pPr>
+            <a:r>
+              <a:rPr b="0" lang="en-US" sz="1800" spc="293" strike="noStrike">
+                <a:solidFill>
+                  <a:srgbClr val="000000"/>
+                </a:solidFill>
+                <a:latin typeface="Calibri"/>
+              </a:rPr>
+              <a:t>ROMAN</a:t>
+            </a:r>
+            <a:endParaRPr b="0" lang="pt-BR" sz="1800" spc="-1" strike="noStrike">
+              <a:latin typeface="Arial"/>
+            </a:endParaRPr>
+          </a:p>
+          <a:p>
+            <a:pPr>
+              <a:lnSpc>
+                <a:spcPct val="100000"/>
+              </a:lnSpc>
+              <a:spcBef>
+                <a:spcPts val="499"/>
+              </a:spcBef>
+              <a:buNone/>
+              <a:tabLst>
+                <a:tab algn="l" pos="0"/>
+              </a:tabLst>
+            </a:pPr>
+            <a:r>
+              <a:rPr b="0" lang="en-US" sz="1500" spc="-1" strike="noStrike">
+                <a:solidFill>
+                  <a:srgbClr val="000000"/>
+                </a:solidFill>
+                <a:latin typeface="Calibri"/>
+              </a:rPr>
+              <a:t>CTO</a:t>
+            </a:r>
+            <a:endParaRPr b="0" lang="pt-BR" sz="1500" spc="-1" strike="noStrike">
+              <a:latin typeface="Arial"/>
+            </a:endParaRPr>
+          </a:p>
+          <a:p>
+            <a:pPr>
+              <a:lnSpc>
+                <a:spcPct val="150000"/>
+              </a:lnSpc>
+              <a:spcBef>
+                <a:spcPts val="499"/>
+              </a:spcBef>
+              <a:buNone/>
+              <a:tabLst>
+                <a:tab algn="l" pos="0"/>
+              </a:tabLst>
+            </a:pPr>
+            <a:r>
+              <a:rPr b="0" lang="en-US" sz="1800" spc="293" strike="noStrike">
+                <a:solidFill>
+                  <a:srgbClr val="000000"/>
+                </a:solidFill>
+                <a:latin typeface="Calibri"/>
+              </a:rPr>
+              <a:t>FEDERICO</a:t>
+            </a:r>
+            <a:r>
+              <a:rPr b="0" lang="en-US" sz="1800" spc="-1" strike="noStrike">
+                <a:solidFill>
+                  <a:srgbClr val="000000"/>
+                </a:solidFill>
+                <a:latin typeface="Calibri"/>
+              </a:rPr>
+              <a:t> </a:t>
+            </a:r>
+            <a:endParaRPr b="0" lang="pt-BR" sz="1800" spc="-1" strike="noStrike">
+              <a:latin typeface="Arial"/>
+            </a:endParaRPr>
+          </a:p>
+          <a:p>
+            <a:pPr>
+              <a:lnSpc>
+                <a:spcPct val="100000"/>
+              </a:lnSpc>
+              <a:spcBef>
+                <a:spcPts val="499"/>
+              </a:spcBef>
+              <a:buNone/>
+              <a:tabLst>
+                <a:tab algn="l" pos="0"/>
+              </a:tabLst>
+            </a:pPr>
+            <a:r>
+              <a:rPr b="0" lang="en-US" sz="1500" spc="-1" strike="noStrike">
+                <a:solidFill>
+                  <a:srgbClr val="000000"/>
+                </a:solidFill>
+                <a:latin typeface="Calibri"/>
+              </a:rPr>
+              <a:t>CPO</a:t>
+            </a:r>
+            <a:endParaRPr b="0" lang="pt-BR" sz="1500" spc="-1" strike="noStrike">
+              <a:latin typeface="Arial"/>
+            </a:endParaRPr>
+          </a:p>
+          <a:p>
+            <a:pPr>
+              <a:lnSpc>
+                <a:spcPct val="150000"/>
+              </a:lnSpc>
+              <a:spcBef>
+                <a:spcPts val="499"/>
+              </a:spcBef>
+              <a:buNone/>
+              <a:tabLst>
+                <a:tab algn="l" pos="0"/>
+              </a:tabLst>
+            </a:pPr>
+            <a:r>
+              <a:rPr b="0" lang="en-US" sz="1800" spc="293" strike="noStrike">
+                <a:solidFill>
+                  <a:srgbClr val="000000"/>
+                </a:solidFill>
+                <a:latin typeface="Calibri"/>
+              </a:rPr>
+              <a:t>ALEJANDRA </a:t>
+            </a:r>
+            <a:endParaRPr b="0" lang="pt-BR" sz="1800" spc="-1" strike="noStrike">
+              <a:latin typeface="Arial"/>
+            </a:endParaRPr>
+          </a:p>
+          <a:p>
+            <a:pPr>
+              <a:lnSpc>
+                <a:spcPct val="100000"/>
+              </a:lnSpc>
+              <a:spcBef>
+                <a:spcPts val="499"/>
+              </a:spcBef>
+              <a:buNone/>
+              <a:tabLst>
+                <a:tab algn="l" pos="0"/>
+              </a:tabLst>
+            </a:pPr>
+            <a:r>
+              <a:rPr b="0" lang="en-US" sz="1500" spc="-1" strike="noStrike">
+                <a:solidFill>
+                  <a:srgbClr val="000000"/>
+                </a:solidFill>
+                <a:latin typeface="Calibri"/>
+              </a:rPr>
+              <a:t>CMO</a:t>
+            </a:r>
+            <a:endParaRPr b="0" lang="pt-BR" sz="1500" spc="-1" strike="noStrike">
+              <a:latin typeface="Arial"/>
+            </a:endParaRPr>
+          </a:p>
+          <a:p>
+            <a:pPr>
+              <a:lnSpc>
+                <a:spcPct val="150000"/>
+              </a:lnSpc>
+              <a:spcBef>
+                <a:spcPts val="499"/>
+              </a:spcBef>
+              <a:buNone/>
+              <a:tabLst>
+                <a:tab algn="l" pos="0"/>
+              </a:tabLst>
+            </a:pPr>
+            <a:r>
+              <a:rPr b="0" lang="en-US" sz="1800" spc="293" strike="noStrike">
+                <a:solidFill>
+                  <a:srgbClr val="000000"/>
+                </a:solidFill>
+                <a:latin typeface="Calibri"/>
+              </a:rPr>
+              <a:t>JIM </a:t>
+            </a:r>
+            <a:endParaRPr b="0" lang="pt-BR" sz="1800" spc="-1" strike="noStrike">
+              <a:latin typeface="Arial"/>
+            </a:endParaRPr>
+          </a:p>
+          <a:p>
+            <a:pPr>
+              <a:lnSpc>
+                <a:spcPct val="100000"/>
+              </a:lnSpc>
+              <a:spcBef>
+                <a:spcPts val="499"/>
+              </a:spcBef>
+              <a:buNone/>
+              <a:tabLst>
+                <a:tab algn="l" pos="0"/>
+              </a:tabLst>
+            </a:pPr>
+            <a:r>
+              <a:rPr b="0" lang="en-US" sz="1500" spc="-1" strike="noStrike">
+                <a:solidFill>
+                  <a:srgbClr val="000000"/>
+                </a:solidFill>
+                <a:latin typeface="Calibri"/>
+              </a:rPr>
+              <a:t>COO</a:t>
+            </a:r>
+            <a:endParaRPr b="0" lang="pt-BR" sz="1500" spc="-1" strike="noStrike">
               <a:latin typeface="Arial"/>
             </a:endParaRPr>
           </a:p>
@@ -26198,14 +27089,14 @@
             <a:spLocks noGrp="1"/>
           </p:cNvSpPr>
           <p:nvPr>
-            <p:ph type="sldNum" idx="5"/>
+            <p:ph type="sldNum" idx="8"/>
           </p:nvPr>
         </p:nvSpPr>
         <p:spPr/>
         <p:txBody>
           <a:bodyPr/>
           <a:p>
-            <a:fld id="{F79865C1-214F-4250-B9A5-A0DD5C158380}" type="slidenum">
+            <a:fld id="{DBAD1A6F-F669-42EE-9B34-7C8A4B99C47D}" type="slidenum">
               <a:t>12</a:t>
             </a:fld>
           </a:p>
@@ -26243,14 +27134,231 @@
       </p:grpSpPr>
       <p:sp>
         <p:nvSpPr>
-          <p:cNvPr id="485" name="Rectangle 8"/>
+          <p:cNvPr id="487" name="PlaceHolder 1"/>
+          <p:cNvSpPr>
+            <a:spLocks noGrp="1"/>
+          </p:cNvSpPr>
+          <p:nvPr>
+            <p:ph type="title"/>
+          </p:nvPr>
+        </p:nvSpPr>
+        <p:spPr>
+          <a:xfrm>
+            <a:off x="6095880" y="2262960"/>
+            <a:ext cx="5250240" cy="1660320"/>
+          </a:xfrm>
+          <a:prstGeom prst="rect">
+            <a:avLst/>
+          </a:prstGeom>
+          <a:noFill/>
+          <a:ln w="0">
+            <a:noFill/>
+          </a:ln>
+        </p:spPr>
+        <p:txBody>
+          <a:bodyPr lIns="90000" rIns="90000" tIns="45000" bIns="45000" anchor="b">
+            <a:normAutofit fontScale="88000"/>
+          </a:bodyPr>
+          <a:p>
+            <a:pPr>
+              <a:lnSpc>
+                <a:spcPct val="100000"/>
+              </a:lnSpc>
+              <a:buNone/>
+            </a:pPr>
+            <a:r>
+              <a:rPr b="0" lang="en-US" sz="6000" spc="293" strike="noStrike" cap="all">
+                <a:solidFill>
+                  <a:srgbClr val="000000"/>
+                </a:solidFill>
+                <a:latin typeface="Calibri Light"/>
+              </a:rPr>
+              <a:t>What’s next</a:t>
+            </a:r>
+            <a:endParaRPr b="0" lang="pt-BR" sz="6000" spc="-1" strike="noStrike">
+              <a:latin typeface="Arial"/>
+            </a:endParaRPr>
+          </a:p>
+        </p:txBody>
+      </p:sp>
+      <p:sp>
+        <p:nvSpPr>
+          <p:cNvPr id="488" name="Picture Placeholder 12"/>
           <p:cNvSpPr/>
           <p:nvPr/>
         </p:nvSpPr>
         <p:spPr>
           <a:xfrm>
+            <a:off x="0" y="0"/>
+            <a:ext cx="6094800" cy="6867000"/>
+          </a:xfrm>
+          <a:custGeom>
+            <a:avLst/>
+            <a:gdLst/>
+            <a:ahLst/>
+            <a:rect l="l" t="t" r="r" b="b"/>
+            <a:pathLst>
+              <a:path w="6096000" h="6867922">
+                <a:moveTo>
+                  <a:pt x="0" y="0"/>
+                </a:moveTo>
+                <a:lnTo>
+                  <a:pt x="6096000" y="0"/>
+                </a:lnTo>
+                <a:lnTo>
+                  <a:pt x="4228633" y="6867922"/>
+                </a:lnTo>
+                <a:lnTo>
+                  <a:pt x="0" y="6858000"/>
+                </a:lnTo>
+                <a:lnTo>
+                  <a:pt x="0" y="0"/>
+                </a:lnTo>
+                <a:close/>
+              </a:path>
+            </a:pathLst>
+          </a:custGeom>
+          <a:blipFill rotWithShape="0">
+            <a:blip r:embed="rId1"/>
+            <a:srcRect/>
+            <a:stretch/>
+          </a:blipFill>
+          <a:ln w="0">
+            <a:noFill/>
+          </a:ln>
+        </p:spPr>
+        <p:style>
+          <a:lnRef idx="0"/>
+          <a:fillRef idx="0"/>
+          <a:effectRef idx="0"/>
+          <a:fontRef idx="minor"/>
+        </p:style>
+      </p:sp>
+      <p:sp>
+        <p:nvSpPr>
+          <p:cNvPr id="489" name="PlaceHolder 2"/>
+          <p:cNvSpPr>
+            <a:spLocks noGrp="1"/>
+          </p:cNvSpPr>
+          <p:nvPr>
+            <p:ph/>
+          </p:nvPr>
+        </p:nvSpPr>
+        <p:spPr>
+          <a:xfrm>
+            <a:off x="6095880" y="4377960"/>
+            <a:ext cx="2376360" cy="363960"/>
+          </a:xfrm>
+          <a:prstGeom prst="rect">
+            <a:avLst/>
+          </a:prstGeom>
+          <a:gradFill rotWithShape="0">
+            <a:gsLst>
+              <a:gs pos="0">
+                <a:srgbClr val="01023b"/>
+              </a:gs>
+              <a:gs pos="100000">
+                <a:srgbClr val="a53f52"/>
+              </a:gs>
+            </a:gsLst>
+            <a:lin ang="10800000"/>
+          </a:gradFill>
+          <a:ln w="0">
+            <a:noFill/>
+          </a:ln>
+        </p:spPr>
+        <p:txBody>
+          <a:bodyPr lIns="90000" rIns="90000" tIns="45000" bIns="45000" anchor="ctr">
+            <a:noAutofit/>
+          </a:bodyPr>
+          <a:p>
+            <a:pPr algn="ctr">
+              <a:lnSpc>
+                <a:spcPct val="100000"/>
+              </a:lnSpc>
+              <a:spcBef>
+                <a:spcPts val="1001"/>
+              </a:spcBef>
+              <a:buNone/>
+              <a:tabLst>
+                <a:tab algn="l" pos="0"/>
+              </a:tabLst>
+            </a:pPr>
+            <a:r>
+              <a:rPr b="0" lang="en-US" sz="1400" spc="293" strike="noStrike" cap="all">
+                <a:solidFill>
+                  <a:srgbClr val="ffffff"/>
+                </a:solidFill>
+                <a:latin typeface="Calibri"/>
+              </a:rPr>
+              <a:t>LOOKING AHEAD</a:t>
+            </a:r>
+            <a:endParaRPr b="0" lang="pt-BR" sz="1400" spc="-1" strike="noStrike">
+              <a:latin typeface="Arial"/>
+            </a:endParaRPr>
+          </a:p>
+        </p:txBody>
+      </p:sp>
+      <p:sp>
+        <p:nvSpPr>
+          <p:cNvPr id="4" name="PlaceHolder 3"/>
+          <p:cNvSpPr>
+            <a:spLocks noGrp="1"/>
+          </p:cNvSpPr>
+          <p:nvPr>
+            <p:ph type="sldNum" idx="5"/>
+          </p:nvPr>
+        </p:nvSpPr>
+        <p:spPr/>
+        <p:txBody>
+          <a:bodyPr/>
+          <a:p>
+            <a:fld id="{2D3F18AA-68CC-46F0-937D-A8E05D06CD53}" type="slidenum">
+              <a:t>13</a:t>
+            </a:fld>
+          </a:p>
+        </p:txBody>
+      </p:sp>
+    </p:spTree>
+  </p:cSld>
+  <mc:AlternateContent>
+    <mc:Choice Requires="p14">
+      <p:transition spd="slow" p14:dur="2000"/>
+    </mc:Choice>
+    <mc:Fallback>
+      <p:transition spd="slow"/>
+    </mc:Fallback>
+  </mc:AlternateContent>
+</p:sld>
+</file>
+
+<file path=ppt/slides/slide14.xml><?xml version="1.0" encoding="utf-8"?>
+<p:sld xmlns:a="http://schemas.openxmlformats.org/drawingml/2006/main" xmlns:p="http://schemas.openxmlformats.org/presentationml/2006/main" xmlns:r="http://schemas.openxmlformats.org/officeDocument/2006/relationships" xmlns:p14="http://schemas.microsoft.com/office/powerpoint/2010/main" xmlns:p15="http://schemas.microsoft.com/office/powerpoint/2012/main" xmlns:mc="http://schemas.openxmlformats.org/markup-compatibility/2006">
+  <p:cSld>
+    <p:spTree>
+      <p:nvGrpSpPr>
+        <p:cNvPr id="1" name=""/>
+        <p:cNvGrpSpPr/>
+        <p:nvPr/>
+      </p:nvGrpSpPr>
+      <p:grpSpPr>
+        <a:xfrm>
+          <a:off x="0" y="0"/>
+          <a:ext cx="0" cy="0"/>
+          <a:chOff x="0" y="0"/>
+          <a:chExt cx="0" cy="0"/>
+        </a:xfrm>
+      </p:grpSpPr>
+      <p:sp>
+        <p:nvSpPr>
+          <p:cNvPr id="490" name="Rectangle 8"/>
+          <p:cNvSpPr/>
+          <p:nvPr/>
+        </p:nvSpPr>
+        <p:spPr>
+          <a:xfrm>
             <a:off x="593640" y="2417760"/>
-            <a:ext cx="11002320" cy="556920"/>
+            <a:ext cx="11001960" cy="556560"/>
           </a:xfrm>
           <a:prstGeom prst="rect">
             <a:avLst/>
@@ -26287,7 +27395,7 @@
       </p:sp>
       <p:sp>
         <p:nvSpPr>
-          <p:cNvPr id="486" name="PlaceHolder 1"/>
+          <p:cNvPr id="491" name="PlaceHolder 1"/>
           <p:cNvSpPr>
             <a:spLocks noGrp="1"/>
           </p:cNvSpPr>
@@ -26298,7 +27406,7 @@
         <p:spPr>
           <a:xfrm>
             <a:off x="594360" y="767880"/>
-            <a:ext cx="11002320" cy="823320"/>
+            <a:ext cx="11001960" cy="822960"/>
           </a:xfrm>
           <a:prstGeom prst="rect">
             <a:avLst/>
@@ -26320,7 +27428,7 @@
               <a:buNone/>
             </a:pPr>
             <a:r>
-              <a:rPr b="0" lang="en-US" sz="4800" spc="296" strike="noStrike" cap="all">
+              <a:rPr b="0" lang="en-US" sz="4800" spc="293" strike="noStrike" cap="all">
                 <a:solidFill>
                   <a:srgbClr val="000000"/>
                 </a:solidFill>
@@ -26336,7 +27444,7 @@
       </p:sp>
       <p:graphicFrame>
         <p:nvGraphicFramePr>
-          <p:cNvPr id="487" name="Table 7"/>
+          <p:cNvPr id="492" name="Table 7"/>
           <p:cNvGraphicFramePr/>
           <p:nvPr/>
         </p:nvGraphicFramePr>
@@ -26698,7 +27806,7 @@
                         <a:buNone/>
                       </a:pPr>
                       <a:r>
-                        <a:rPr b="0" lang="en-US" sz="1800" spc="296" strike="noStrike">
+                        <a:rPr b="0" lang="en-US" sz="1800" spc="293" strike="noStrike">
                           <a:solidFill>
                             <a:srgbClr val="000000"/>
                           </a:solidFill>
@@ -26742,7 +27850,7 @@
                         <a:buNone/>
                       </a:pPr>
                       <a:r>
-                        <a:rPr b="0" lang="en-US" sz="1800" spc="296" strike="noStrike">
+                        <a:rPr b="0" lang="en-US" sz="1800" spc="293" strike="noStrike">
                           <a:solidFill>
                             <a:srgbClr val="000000"/>
                           </a:solidFill>
@@ -26786,7 +27894,7 @@
                         <a:buNone/>
                       </a:pPr>
                       <a:r>
-                        <a:rPr b="0" lang="en-US" sz="1800" spc="296" strike="noStrike">
+                        <a:rPr b="0" lang="en-US" sz="1800" spc="293" strike="noStrike">
                           <a:solidFill>
                             <a:srgbClr val="000000"/>
                           </a:solidFill>
@@ -26832,7 +27940,7 @@
                         <a:buNone/>
                       </a:pPr>
                       <a:r>
-                        <a:rPr b="0" lang="en-US" sz="1800" spc="296" strike="noStrike">
+                        <a:rPr b="0" lang="en-US" sz="1800" spc="293" strike="noStrike">
                           <a:solidFill>
                             <a:srgbClr val="000000"/>
                           </a:solidFill>
@@ -26878,7 +27986,7 @@
                         <a:buNone/>
                       </a:pPr>
                       <a:r>
-                        <a:rPr b="0" lang="en-US" sz="1800" spc="296" strike="noStrike">
+                        <a:rPr b="0" lang="en-US" sz="1800" spc="293" strike="noStrike">
                           <a:solidFill>
                             <a:srgbClr val="000000"/>
                           </a:solidFill>
@@ -26922,7 +28030,7 @@
                         <a:buNone/>
                       </a:pPr>
                       <a:r>
-                        <a:rPr b="0" lang="en-US" sz="1800" spc="296" strike="noStrike">
+                        <a:rPr b="0" lang="en-US" sz="1800" spc="293" strike="noStrike">
                           <a:solidFill>
                             <a:srgbClr val="000000"/>
                           </a:solidFill>
@@ -26968,7 +28076,7 @@
                         <a:buNone/>
                       </a:pPr>
                       <a:r>
-                        <a:rPr b="0" lang="en-US" sz="1800" spc="296" strike="noStrike">
+                        <a:rPr b="0" lang="en-US" sz="1800" spc="293" strike="noStrike">
                           <a:solidFill>
                             <a:srgbClr val="000000"/>
                           </a:solidFill>
@@ -27014,7 +28122,7 @@
                         <a:buNone/>
                       </a:pPr>
                       <a:r>
-                        <a:rPr b="0" lang="en-US" sz="1800" spc="296" strike="noStrike">
+                        <a:rPr b="0" lang="en-US" sz="1800" spc="293" strike="noStrike">
                           <a:solidFill>
                             <a:srgbClr val="000000"/>
                           </a:solidFill>
@@ -27058,7 +28166,7 @@
                         <a:buNone/>
                       </a:pPr>
                       <a:r>
-                        <a:rPr b="0" lang="en-US" sz="1800" spc="296" strike="noStrike">
+                        <a:rPr b="0" lang="en-US" sz="1800" spc="293" strike="noStrike">
                           <a:solidFill>
                             <a:srgbClr val="000000"/>
                           </a:solidFill>
@@ -27104,7 +28212,7 @@
                         <a:buNone/>
                       </a:pPr>
                       <a:r>
-                        <a:rPr b="0" lang="en-US" sz="1800" spc="296" strike="noStrike">
+                        <a:rPr b="0" lang="en-US" sz="1800" spc="293" strike="noStrike">
                           <a:solidFill>
                             <a:srgbClr val="000000"/>
                           </a:solidFill>
@@ -27150,7 +28258,7 @@
                         <a:buNone/>
                       </a:pPr>
                       <a:r>
-                        <a:rPr b="0" lang="en-US" sz="1800" spc="296" strike="noStrike">
+                        <a:rPr b="0" lang="en-US" sz="1800" spc="293" strike="noStrike">
                           <a:solidFill>
                             <a:srgbClr val="000000"/>
                           </a:solidFill>
@@ -27194,7 +28302,7 @@
                         <a:buNone/>
                       </a:pPr>
                       <a:r>
-                        <a:rPr b="0" lang="en-US" sz="1800" spc="296" strike="noStrike">
+                        <a:rPr b="0" lang="en-US" sz="1800" spc="293" strike="noStrike">
                           <a:solidFill>
                             <a:srgbClr val="000000"/>
                           </a:solidFill>
@@ -27240,7 +28348,7 @@
                         <a:buNone/>
                       </a:pPr>
                       <a:r>
-                        <a:rPr b="0" lang="en-US" sz="1600" spc="296" strike="noStrike">
+                        <a:rPr b="0" lang="en-US" sz="1600" spc="293" strike="noStrike">
                           <a:solidFill>
                             <a:srgbClr val="000000"/>
                           </a:solidFill>
@@ -27344,7 +28452,7 @@
                         <a:buNone/>
                       </a:pPr>
                       <a:r>
-                        <a:rPr b="0" lang="en-US" sz="1600" spc="296" strike="noStrike">
+                        <a:rPr b="0" lang="en-US" sz="1600" spc="293" strike="noStrike">
                           <a:solidFill>
                             <a:srgbClr val="000000"/>
                           </a:solidFill>
@@ -27450,7 +28558,7 @@
                         <a:buNone/>
                       </a:pPr>
                       <a:r>
-                        <a:rPr b="0" lang="en-US" sz="1600" spc="296" strike="noStrike">
+                        <a:rPr b="0" lang="en-US" sz="1600" spc="293" strike="noStrike">
                           <a:solidFill>
                             <a:srgbClr val="000000"/>
                           </a:solidFill>
@@ -27556,7 +28664,7 @@
                         <a:buNone/>
                       </a:pPr>
                       <a:r>
-                        <a:rPr b="0" lang="en-US" sz="1600" spc="296" strike="noStrike">
+                        <a:rPr b="0" lang="en-US" sz="1600" spc="293" strike="noStrike">
                           <a:solidFill>
                             <a:srgbClr val="000000"/>
                           </a:solidFill>
@@ -27666,535 +28774,7 @@
         <p:txBody>
           <a:bodyPr/>
           <a:p>
-            <a:fld id="{060DAE98-90C2-4117-9FE4-83B1602BE8A1}" type="slidenum">
-              <a:t>13</a:t>
-            </a:fld>
-          </a:p>
-        </p:txBody>
-      </p:sp>
-    </p:spTree>
-  </p:cSld>
-  <mc:AlternateContent>
-    <mc:Choice Requires="p14">
-      <p:transition spd="slow" p14:dur="2000"/>
-    </mc:Choice>
-    <mc:Fallback>
-      <p:transition spd="slow"/>
-    </mc:Fallback>
-  </mc:AlternateContent>
-</p:sld>
-</file>
-
-<file path=ppt/slides/slide14.xml><?xml version="1.0" encoding="utf-8"?>
-<p:sld xmlns:a="http://schemas.openxmlformats.org/drawingml/2006/main" xmlns:p="http://schemas.openxmlformats.org/presentationml/2006/main" xmlns:r="http://schemas.openxmlformats.org/officeDocument/2006/relationships" xmlns:p14="http://schemas.microsoft.com/office/powerpoint/2010/main" xmlns:p15="http://schemas.microsoft.com/office/powerpoint/2012/main" xmlns:mc="http://schemas.openxmlformats.org/markup-compatibility/2006">
-  <p:cSld>
-    <p:spTree>
-      <p:nvGrpSpPr>
-        <p:cNvPr id="1" name=""/>
-        <p:cNvGrpSpPr/>
-        <p:nvPr/>
-      </p:nvGrpSpPr>
-      <p:grpSpPr>
-        <a:xfrm>
-          <a:off x="0" y="0"/>
-          <a:ext cx="0" cy="0"/>
-          <a:chOff x="0" y="0"/>
-          <a:chExt cx="0" cy="0"/>
-        </a:xfrm>
-      </p:grpSpPr>
-      <p:sp>
-        <p:nvSpPr>
-          <p:cNvPr id="488" name="PlaceHolder 1"/>
-          <p:cNvSpPr>
-            <a:spLocks noGrp="1"/>
-          </p:cNvSpPr>
-          <p:nvPr>
-            <p:ph type="title"/>
-          </p:nvPr>
-        </p:nvSpPr>
-        <p:spPr>
-          <a:xfrm>
-            <a:off x="594360" y="0"/>
-            <a:ext cx="11002320" cy="1622520"/>
-          </a:xfrm>
-          <a:prstGeom prst="rect">
-            <a:avLst/>
-          </a:prstGeom>
-          <a:noFill/>
-          <a:ln w="0">
-            <a:noFill/>
-          </a:ln>
-        </p:spPr>
-        <p:txBody>
-          <a:bodyPr lIns="90000" rIns="90000" tIns="45000" bIns="45000" anchor="ctr">
-            <a:normAutofit/>
-          </a:bodyPr>
-          <a:p>
-            <a:pPr algn="ctr">
-              <a:lnSpc>
-                <a:spcPct val="100000"/>
-              </a:lnSpc>
-              <a:buNone/>
-            </a:pPr>
-            <a:r>
-              <a:rPr b="0" lang="en-US" sz="4800" spc="296" strike="noStrike" cap="all">
-                <a:solidFill>
-                  <a:srgbClr val="000000"/>
-                </a:solidFill>
-                <a:latin typeface="Calibri Light"/>
-              </a:rPr>
-              <a:t>Goals for q2</a:t>
-            </a:r>
-            <a:endParaRPr b="0" lang="pt-BR" sz="4800" spc="-1" strike="noStrike">
-              <a:latin typeface="Arial"/>
-            </a:endParaRPr>
-          </a:p>
-        </p:txBody>
-      </p:sp>
-      <p:pic>
-        <p:nvPicPr>
-          <p:cNvPr id="489" name="Picture Placeholder 14" descr="group professional photo"/>
-          <p:cNvPicPr/>
-          <p:nvPr/>
-        </p:nvPicPr>
-        <p:blipFill>
-          <a:blip r:embed="rId1">
-            <a:extLst>
-              <a:ext uri="{BEBA8EAE-BF5A-486C-A8C5-ECC9F3942E4B}">
-                <a14:imgProps xmlns:a14="http://schemas.microsoft.com/office/drawing/2010/main">
-                  <a14:imgLayer r:embed="rId2">
-                    <a14:imgEffect>
-                      <a14:saturation sat="0"/>
-                    </a14:imgEffect>
-                  </a14:imgLayer>
-                </a14:imgProps>
-              </a:ext>
-            </a:extLst>
-          </a:blip>
-          <a:srcRect l="0" t="22475" r="0" b="22475"/>
-          <a:stretch/>
-        </p:blipFill>
-        <p:spPr>
-          <a:xfrm>
-            <a:off x="469800" y="1638360"/>
-            <a:ext cx="5155560" cy="1891440"/>
-          </a:xfrm>
-          <a:prstGeom prst="rect">
-            <a:avLst/>
-          </a:prstGeom>
-          <a:ln w="0">
-            <a:noFill/>
-          </a:ln>
-        </p:spPr>
-      </p:pic>
-      <p:pic>
-        <p:nvPicPr>
-          <p:cNvPr id="490" name="Picture Placeholder 9" descr="close up of computer boards"/>
-          <p:cNvPicPr/>
-          <p:nvPr/>
-        </p:nvPicPr>
-        <p:blipFill>
-          <a:blip r:embed="rId3">
-            <a:extLst>
-              <a:ext uri="{BEBA8EAE-BF5A-486C-A8C5-ECC9F3942E4B}">
-                <a14:imgProps xmlns:a14="http://schemas.microsoft.com/office/drawing/2010/main">
-                  <a14:imgLayer r:embed="rId4">
-                    <a14:imgEffect>
-                      <a14:saturation sat="0"/>
-                    </a14:imgEffect>
-                  </a14:imgLayer>
-                </a14:imgProps>
-              </a:ext>
-            </a:extLst>
-          </a:blip>
-          <a:srcRect l="0" t="15077" r="0" b="15077"/>
-          <a:stretch/>
-        </p:blipFill>
-        <p:spPr>
-          <a:xfrm>
-            <a:off x="6578640" y="1638360"/>
-            <a:ext cx="5155560" cy="1891440"/>
-          </a:xfrm>
-          <a:prstGeom prst="rect">
-            <a:avLst/>
-          </a:prstGeom>
-          <a:ln w="0">
-            <a:noFill/>
-          </a:ln>
-        </p:spPr>
-      </p:pic>
-      <p:sp>
-        <p:nvSpPr>
-          <p:cNvPr id="491" name="PlaceHolder 2"/>
-          <p:cNvSpPr>
-            <a:spLocks noGrp="1"/>
-          </p:cNvSpPr>
-          <p:nvPr>
-            <p:ph/>
-          </p:nvPr>
-        </p:nvSpPr>
-        <p:spPr>
-          <a:xfrm>
-            <a:off x="469080" y="3864240"/>
-            <a:ext cx="5157000" cy="493920"/>
-          </a:xfrm>
-          <a:prstGeom prst="rect">
-            <a:avLst/>
-          </a:prstGeom>
-          <a:noFill/>
-          <a:ln w="0">
-            <a:noFill/>
-          </a:ln>
-        </p:spPr>
-        <p:txBody>
-          <a:bodyPr lIns="90000" rIns="90000" tIns="45000" bIns="45000" anchor="t">
-            <a:normAutofit fontScale="73000"/>
-          </a:bodyPr>
-          <a:p>
-            <a:pPr>
-              <a:lnSpc>
-                <a:spcPct val="150000"/>
-              </a:lnSpc>
-              <a:spcBef>
-                <a:spcPts val="1001"/>
-              </a:spcBef>
-              <a:buNone/>
-              <a:tabLst>
-                <a:tab algn="l" pos="0"/>
-              </a:tabLst>
-            </a:pPr>
-            <a:r>
-              <a:rPr b="0" lang="en-US" sz="2400" spc="296" strike="noStrike">
-                <a:solidFill>
-                  <a:srgbClr val="000000"/>
-                </a:solidFill>
-                <a:latin typeface="Calibri"/>
-              </a:rPr>
-              <a:t>EMPLOYEE OPPORTUNITIES</a:t>
-            </a:r>
-            <a:endParaRPr b="0" lang="pt-BR" sz="2400" spc="-1" strike="noStrike">
-              <a:latin typeface="Arial"/>
-            </a:endParaRPr>
-          </a:p>
-        </p:txBody>
-      </p:sp>
-      <p:sp>
-        <p:nvSpPr>
-          <p:cNvPr id="492" name="PlaceHolder 3"/>
-          <p:cNvSpPr>
-            <a:spLocks noGrp="1"/>
-          </p:cNvSpPr>
-          <p:nvPr>
-            <p:ph/>
-          </p:nvPr>
-        </p:nvSpPr>
-        <p:spPr>
-          <a:xfrm>
-            <a:off x="6564960" y="3864240"/>
-            <a:ext cx="5182560" cy="493920"/>
-          </a:xfrm>
-          <a:prstGeom prst="rect">
-            <a:avLst/>
-          </a:prstGeom>
-          <a:noFill/>
-          <a:ln w="0">
-            <a:noFill/>
-          </a:ln>
-        </p:spPr>
-        <p:txBody>
-          <a:bodyPr lIns="90000" rIns="90000" tIns="45000" bIns="45000" anchor="t">
-            <a:normAutofit fontScale="73000"/>
-          </a:bodyPr>
-          <a:p>
-            <a:pPr>
-              <a:lnSpc>
-                <a:spcPct val="150000"/>
-              </a:lnSpc>
-              <a:spcBef>
-                <a:spcPts val="1001"/>
-              </a:spcBef>
-              <a:buNone/>
-              <a:tabLst>
-                <a:tab algn="l" pos="0"/>
-              </a:tabLst>
-            </a:pPr>
-            <a:r>
-              <a:rPr b="0" lang="en-US" sz="2400" spc="296" strike="noStrike">
-                <a:solidFill>
-                  <a:srgbClr val="000000"/>
-                </a:solidFill>
-                <a:latin typeface="Calibri"/>
-              </a:rPr>
-              <a:t>BUSINESS PRIORITIES</a:t>
-            </a:r>
-            <a:endParaRPr b="0" lang="pt-BR" sz="2400" spc="-1" strike="noStrike">
-              <a:latin typeface="Arial"/>
-            </a:endParaRPr>
-          </a:p>
-        </p:txBody>
-      </p:sp>
-      <p:sp>
-        <p:nvSpPr>
-          <p:cNvPr id="493" name="PlaceHolder 4"/>
-          <p:cNvSpPr>
-            <a:spLocks noGrp="1"/>
-          </p:cNvSpPr>
-          <p:nvPr>
-            <p:ph/>
-          </p:nvPr>
-        </p:nvSpPr>
-        <p:spPr>
-          <a:xfrm>
-            <a:off x="469080" y="4530960"/>
-            <a:ext cx="5157000" cy="2038320"/>
-          </a:xfrm>
-          <a:prstGeom prst="rect">
-            <a:avLst/>
-          </a:prstGeom>
-          <a:noFill/>
-          <a:ln w="0">
-            <a:noFill/>
-          </a:ln>
-        </p:spPr>
-        <p:txBody>
-          <a:bodyPr lIns="90000" rIns="90000" tIns="45000" bIns="45000" anchor="t">
-            <a:normAutofit/>
-          </a:bodyPr>
-          <a:p>
-            <a:pPr marL="228600" indent="-228600">
-              <a:lnSpc>
-                <a:spcPct val="100000"/>
-              </a:lnSpc>
-              <a:spcBef>
-                <a:spcPts val="1001"/>
-              </a:spcBef>
-              <a:buClr>
-                <a:srgbClr val="000000"/>
-              </a:buClr>
-              <a:buFont typeface="Wingdings" charset="2"/>
-              <a:buChar char=""/>
-            </a:pPr>
-            <a:r>
-              <a:rPr b="0" lang="en-US" sz="1400" spc="-1" strike="noStrike">
-                <a:solidFill>
-                  <a:srgbClr val="000000"/>
-                </a:solidFill>
-                <a:latin typeface="Calibri"/>
-              </a:rPr>
-              <a:t>End of fiscal celebration on July 15th </a:t>
-            </a:r>
-            <a:endParaRPr b="0" lang="pt-BR" sz="1400" spc="-1" strike="noStrike">
-              <a:latin typeface="Arial"/>
-            </a:endParaRPr>
-          </a:p>
-          <a:p>
-            <a:pPr marL="228600" indent="-228600">
-              <a:lnSpc>
-                <a:spcPct val="100000"/>
-              </a:lnSpc>
-              <a:spcBef>
-                <a:spcPts val="1001"/>
-              </a:spcBef>
-              <a:buClr>
-                <a:srgbClr val="000000"/>
-              </a:buClr>
-              <a:buFont typeface="Wingdings" charset="2"/>
-              <a:buChar char=""/>
-            </a:pPr>
-            <a:r>
-              <a:rPr b="0" lang="en-US" sz="1400" spc="-1" strike="noStrike">
-                <a:solidFill>
-                  <a:srgbClr val="000000"/>
-                </a:solidFill>
-                <a:latin typeface="Calibri"/>
-              </a:rPr>
-              <a:t>Employee day of learning on August 14th </a:t>
-            </a:r>
-            <a:endParaRPr b="0" lang="pt-BR" sz="1400" spc="-1" strike="noStrike">
-              <a:latin typeface="Arial"/>
-            </a:endParaRPr>
-          </a:p>
-          <a:p>
-            <a:pPr marL="228600" indent="-228600">
-              <a:lnSpc>
-                <a:spcPct val="100000"/>
-              </a:lnSpc>
-              <a:spcBef>
-                <a:spcPts val="1001"/>
-              </a:spcBef>
-              <a:buClr>
-                <a:srgbClr val="000000"/>
-              </a:buClr>
-              <a:buFont typeface="Wingdings" charset="2"/>
-              <a:buChar char=""/>
-            </a:pPr>
-            <a:r>
-              <a:rPr b="0" lang="en-US" sz="1400" spc="-1" strike="noStrike">
-                <a:solidFill>
-                  <a:srgbClr val="000000"/>
-                </a:solidFill>
-                <a:latin typeface="Calibri"/>
-              </a:rPr>
-              <a:t>Employee Yoga on September 3rd </a:t>
-            </a:r>
-            <a:endParaRPr b="0" lang="pt-BR" sz="1400" spc="-1" strike="noStrike">
-              <a:latin typeface="Arial"/>
-            </a:endParaRPr>
-          </a:p>
-          <a:p>
-            <a:pPr marL="228600" indent="-228600">
-              <a:lnSpc>
-                <a:spcPct val="100000"/>
-              </a:lnSpc>
-              <a:spcBef>
-                <a:spcPts val="1001"/>
-              </a:spcBef>
-              <a:buClr>
-                <a:srgbClr val="000000"/>
-              </a:buClr>
-              <a:buFont typeface="Wingdings" charset="2"/>
-              <a:buChar char=""/>
-            </a:pPr>
-            <a:r>
-              <a:rPr b="0" lang="en-US" sz="1400" spc="-1" strike="noStrike">
-                <a:solidFill>
-                  <a:srgbClr val="000000"/>
-                </a:solidFill>
-                <a:latin typeface="Calibri"/>
-              </a:rPr>
-              <a:t>Seminar series begins September 10th </a:t>
-            </a:r>
-            <a:endParaRPr b="0" lang="pt-BR" sz="1400" spc="-1" strike="noStrike">
-              <a:latin typeface="Arial"/>
-            </a:endParaRPr>
-          </a:p>
-        </p:txBody>
-      </p:sp>
-      <p:sp>
-        <p:nvSpPr>
-          <p:cNvPr id="494" name="PlaceHolder 5"/>
-          <p:cNvSpPr>
-            <a:spLocks noGrp="1"/>
-          </p:cNvSpPr>
-          <p:nvPr>
-            <p:ph/>
-          </p:nvPr>
-        </p:nvSpPr>
-        <p:spPr>
-          <a:xfrm>
-            <a:off x="6564960" y="4530960"/>
-            <a:ext cx="5182560" cy="2038320"/>
-          </a:xfrm>
-          <a:prstGeom prst="rect">
-            <a:avLst/>
-          </a:prstGeom>
-          <a:noFill/>
-          <a:ln w="0">
-            <a:noFill/>
-          </a:ln>
-        </p:spPr>
-        <p:txBody>
-          <a:bodyPr lIns="90000" rIns="90000" tIns="45000" bIns="45000" anchor="t">
-            <a:normAutofit/>
-          </a:bodyPr>
-          <a:p>
-            <a:pPr marL="228600" indent="-228600">
-              <a:lnSpc>
-                <a:spcPct val="100000"/>
-              </a:lnSpc>
-              <a:spcBef>
-                <a:spcPts val="1001"/>
-              </a:spcBef>
-              <a:buClr>
-                <a:srgbClr val="000000"/>
-              </a:buClr>
-              <a:buFont typeface="Wingdings" charset="2"/>
-              <a:buChar char=""/>
-            </a:pPr>
-            <a:r>
-              <a:rPr b="0" lang="en-US" sz="1400" spc="-1" strike="noStrike">
-                <a:solidFill>
-                  <a:srgbClr val="000000"/>
-                </a:solidFill>
-                <a:latin typeface="Calibri"/>
-              </a:rPr>
-              <a:t>Increase customer satisfaction by 2%</a:t>
-            </a:r>
-            <a:endParaRPr b="0" lang="pt-BR" sz="1400" spc="-1" strike="noStrike">
-              <a:latin typeface="Arial"/>
-            </a:endParaRPr>
-          </a:p>
-          <a:p>
-            <a:pPr marL="228600" indent="-228600">
-              <a:lnSpc>
-                <a:spcPct val="100000"/>
-              </a:lnSpc>
-              <a:spcBef>
-                <a:spcPts val="1001"/>
-              </a:spcBef>
-              <a:buClr>
-                <a:srgbClr val="000000"/>
-              </a:buClr>
-              <a:buFont typeface="Wingdings" charset="2"/>
-              <a:buChar char=""/>
-            </a:pPr>
-            <a:r>
-              <a:rPr b="0" lang="en-US" sz="1400" spc="-1" strike="noStrike">
-                <a:solidFill>
-                  <a:srgbClr val="000000"/>
-                </a:solidFill>
-                <a:latin typeface="Calibri"/>
-              </a:rPr>
-              <a:t>Maintain growth</a:t>
-            </a:r>
-            <a:endParaRPr b="0" lang="pt-BR" sz="1400" spc="-1" strike="noStrike">
-              <a:latin typeface="Arial"/>
-            </a:endParaRPr>
-          </a:p>
-          <a:p>
-            <a:pPr marL="228600" indent="-228600">
-              <a:lnSpc>
-                <a:spcPct val="100000"/>
-              </a:lnSpc>
-              <a:spcBef>
-                <a:spcPts val="1001"/>
-              </a:spcBef>
-              <a:buClr>
-                <a:srgbClr val="000000"/>
-              </a:buClr>
-              <a:buFont typeface="Wingdings" charset="2"/>
-              <a:buChar char=""/>
-            </a:pPr>
-            <a:r>
-              <a:rPr b="0" lang="en-US" sz="1400" spc="-1" strike="noStrike">
-                <a:solidFill>
-                  <a:srgbClr val="000000"/>
-                </a:solidFill>
-                <a:latin typeface="Calibri"/>
-              </a:rPr>
-              <a:t>Initiative partnership with 3rd party organizations</a:t>
-            </a:r>
-            <a:endParaRPr b="0" lang="pt-BR" sz="1400" spc="-1" strike="noStrike">
-              <a:latin typeface="Arial"/>
-            </a:endParaRPr>
-          </a:p>
-        </p:txBody>
-      </p:sp>
-      <p:sp>
-        <p:nvSpPr>
-          <p:cNvPr id="7" name="PlaceHolder 6"/>
-          <p:cNvSpPr>
-            <a:spLocks noGrp="1"/>
-          </p:cNvSpPr>
-          <p:nvPr>
-            <p:ph type="sldNum" idx="9"/>
-          </p:nvPr>
-        </p:nvSpPr>
-        <p:spPr/>
-        <p:txBody>
-          <a:bodyPr/>
-          <a:p>
-            <a:fld id="{E10E0257-358F-44A4-B1E3-2B54E7F2F959}" type="slidenum">
+            <a:fld id="{AC2143BE-3D3E-4B50-ACE7-AFF336A7D790}" type="slidenum">
               <a:t>14</a:t>
             </a:fld>
           </a:p>
@@ -28232,7 +28812,7 @@
       </p:grpSpPr>
       <p:sp>
         <p:nvSpPr>
-          <p:cNvPr id="495" name="PlaceHolder 1"/>
+          <p:cNvPr id="493" name="PlaceHolder 1"/>
           <p:cNvSpPr>
             <a:spLocks noGrp="1"/>
           </p:cNvSpPr>
@@ -28243,7 +28823,7 @@
         <p:spPr>
           <a:xfrm>
             <a:off x="594360" y="0"/>
-            <a:ext cx="11002320" cy="1622520"/>
+            <a:ext cx="11001960" cy="1622160"/>
           </a:xfrm>
           <a:prstGeom prst="rect">
             <a:avLst/>
@@ -28265,13 +28845,13 @@
               <a:buNone/>
             </a:pPr>
             <a:r>
-              <a:rPr b="0" lang="en-US" sz="4800" spc="296" strike="noStrike" cap="all">
+              <a:rPr b="0" lang="en-US" sz="4800" spc="293" strike="noStrike" cap="all">
                 <a:solidFill>
                   <a:srgbClr val="000000"/>
                 </a:solidFill>
                 <a:latin typeface="Calibri Light"/>
               </a:rPr>
-              <a:t>Goals for q2 </a:t>
+              <a:t>Goals for q2</a:t>
             </a:r>
             <a:endParaRPr b="0" lang="pt-BR" sz="4800" spc="-1" strike="noStrike">
               <a:latin typeface="Arial"/>
@@ -28281,7 +28861,7 @@
       </p:sp>
       <p:pic>
         <p:nvPicPr>
-          <p:cNvPr id="496" name="Picture Placeholder 13" descr="person staring at blueprints on a wall"/>
+          <p:cNvPr id="494" name="Picture Placeholder 14" descr="group professional photo"/>
           <p:cNvPicPr/>
           <p:nvPr/>
         </p:nvPicPr>
@@ -28299,13 +28879,13 @@
               </a:ext>
             </a:extLst>
           </a:blip>
-          <a:srcRect l="0" t="4334" r="0" b="4334"/>
+          <a:srcRect l="0" t="22475" r="0" b="22475"/>
           <a:stretch/>
         </p:blipFill>
         <p:spPr>
           <a:xfrm>
-            <a:off x="960480" y="1623960"/>
-            <a:ext cx="3107520" cy="1891440"/>
+            <a:off x="469800" y="1638360"/>
+            <a:ext cx="5155200" cy="1891080"/>
           </a:xfrm>
           <a:prstGeom prst="rect">
             <a:avLst/>
@@ -28317,7 +28897,7 @@
       </p:pic>
       <p:pic>
         <p:nvPicPr>
-          <p:cNvPr id="497" name="Picture Placeholder 15" descr="sticky notes on a clear dry erase board"/>
+          <p:cNvPr id="495" name="Picture Placeholder 9" descr="close up of computer boards"/>
           <p:cNvPicPr/>
           <p:nvPr/>
         </p:nvPicPr>
@@ -28335,13 +28915,13 @@
               </a:ext>
             </a:extLst>
           </a:blip>
-          <a:srcRect l="0" t="4334" r="0" b="4334"/>
+          <a:srcRect l="0" t="15077" r="0" b="15077"/>
           <a:stretch/>
         </p:blipFill>
         <p:spPr>
           <a:xfrm>
-            <a:off x="4542120" y="1623240"/>
-            <a:ext cx="3107520" cy="1891440"/>
+            <a:off x="6578640" y="1638360"/>
+            <a:ext cx="5155200" cy="1891080"/>
           </a:xfrm>
           <a:prstGeom prst="rect">
             <a:avLst/>
@@ -28351,45 +28931,9 @@
           </a:ln>
         </p:spPr>
       </p:pic>
-      <p:pic>
-        <p:nvPicPr>
-          <p:cNvPr id="498" name="Picture Placeholder 18" descr="group of people at a conference table"/>
-          <p:cNvPicPr/>
-          <p:nvPr/>
-        </p:nvPicPr>
-        <p:blipFill>
-          <a:blip r:embed="rId5">
-            <a:extLst>
-              <a:ext uri="{BEBA8EAE-BF5A-486C-A8C5-ECC9F3942E4B}">
-                <a14:imgProps xmlns:a14="http://schemas.microsoft.com/office/drawing/2010/main">
-                  <a14:imgLayer r:embed="rId6">
-                    <a14:imgEffect>
-                      <a14:saturation sat="0"/>
-                    </a14:imgEffect>
-                  </a14:imgLayer>
-                </a14:imgProps>
-              </a:ext>
-            </a:extLst>
-          </a:blip>
-          <a:srcRect l="0" t="4334" r="0" b="4334"/>
-          <a:stretch/>
-        </p:blipFill>
-        <p:spPr>
-          <a:xfrm>
-            <a:off x="8123040" y="1623240"/>
-            <a:ext cx="3107520" cy="1891440"/>
-          </a:xfrm>
-          <a:prstGeom prst="rect">
-            <a:avLst/>
-          </a:prstGeom>
-          <a:ln w="0">
-            <a:noFill/>
-          </a:ln>
-        </p:spPr>
-      </p:pic>
-      <p:sp>
-        <p:nvSpPr>
-          <p:cNvPr id="499" name="PlaceHolder 2"/>
+      <p:sp>
+        <p:nvSpPr>
+          <p:cNvPr id="496" name="PlaceHolder 2"/>
           <p:cNvSpPr>
             <a:spLocks noGrp="1"/>
           </p:cNvSpPr>
@@ -28399,8 +28943,8 @@
         </p:nvSpPr>
         <p:spPr>
           <a:xfrm>
-            <a:off x="960120" y="3669480"/>
-            <a:ext cx="3107520" cy="2566440"/>
+            <a:off x="469080" y="3864240"/>
+            <a:ext cx="5156640" cy="493560"/>
           </a:xfrm>
           <a:prstGeom prst="rect">
             <a:avLst/>
@@ -28412,43 +28956,118 @@
         </p:spPr>
         <p:txBody>
           <a:bodyPr lIns="90000" rIns="90000" tIns="45000" bIns="45000" anchor="t">
-            <a:normAutofit/>
+            <a:normAutofit fontScale="73000"/>
           </a:bodyPr>
           <a:p>
             <a:pPr>
               <a:lnSpc>
-                <a:spcPct val="100000"/>
+                <a:spcPct val="150000"/>
               </a:lnSpc>
+              <a:spcBef>
+                <a:spcPts val="1001"/>
+              </a:spcBef>
               <a:buNone/>
               <a:tabLst>
                 <a:tab algn="l" pos="0"/>
               </a:tabLst>
             </a:pPr>
             <a:r>
-              <a:rPr b="0" lang="en-US" sz="2400" spc="296" strike="noStrike">
+              <a:rPr b="0" lang="en-US" sz="2400" spc="293" strike="noStrike">
                 <a:solidFill>
                   <a:srgbClr val="000000"/>
                 </a:solidFill>
                 <a:latin typeface="Calibri"/>
               </a:rPr>
-              <a:t>BUSINESS </a:t>
+              <a:t>EMPLOYEE OPPORTUNITIES</a:t>
             </a:r>
-            <a:br>
-              <a:rPr sz="2400"/>
-            </a:br>
+            <a:endParaRPr b="0" lang="pt-BR" sz="2400" spc="-1" strike="noStrike">
+              <a:latin typeface="Arial"/>
+            </a:endParaRPr>
+          </a:p>
+        </p:txBody>
+      </p:sp>
+      <p:sp>
+        <p:nvSpPr>
+          <p:cNvPr id="497" name="PlaceHolder 3"/>
+          <p:cNvSpPr>
+            <a:spLocks noGrp="1"/>
+          </p:cNvSpPr>
+          <p:nvPr>
+            <p:ph/>
+          </p:nvPr>
+        </p:nvSpPr>
+        <p:spPr>
+          <a:xfrm>
+            <a:off x="6564960" y="3864240"/>
+            <a:ext cx="5182200" cy="493560"/>
+          </a:xfrm>
+          <a:prstGeom prst="rect">
+            <a:avLst/>
+          </a:prstGeom>
+          <a:noFill/>
+          <a:ln w="0">
+            <a:noFill/>
+          </a:ln>
+        </p:spPr>
+        <p:txBody>
+          <a:bodyPr lIns="90000" rIns="90000" tIns="45000" bIns="45000" anchor="t">
+            <a:normAutofit fontScale="73000"/>
+          </a:bodyPr>
+          <a:p>
+            <a:pPr>
+              <a:lnSpc>
+                <a:spcPct val="150000"/>
+              </a:lnSpc>
+              <a:spcBef>
+                <a:spcPts val="1001"/>
+              </a:spcBef>
+              <a:buNone/>
+              <a:tabLst>
+                <a:tab algn="l" pos="0"/>
+              </a:tabLst>
+            </a:pPr>
             <a:r>
-              <a:rPr b="0" lang="en-US" sz="2400" spc="296" strike="noStrike">
+              <a:rPr b="0" lang="en-US" sz="2400" spc="293" strike="noStrike">
                 <a:solidFill>
                   <a:srgbClr val="000000"/>
                 </a:solidFill>
                 <a:latin typeface="Calibri"/>
               </a:rPr>
-              <a:t>PRIORITIES</a:t>
+              <a:t>BUSINESS PRIORITIES</a:t>
             </a:r>
             <a:endParaRPr b="0" lang="pt-BR" sz="2400" spc="-1" strike="noStrike">
               <a:latin typeface="Arial"/>
             </a:endParaRPr>
           </a:p>
+        </p:txBody>
+      </p:sp>
+      <p:sp>
+        <p:nvSpPr>
+          <p:cNvPr id="498" name="PlaceHolder 4"/>
+          <p:cNvSpPr>
+            <a:spLocks noGrp="1"/>
+          </p:cNvSpPr>
+          <p:nvPr>
+            <p:ph/>
+          </p:nvPr>
+        </p:nvSpPr>
+        <p:spPr>
+          <a:xfrm>
+            <a:off x="469080" y="4530960"/>
+            <a:ext cx="5156640" cy="2037960"/>
+          </a:xfrm>
+          <a:prstGeom prst="rect">
+            <a:avLst/>
+          </a:prstGeom>
+          <a:noFill/>
+          <a:ln w="0">
+            <a:noFill/>
+          </a:ln>
+        </p:spPr>
+        <p:txBody>
+          <a:bodyPr lIns="90000" rIns="90000" tIns="45000" bIns="45000" anchor="t">
+            <a:normAutofit/>
+          </a:bodyPr>
           <a:p>
             <a:pPr marL="228600" indent="-228600">
               <a:lnSpc>
@@ -28462,9 +29081,6 @@
               </a:buClr>
               <a:buFont typeface="Wingdings" charset="2"/>
               <a:buChar char=""/>
-              <a:tabLst>
-                <a:tab algn="l" pos="0"/>
-              </a:tabLst>
             </a:pPr>
             <a:r>
               <a:rPr b="0" lang="en-US" sz="1400" spc="-1" strike="noStrike">
@@ -28473,7 +29089,7 @@
                 </a:solidFill>
                 <a:latin typeface="Calibri"/>
               </a:rPr>
-              <a:t>Increase customer satisfaction by 2%</a:t>
+              <a:t>End of fiscal celebration on July 15th </a:t>
             </a:r>
             <a:endParaRPr b="0" lang="pt-BR" sz="1400" spc="-1" strike="noStrike">
               <a:latin typeface="Arial"/>
@@ -28492,9 +29108,6 @@
               </a:buClr>
               <a:buFont typeface="Wingdings" charset="2"/>
               <a:buChar char=""/>
-              <a:tabLst>
-                <a:tab algn="l" pos="0"/>
-              </a:tabLst>
             </a:pPr>
             <a:r>
               <a:rPr b="0" lang="en-US" sz="1400" spc="-1" strike="noStrike">
@@ -28503,108 +29116,9 @@
                 </a:solidFill>
                 <a:latin typeface="Calibri"/>
               </a:rPr>
-              <a:t>Maintain growth</a:t>
+              <a:t>Employee day of learning on August 14th </a:t>
             </a:r>
             <a:endParaRPr b="0" lang="pt-BR" sz="1400" spc="-1" strike="noStrike">
-              <a:latin typeface="Arial"/>
-            </a:endParaRPr>
-          </a:p>
-          <a:p>
-            <a:pPr>
-              <a:lnSpc>
-                <a:spcPct val="100000"/>
-              </a:lnSpc>
-              <a:buNone/>
-              <a:tabLst>
-                <a:tab algn="l" pos="0"/>
-              </a:tabLst>
-            </a:pPr>
-            <a:endParaRPr b="0" lang="pt-BR" sz="2400" spc="-1" strike="noStrike">
-              <a:latin typeface="Arial"/>
-            </a:endParaRPr>
-          </a:p>
-          <a:p>
-            <a:pPr>
-              <a:lnSpc>
-                <a:spcPct val="150000"/>
-              </a:lnSpc>
-              <a:spcBef>
-                <a:spcPts val="1001"/>
-              </a:spcBef>
-              <a:buNone/>
-              <a:tabLst>
-                <a:tab algn="l" pos="0"/>
-              </a:tabLst>
-            </a:pPr>
-            <a:endParaRPr b="0" lang="pt-BR" sz="2400" spc="-1" strike="noStrike">
-              <a:latin typeface="Arial"/>
-            </a:endParaRPr>
-          </a:p>
-        </p:txBody>
-      </p:sp>
-      <p:sp>
-        <p:nvSpPr>
-          <p:cNvPr id="500" name="Content Placeholder 24"/>
-          <p:cNvSpPr/>
-          <p:nvPr/>
-        </p:nvSpPr>
-        <p:spPr>
-          <a:xfrm>
-            <a:off x="4541400" y="3670200"/>
-            <a:ext cx="3108240" cy="2755080"/>
-          </a:xfrm>
-          <a:prstGeom prst="rect">
-            <a:avLst/>
-          </a:prstGeom>
-          <a:noFill/>
-          <a:ln w="0">
-            <a:noFill/>
-          </a:ln>
-        </p:spPr>
-        <p:style>
-          <a:lnRef idx="0"/>
-          <a:fillRef idx="0"/>
-          <a:effectRef idx="0"/>
-          <a:fontRef idx="minor"/>
-        </p:style>
-        <p:txBody>
-          <a:bodyPr lIns="90000" rIns="90000" tIns="45000" bIns="45000" anchor="t">
-            <a:normAutofit/>
-          </a:bodyPr>
-          <a:p>
-            <a:pPr>
-              <a:lnSpc>
-                <a:spcPct val="100000"/>
-              </a:lnSpc>
-              <a:buNone/>
-              <a:tabLst>
-                <a:tab algn="l" pos="0"/>
-              </a:tabLst>
-            </a:pPr>
-            <a:r>
-              <a:rPr b="0" lang="en-US" sz="2400" spc="296" strike="noStrike">
-                <a:solidFill>
-                  <a:srgbClr val="000000"/>
-                </a:solidFill>
-                <a:latin typeface="Calibri"/>
-                <a:ea typeface="DejaVu Sans"/>
-              </a:rPr>
-              <a:t>ADDED </a:t>
-            </a:r>
-            <a:br>
-              <a:rPr sz="2400"/>
-            </a:br>
-            <a:r>
-              <a:rPr b="0" lang="en-US" sz="2400" spc="296" strike="noStrike">
-                <a:solidFill>
-                  <a:srgbClr val="000000"/>
-                </a:solidFill>
-                <a:latin typeface="Calibri"/>
-                <a:ea typeface="DejaVu Sans"/>
-              </a:rPr>
-              <a:t>PRIORITIES</a:t>
-            </a:r>
-            <a:endParaRPr b="0" lang="pt-BR" sz="2400" spc="-1" strike="noStrike">
               <a:latin typeface="Arial"/>
             </a:endParaRPr>
           </a:p>
@@ -28621,9 +29135,6 @@
               </a:buClr>
               <a:buFont typeface="Wingdings" charset="2"/>
               <a:buChar char=""/>
-              <a:tabLst>
-                <a:tab algn="l" pos="0"/>
-              </a:tabLst>
             </a:pPr>
             <a:r>
               <a:rPr b="0" lang="en-US" sz="1400" spc="-1" strike="noStrike">
@@ -28631,9 +29142,8 @@
                   <a:srgbClr val="000000"/>
                 </a:solidFill>
                 <a:latin typeface="Calibri"/>
-                <a:ea typeface="DejaVu Sans"/>
               </a:rPr>
-              <a:t>Improve social media presence</a:t>
+              <a:t>Employee Yoga on September 3rd </a:t>
             </a:r>
             <a:endParaRPr b="0" lang="pt-BR" sz="1400" spc="-1" strike="noStrike">
               <a:latin typeface="Arial"/>
@@ -28652,9 +29162,6 @@
               </a:buClr>
               <a:buFont typeface="Wingdings" charset="2"/>
               <a:buChar char=""/>
-              <a:tabLst>
-                <a:tab algn="l" pos="0"/>
-              </a:tabLst>
             </a:pPr>
             <a:r>
               <a:rPr b="0" lang="en-US" sz="1400" spc="-1" strike="noStrike">
@@ -28662,86 +29169,42 @@
                   <a:srgbClr val="000000"/>
                 </a:solidFill>
                 <a:latin typeface="Calibri"/>
-                <a:ea typeface="DejaVu Sans"/>
               </a:rPr>
-              <a:t>Ensure the cost of development stays below budget</a:t>
+              <a:t>Seminar series begins September 10th </a:t>
             </a:r>
             <a:endParaRPr b="0" lang="pt-BR" sz="1400" spc="-1" strike="noStrike">
               <a:latin typeface="Arial"/>
             </a:endParaRPr>
           </a:p>
-          <a:p>
-            <a:pPr>
-              <a:lnSpc>
-                <a:spcPct val="150000"/>
-              </a:lnSpc>
-              <a:spcBef>
-                <a:spcPts val="1001"/>
-              </a:spcBef>
-              <a:buNone/>
-              <a:tabLst>
-                <a:tab algn="l" pos="0"/>
-              </a:tabLst>
-            </a:pPr>
-            <a:endParaRPr b="0" lang="pt-BR" sz="1600" spc="-1" strike="noStrike">
-              <a:latin typeface="Arial"/>
-            </a:endParaRPr>
-          </a:p>
-        </p:txBody>
-      </p:sp>
-      <p:sp>
-        <p:nvSpPr>
-          <p:cNvPr id="501" name="Content Placeholder 25"/>
-          <p:cNvSpPr/>
-          <p:nvPr/>
-        </p:nvSpPr>
-        <p:spPr>
-          <a:xfrm>
-            <a:off x="8123040" y="3670200"/>
-            <a:ext cx="3108240" cy="2755080"/>
-          </a:xfrm>
-          <a:prstGeom prst="rect">
-            <a:avLst/>
-          </a:prstGeom>
-          <a:noFill/>
-          <a:ln w="0">
-            <a:noFill/>
-          </a:ln>
-        </p:spPr>
-        <p:style>
-          <a:lnRef idx="0"/>
-          <a:fillRef idx="0"/>
-          <a:effectRef idx="0"/>
-          <a:fontRef idx="minor"/>
-        </p:style>
+        </p:txBody>
+      </p:sp>
+      <p:sp>
+        <p:nvSpPr>
+          <p:cNvPr id="499" name="PlaceHolder 5"/>
+          <p:cNvSpPr>
+            <a:spLocks noGrp="1"/>
+          </p:cNvSpPr>
+          <p:nvPr>
+            <p:ph/>
+          </p:nvPr>
+        </p:nvSpPr>
+        <p:spPr>
+          <a:xfrm>
+            <a:off x="6564960" y="4530960"/>
+            <a:ext cx="5182200" cy="2037960"/>
+          </a:xfrm>
+          <a:prstGeom prst="rect">
+            <a:avLst/>
+          </a:prstGeom>
+          <a:noFill/>
+          <a:ln w="0">
+            <a:noFill/>
+          </a:ln>
+        </p:spPr>
         <p:txBody>
           <a:bodyPr lIns="90000" rIns="90000" tIns="45000" bIns="45000" anchor="t">
             <a:normAutofit/>
           </a:bodyPr>
-          <a:p>
-            <a:pPr>
-              <a:lnSpc>
-                <a:spcPct val="100000"/>
-              </a:lnSpc>
-              <a:buNone/>
-              <a:tabLst>
-                <a:tab algn="l" pos="0"/>
-              </a:tabLst>
-            </a:pPr>
-            <a:r>
-              <a:rPr b="0" lang="en-US" sz="2400" spc="296" strike="noStrike">
-                <a:solidFill>
-                  <a:srgbClr val="000000"/>
-                </a:solidFill>
-                <a:latin typeface="Calibri"/>
-                <a:ea typeface="DejaVu Sans"/>
-              </a:rPr>
-              <a:t>EMPLOYEE OPPORTUNITIES</a:t>
-            </a:r>
-            <a:endParaRPr b="0" lang="pt-BR" sz="2400" spc="-1" strike="noStrike">
-              <a:latin typeface="Arial"/>
-            </a:endParaRPr>
-          </a:p>
           <a:p>
             <a:pPr marL="228600" indent="-228600">
               <a:lnSpc>
@@ -28755,9 +29218,6 @@
               </a:buClr>
               <a:buFont typeface="Wingdings" charset="2"/>
               <a:buChar char=""/>
-              <a:tabLst>
-                <a:tab algn="l" pos="0"/>
-              </a:tabLst>
             </a:pPr>
             <a:r>
               <a:rPr b="0" lang="en-US" sz="1400" spc="-1" strike="noStrike">
@@ -28765,9 +29225,8 @@
                   <a:srgbClr val="000000"/>
                 </a:solidFill>
                 <a:latin typeface="Calibri"/>
-                <a:ea typeface="DejaVu Sans"/>
               </a:rPr>
-              <a:t>Interns begin</a:t>
+              <a:t>Increase customer satisfaction by 2%</a:t>
             </a:r>
             <a:endParaRPr b="0" lang="pt-BR" sz="1400" spc="-1" strike="noStrike">
               <a:latin typeface="Arial"/>
@@ -28786,9 +29245,6 @@
               </a:buClr>
               <a:buFont typeface="Wingdings" charset="2"/>
               <a:buChar char=""/>
-              <a:tabLst>
-                <a:tab algn="l" pos="0"/>
-              </a:tabLst>
             </a:pPr>
             <a:r>
               <a:rPr b="0" lang="en-US" sz="1400" spc="-1" strike="noStrike">
@@ -28796,9 +29252,8 @@
                   <a:srgbClr val="000000"/>
                 </a:solidFill>
                 <a:latin typeface="Calibri"/>
-                <a:ea typeface="DejaVu Sans"/>
               </a:rPr>
-              <a:t>Indoor rec leagues</a:t>
+              <a:t>Maintain growth</a:t>
             </a:r>
             <a:endParaRPr b="0" lang="pt-BR" sz="1400" spc="-1" strike="noStrike">
               <a:latin typeface="Arial"/>
@@ -28817,9 +29272,6 @@
               </a:buClr>
               <a:buFont typeface="Wingdings" charset="2"/>
               <a:buChar char=""/>
-              <a:tabLst>
-                <a:tab algn="l" pos="0"/>
-              </a:tabLst>
             </a:pPr>
             <a:r>
               <a:rPr b="0" lang="en-US" sz="1400" spc="-1" strike="noStrike">
@@ -28827,62 +29279,30 @@
                   <a:srgbClr val="000000"/>
                 </a:solidFill>
                 <a:latin typeface="Calibri"/>
-                <a:ea typeface="DejaVu Sans"/>
               </a:rPr>
-              <a:t>Chess tournaments</a:t>
+              <a:t>Initiative partnership with 3rd party organizations</a:t>
             </a:r>
             <a:endParaRPr b="0" lang="pt-BR" sz="1400" spc="-1" strike="noStrike">
               <a:latin typeface="Arial"/>
             </a:endParaRPr>
           </a:p>
-          <a:p>
-            <a:pPr marL="228600" indent="-228600">
-              <a:lnSpc>
-                <a:spcPct val="100000"/>
-              </a:lnSpc>
-              <a:spcBef>
-                <a:spcPts val="1001"/>
-              </a:spcBef>
-              <a:buClr>
-                <a:srgbClr val="000000"/>
-              </a:buClr>
-              <a:buFont typeface="Wingdings" charset="2"/>
-              <a:buChar char=""/>
-              <a:tabLst>
-                <a:tab algn="l" pos="0"/>
-              </a:tabLst>
-            </a:pPr>
-            <a:r>
-              <a:rPr b="0" lang="en-US" sz="1400" spc="-1" strike="noStrike">
-                <a:solidFill>
-                  <a:srgbClr val="000000"/>
-                </a:solidFill>
-                <a:latin typeface="Calibri"/>
-                <a:ea typeface="DejaVu Sans"/>
-              </a:rPr>
-              <a:t>Big Game watching party</a:t>
-            </a:r>
-            <a:endParaRPr b="0" lang="pt-BR" sz="1400" spc="-1" strike="noStrike">
-              <a:latin typeface="Arial"/>
-            </a:endParaRPr>
-          </a:p>
-        </p:txBody>
-      </p:sp>
-      <p:sp>
-        <p:nvSpPr>
-          <p:cNvPr id="4" name="PlaceHolder 3"/>
-          <p:cNvSpPr>
-            <a:spLocks noGrp="1"/>
-          </p:cNvSpPr>
-          <p:nvPr>
-            <p:ph type="sldNum" idx="10"/>
+        </p:txBody>
+      </p:sp>
+      <p:sp>
+        <p:nvSpPr>
+          <p:cNvPr id="7" name="PlaceHolder 6"/>
+          <p:cNvSpPr>
+            <a:spLocks noGrp="1"/>
+          </p:cNvSpPr>
+          <p:nvPr>
+            <p:ph type="sldNum" idx="9"/>
           </p:nvPr>
         </p:nvSpPr>
         <p:spPr/>
         <p:txBody>
           <a:bodyPr/>
           <a:p>
-            <a:fld id="{96BE6DDA-78C0-4903-B5F9-2DAF59D7BC8B}" type="slidenum">
+            <a:fld id="{AB2EEB26-0773-44E8-A1C9-1F9634E33EC2}" type="slidenum">
               <a:t>15</a:t>
             </a:fld>
           </a:p>
@@ -28920,7 +29340,7 @@
       </p:grpSpPr>
       <p:sp>
         <p:nvSpPr>
-          <p:cNvPr id="502" name="PlaceHolder 1"/>
+          <p:cNvPr id="500" name="PlaceHolder 1"/>
           <p:cNvSpPr>
             <a:spLocks noGrp="1"/>
           </p:cNvSpPr>
@@ -28930,8 +29350,696 @@
         </p:nvSpPr>
         <p:spPr>
           <a:xfrm>
+            <a:off x="594360" y="0"/>
+            <a:ext cx="11001960" cy="1622160"/>
+          </a:xfrm>
+          <a:prstGeom prst="rect">
+            <a:avLst/>
+          </a:prstGeom>
+          <a:noFill/>
+          <a:ln w="0">
+            <a:noFill/>
+          </a:ln>
+        </p:spPr>
+        <p:txBody>
+          <a:bodyPr lIns="90000" rIns="90000" tIns="45000" bIns="45000" anchor="ctr">
+            <a:normAutofit/>
+          </a:bodyPr>
+          <a:p>
+            <a:pPr algn="ctr">
+              <a:lnSpc>
+                <a:spcPct val="100000"/>
+              </a:lnSpc>
+              <a:buNone/>
+            </a:pPr>
+            <a:r>
+              <a:rPr b="0" lang="en-US" sz="4800" spc="293" strike="noStrike" cap="all">
+                <a:solidFill>
+                  <a:srgbClr val="000000"/>
+                </a:solidFill>
+                <a:latin typeface="Calibri Light"/>
+              </a:rPr>
+              <a:t>Goals for q2 </a:t>
+            </a:r>
+            <a:endParaRPr b="0" lang="pt-BR" sz="4800" spc="-1" strike="noStrike">
+              <a:latin typeface="Arial"/>
+            </a:endParaRPr>
+          </a:p>
+        </p:txBody>
+      </p:sp>
+      <p:pic>
+        <p:nvPicPr>
+          <p:cNvPr id="501" name="Picture Placeholder 13" descr="person staring at blueprints on a wall"/>
+          <p:cNvPicPr/>
+          <p:nvPr/>
+        </p:nvPicPr>
+        <p:blipFill>
+          <a:blip r:embed="rId1">
+            <a:extLst>
+              <a:ext uri="{BEBA8EAE-BF5A-486C-A8C5-ECC9F3942E4B}">
+                <a14:imgProps xmlns:a14="http://schemas.microsoft.com/office/drawing/2010/main">
+                  <a14:imgLayer r:embed="rId2">
+                    <a14:imgEffect>
+                      <a14:saturation sat="0"/>
+                    </a14:imgEffect>
+                  </a14:imgLayer>
+                </a14:imgProps>
+              </a:ext>
+            </a:extLst>
+          </a:blip>
+          <a:srcRect l="0" t="4334" r="0" b="4334"/>
+          <a:stretch/>
+        </p:blipFill>
+        <p:spPr>
+          <a:xfrm>
+            <a:off x="960480" y="1623960"/>
+            <a:ext cx="3107160" cy="1891080"/>
+          </a:xfrm>
+          <a:prstGeom prst="rect">
+            <a:avLst/>
+          </a:prstGeom>
+          <a:ln w="0">
+            <a:noFill/>
+          </a:ln>
+        </p:spPr>
+      </p:pic>
+      <p:pic>
+        <p:nvPicPr>
+          <p:cNvPr id="502" name="Picture Placeholder 15" descr="sticky notes on a clear dry erase board"/>
+          <p:cNvPicPr/>
+          <p:nvPr/>
+        </p:nvPicPr>
+        <p:blipFill>
+          <a:blip r:embed="rId3">
+            <a:extLst>
+              <a:ext uri="{BEBA8EAE-BF5A-486C-A8C5-ECC9F3942E4B}">
+                <a14:imgProps xmlns:a14="http://schemas.microsoft.com/office/drawing/2010/main">
+                  <a14:imgLayer r:embed="rId4">
+                    <a14:imgEffect>
+                      <a14:saturation sat="0"/>
+                    </a14:imgEffect>
+                  </a14:imgLayer>
+                </a14:imgProps>
+              </a:ext>
+            </a:extLst>
+          </a:blip>
+          <a:srcRect l="0" t="4334" r="0" b="4334"/>
+          <a:stretch/>
+        </p:blipFill>
+        <p:spPr>
+          <a:xfrm>
+            <a:off x="4542120" y="1623240"/>
+            <a:ext cx="3107160" cy="1891080"/>
+          </a:xfrm>
+          <a:prstGeom prst="rect">
+            <a:avLst/>
+          </a:prstGeom>
+          <a:ln w="0">
+            <a:noFill/>
+          </a:ln>
+        </p:spPr>
+      </p:pic>
+      <p:pic>
+        <p:nvPicPr>
+          <p:cNvPr id="503" name="Picture Placeholder 18" descr="group of people at a conference table"/>
+          <p:cNvPicPr/>
+          <p:nvPr/>
+        </p:nvPicPr>
+        <p:blipFill>
+          <a:blip r:embed="rId5">
+            <a:extLst>
+              <a:ext uri="{BEBA8EAE-BF5A-486C-A8C5-ECC9F3942E4B}">
+                <a14:imgProps xmlns:a14="http://schemas.microsoft.com/office/drawing/2010/main">
+                  <a14:imgLayer r:embed="rId6">
+                    <a14:imgEffect>
+                      <a14:saturation sat="0"/>
+                    </a14:imgEffect>
+                  </a14:imgLayer>
+                </a14:imgProps>
+              </a:ext>
+            </a:extLst>
+          </a:blip>
+          <a:srcRect l="0" t="4334" r="0" b="4334"/>
+          <a:stretch/>
+        </p:blipFill>
+        <p:spPr>
+          <a:xfrm>
+            <a:off x="8123040" y="1623240"/>
+            <a:ext cx="3107160" cy="1891080"/>
+          </a:xfrm>
+          <a:prstGeom prst="rect">
+            <a:avLst/>
+          </a:prstGeom>
+          <a:ln w="0">
+            <a:noFill/>
+          </a:ln>
+        </p:spPr>
+      </p:pic>
+      <p:sp>
+        <p:nvSpPr>
+          <p:cNvPr id="504" name="PlaceHolder 2"/>
+          <p:cNvSpPr>
+            <a:spLocks noGrp="1"/>
+          </p:cNvSpPr>
+          <p:nvPr>
+            <p:ph/>
+          </p:nvPr>
+        </p:nvSpPr>
+        <p:spPr>
+          <a:xfrm>
+            <a:off x="960120" y="3669480"/>
+            <a:ext cx="3107160" cy="2566080"/>
+          </a:xfrm>
+          <a:prstGeom prst="rect">
+            <a:avLst/>
+          </a:prstGeom>
+          <a:noFill/>
+          <a:ln w="0">
+            <a:noFill/>
+          </a:ln>
+        </p:spPr>
+        <p:txBody>
+          <a:bodyPr lIns="90000" rIns="90000" tIns="45000" bIns="45000" anchor="t">
+            <a:normAutofit/>
+          </a:bodyPr>
+          <a:p>
+            <a:pPr>
+              <a:lnSpc>
+                <a:spcPct val="100000"/>
+              </a:lnSpc>
+              <a:buNone/>
+              <a:tabLst>
+                <a:tab algn="l" pos="0"/>
+              </a:tabLst>
+            </a:pPr>
+            <a:r>
+              <a:rPr b="0" lang="en-US" sz="2400" spc="293" strike="noStrike">
+                <a:solidFill>
+                  <a:srgbClr val="000000"/>
+                </a:solidFill>
+                <a:latin typeface="Calibri"/>
+              </a:rPr>
+              <a:t>BUSINESS </a:t>
+            </a:r>
+            <a:br>
+              <a:rPr sz="2400"/>
+            </a:br>
+            <a:r>
+              <a:rPr b="0" lang="en-US" sz="2400" spc="293" strike="noStrike">
+                <a:solidFill>
+                  <a:srgbClr val="000000"/>
+                </a:solidFill>
+                <a:latin typeface="Calibri"/>
+              </a:rPr>
+              <a:t>PRIORITIES</a:t>
+            </a:r>
+            <a:endParaRPr b="0" lang="pt-BR" sz="2400" spc="-1" strike="noStrike">
+              <a:latin typeface="Arial"/>
+            </a:endParaRPr>
+          </a:p>
+          <a:p>
+            <a:pPr marL="228600" indent="-228600">
+              <a:lnSpc>
+                <a:spcPct val="100000"/>
+              </a:lnSpc>
+              <a:spcBef>
+                <a:spcPts val="1001"/>
+              </a:spcBef>
+              <a:buClr>
+                <a:srgbClr val="000000"/>
+              </a:buClr>
+              <a:buFont typeface="Wingdings" charset="2"/>
+              <a:buChar char=""/>
+              <a:tabLst>
+                <a:tab algn="l" pos="0"/>
+              </a:tabLst>
+            </a:pPr>
+            <a:r>
+              <a:rPr b="0" lang="en-US" sz="1400" spc="-1" strike="noStrike">
+                <a:solidFill>
+                  <a:srgbClr val="000000"/>
+                </a:solidFill>
+                <a:latin typeface="Calibri"/>
+              </a:rPr>
+              <a:t>Increase customer satisfaction by 2%</a:t>
+            </a:r>
+            <a:endParaRPr b="0" lang="pt-BR" sz="1400" spc="-1" strike="noStrike">
+              <a:latin typeface="Arial"/>
+            </a:endParaRPr>
+          </a:p>
+          <a:p>
+            <a:pPr marL="228600" indent="-228600">
+              <a:lnSpc>
+                <a:spcPct val="100000"/>
+              </a:lnSpc>
+              <a:spcBef>
+                <a:spcPts val="1001"/>
+              </a:spcBef>
+              <a:buClr>
+                <a:srgbClr val="000000"/>
+              </a:buClr>
+              <a:buFont typeface="Wingdings" charset="2"/>
+              <a:buChar char=""/>
+              <a:tabLst>
+                <a:tab algn="l" pos="0"/>
+              </a:tabLst>
+            </a:pPr>
+            <a:r>
+              <a:rPr b="0" lang="en-US" sz="1400" spc="-1" strike="noStrike">
+                <a:solidFill>
+                  <a:srgbClr val="000000"/>
+                </a:solidFill>
+                <a:latin typeface="Calibri"/>
+              </a:rPr>
+              <a:t>Maintain growth</a:t>
+            </a:r>
+            <a:endParaRPr b="0" lang="pt-BR" sz="1400" spc="-1" strike="noStrike">
+              <a:latin typeface="Arial"/>
+            </a:endParaRPr>
+          </a:p>
+          <a:p>
+            <a:pPr>
+              <a:lnSpc>
+                <a:spcPct val="100000"/>
+              </a:lnSpc>
+              <a:buNone/>
+              <a:tabLst>
+                <a:tab algn="l" pos="0"/>
+              </a:tabLst>
+            </a:pPr>
+            <a:endParaRPr b="0" lang="pt-BR" sz="2400" spc="-1" strike="noStrike">
+              <a:latin typeface="Arial"/>
+            </a:endParaRPr>
+          </a:p>
+          <a:p>
+            <a:pPr>
+              <a:lnSpc>
+                <a:spcPct val="150000"/>
+              </a:lnSpc>
+              <a:spcBef>
+                <a:spcPts val="1001"/>
+              </a:spcBef>
+              <a:buNone/>
+              <a:tabLst>
+                <a:tab algn="l" pos="0"/>
+              </a:tabLst>
+            </a:pPr>
+            <a:endParaRPr b="0" lang="pt-BR" sz="2400" spc="-1" strike="noStrike">
+              <a:latin typeface="Arial"/>
+            </a:endParaRPr>
+          </a:p>
+        </p:txBody>
+      </p:sp>
+      <p:sp>
+        <p:nvSpPr>
+          <p:cNvPr id="505" name="Content Placeholder 24"/>
+          <p:cNvSpPr/>
+          <p:nvPr/>
+        </p:nvSpPr>
+        <p:spPr>
+          <a:xfrm>
+            <a:off x="4541400" y="3670200"/>
+            <a:ext cx="3107880" cy="2754720"/>
+          </a:xfrm>
+          <a:prstGeom prst="rect">
+            <a:avLst/>
+          </a:prstGeom>
+          <a:noFill/>
+          <a:ln w="0">
+            <a:noFill/>
+          </a:ln>
+        </p:spPr>
+        <p:style>
+          <a:lnRef idx="0"/>
+          <a:fillRef idx="0"/>
+          <a:effectRef idx="0"/>
+          <a:fontRef idx="minor"/>
+        </p:style>
+        <p:txBody>
+          <a:bodyPr lIns="90000" rIns="90000" tIns="45000" bIns="45000" anchor="t">
+            <a:normAutofit/>
+          </a:bodyPr>
+          <a:p>
+            <a:pPr>
+              <a:lnSpc>
+                <a:spcPct val="100000"/>
+              </a:lnSpc>
+              <a:buNone/>
+              <a:tabLst>
+                <a:tab algn="l" pos="0"/>
+              </a:tabLst>
+            </a:pPr>
+            <a:r>
+              <a:rPr b="0" lang="en-US" sz="2400" spc="293" strike="noStrike">
+                <a:solidFill>
+                  <a:srgbClr val="000000"/>
+                </a:solidFill>
+                <a:latin typeface="Calibri"/>
+                <a:ea typeface="DejaVu Sans"/>
+              </a:rPr>
+              <a:t>ADDED </a:t>
+            </a:r>
+            <a:br>
+              <a:rPr sz="2400"/>
+            </a:br>
+            <a:r>
+              <a:rPr b="0" lang="en-US" sz="2400" spc="293" strike="noStrike">
+                <a:solidFill>
+                  <a:srgbClr val="000000"/>
+                </a:solidFill>
+                <a:latin typeface="Calibri"/>
+                <a:ea typeface="DejaVu Sans"/>
+              </a:rPr>
+              <a:t>PRIORITIES</a:t>
+            </a:r>
+            <a:endParaRPr b="0" lang="pt-BR" sz="2400" spc="-1" strike="noStrike">
+              <a:latin typeface="Arial"/>
+            </a:endParaRPr>
+          </a:p>
+          <a:p>
+            <a:pPr marL="228600" indent="-228600">
+              <a:lnSpc>
+                <a:spcPct val="100000"/>
+              </a:lnSpc>
+              <a:spcBef>
+                <a:spcPts val="1001"/>
+              </a:spcBef>
+              <a:buClr>
+                <a:srgbClr val="000000"/>
+              </a:buClr>
+              <a:buFont typeface="Wingdings" charset="2"/>
+              <a:buChar char=""/>
+              <a:tabLst>
+                <a:tab algn="l" pos="0"/>
+              </a:tabLst>
+            </a:pPr>
+            <a:r>
+              <a:rPr b="0" lang="en-US" sz="1400" spc="-1" strike="noStrike">
+                <a:solidFill>
+                  <a:srgbClr val="000000"/>
+                </a:solidFill>
+                <a:latin typeface="Calibri"/>
+                <a:ea typeface="DejaVu Sans"/>
+              </a:rPr>
+              <a:t>Improve social media presence</a:t>
+            </a:r>
+            <a:endParaRPr b="0" lang="pt-BR" sz="1400" spc="-1" strike="noStrike">
+              <a:latin typeface="Arial"/>
+            </a:endParaRPr>
+          </a:p>
+          <a:p>
+            <a:pPr marL="228600" indent="-228600">
+              <a:lnSpc>
+                <a:spcPct val="100000"/>
+              </a:lnSpc>
+              <a:spcBef>
+                <a:spcPts val="1001"/>
+              </a:spcBef>
+              <a:buClr>
+                <a:srgbClr val="000000"/>
+              </a:buClr>
+              <a:buFont typeface="Wingdings" charset="2"/>
+              <a:buChar char=""/>
+              <a:tabLst>
+                <a:tab algn="l" pos="0"/>
+              </a:tabLst>
+            </a:pPr>
+            <a:r>
+              <a:rPr b="0" lang="en-US" sz="1400" spc="-1" strike="noStrike">
+                <a:solidFill>
+                  <a:srgbClr val="000000"/>
+                </a:solidFill>
+                <a:latin typeface="Calibri"/>
+                <a:ea typeface="DejaVu Sans"/>
+              </a:rPr>
+              <a:t>Ensure the cost of development stays below budget</a:t>
+            </a:r>
+            <a:endParaRPr b="0" lang="pt-BR" sz="1400" spc="-1" strike="noStrike">
+              <a:latin typeface="Arial"/>
+            </a:endParaRPr>
+          </a:p>
+          <a:p>
+            <a:pPr>
+              <a:lnSpc>
+                <a:spcPct val="150000"/>
+              </a:lnSpc>
+              <a:spcBef>
+                <a:spcPts val="1001"/>
+              </a:spcBef>
+              <a:buNone/>
+              <a:tabLst>
+                <a:tab algn="l" pos="0"/>
+              </a:tabLst>
+            </a:pPr>
+            <a:endParaRPr b="0" lang="pt-BR" sz="1600" spc="-1" strike="noStrike">
+              <a:latin typeface="Arial"/>
+            </a:endParaRPr>
+          </a:p>
+        </p:txBody>
+      </p:sp>
+      <p:sp>
+        <p:nvSpPr>
+          <p:cNvPr id="506" name="Content Placeholder 25"/>
+          <p:cNvSpPr/>
+          <p:nvPr/>
+        </p:nvSpPr>
+        <p:spPr>
+          <a:xfrm>
+            <a:off x="8123040" y="3670200"/>
+            <a:ext cx="3107880" cy="2754720"/>
+          </a:xfrm>
+          <a:prstGeom prst="rect">
+            <a:avLst/>
+          </a:prstGeom>
+          <a:noFill/>
+          <a:ln w="0">
+            <a:noFill/>
+          </a:ln>
+        </p:spPr>
+        <p:style>
+          <a:lnRef idx="0"/>
+          <a:fillRef idx="0"/>
+          <a:effectRef idx="0"/>
+          <a:fontRef idx="minor"/>
+        </p:style>
+        <p:txBody>
+          <a:bodyPr lIns="90000" rIns="90000" tIns="45000" bIns="45000" anchor="t">
+            <a:normAutofit/>
+          </a:bodyPr>
+          <a:p>
+            <a:pPr>
+              <a:lnSpc>
+                <a:spcPct val="100000"/>
+              </a:lnSpc>
+              <a:buNone/>
+              <a:tabLst>
+                <a:tab algn="l" pos="0"/>
+              </a:tabLst>
+            </a:pPr>
+            <a:r>
+              <a:rPr b="0" lang="en-US" sz="2400" spc="293" strike="noStrike">
+                <a:solidFill>
+                  <a:srgbClr val="000000"/>
+                </a:solidFill>
+                <a:latin typeface="Calibri"/>
+                <a:ea typeface="DejaVu Sans"/>
+              </a:rPr>
+              <a:t>EMPLOYEE OPPORTUNITIES</a:t>
+            </a:r>
+            <a:endParaRPr b="0" lang="pt-BR" sz="2400" spc="-1" strike="noStrike">
+              <a:latin typeface="Arial"/>
+            </a:endParaRPr>
+          </a:p>
+          <a:p>
+            <a:pPr marL="228600" indent="-228600">
+              <a:lnSpc>
+                <a:spcPct val="100000"/>
+              </a:lnSpc>
+              <a:spcBef>
+                <a:spcPts val="1001"/>
+              </a:spcBef>
+              <a:buClr>
+                <a:srgbClr val="000000"/>
+              </a:buClr>
+              <a:buFont typeface="Wingdings" charset="2"/>
+              <a:buChar char=""/>
+              <a:tabLst>
+                <a:tab algn="l" pos="0"/>
+              </a:tabLst>
+            </a:pPr>
+            <a:r>
+              <a:rPr b="0" lang="en-US" sz="1400" spc="-1" strike="noStrike">
+                <a:solidFill>
+                  <a:srgbClr val="000000"/>
+                </a:solidFill>
+                <a:latin typeface="Calibri"/>
+                <a:ea typeface="DejaVu Sans"/>
+              </a:rPr>
+              <a:t>Interns begin</a:t>
+            </a:r>
+            <a:endParaRPr b="0" lang="pt-BR" sz="1400" spc="-1" strike="noStrike">
+              <a:latin typeface="Arial"/>
+            </a:endParaRPr>
+          </a:p>
+          <a:p>
+            <a:pPr marL="228600" indent="-228600">
+              <a:lnSpc>
+                <a:spcPct val="100000"/>
+              </a:lnSpc>
+              <a:spcBef>
+                <a:spcPts val="1001"/>
+              </a:spcBef>
+              <a:buClr>
+                <a:srgbClr val="000000"/>
+              </a:buClr>
+              <a:buFont typeface="Wingdings" charset="2"/>
+              <a:buChar char=""/>
+              <a:tabLst>
+                <a:tab algn="l" pos="0"/>
+              </a:tabLst>
+            </a:pPr>
+            <a:r>
+              <a:rPr b="0" lang="en-US" sz="1400" spc="-1" strike="noStrike">
+                <a:solidFill>
+                  <a:srgbClr val="000000"/>
+                </a:solidFill>
+                <a:latin typeface="Calibri"/>
+                <a:ea typeface="DejaVu Sans"/>
+              </a:rPr>
+              <a:t>Indoor rec leagues</a:t>
+            </a:r>
+            <a:endParaRPr b="0" lang="pt-BR" sz="1400" spc="-1" strike="noStrike">
+              <a:latin typeface="Arial"/>
+            </a:endParaRPr>
+          </a:p>
+          <a:p>
+            <a:pPr marL="228600" indent="-228600">
+              <a:lnSpc>
+                <a:spcPct val="100000"/>
+              </a:lnSpc>
+              <a:spcBef>
+                <a:spcPts val="1001"/>
+              </a:spcBef>
+              <a:buClr>
+                <a:srgbClr val="000000"/>
+              </a:buClr>
+              <a:buFont typeface="Wingdings" charset="2"/>
+              <a:buChar char=""/>
+              <a:tabLst>
+                <a:tab algn="l" pos="0"/>
+              </a:tabLst>
+            </a:pPr>
+            <a:r>
+              <a:rPr b="0" lang="en-US" sz="1400" spc="-1" strike="noStrike">
+                <a:solidFill>
+                  <a:srgbClr val="000000"/>
+                </a:solidFill>
+                <a:latin typeface="Calibri"/>
+                <a:ea typeface="DejaVu Sans"/>
+              </a:rPr>
+              <a:t>Chess tournaments</a:t>
+            </a:r>
+            <a:endParaRPr b="0" lang="pt-BR" sz="1400" spc="-1" strike="noStrike">
+              <a:latin typeface="Arial"/>
+            </a:endParaRPr>
+          </a:p>
+          <a:p>
+            <a:pPr marL="228600" indent="-228600">
+              <a:lnSpc>
+                <a:spcPct val="100000"/>
+              </a:lnSpc>
+              <a:spcBef>
+                <a:spcPts val="1001"/>
+              </a:spcBef>
+              <a:buClr>
+                <a:srgbClr val="000000"/>
+              </a:buClr>
+              <a:buFont typeface="Wingdings" charset="2"/>
+              <a:buChar char=""/>
+              <a:tabLst>
+                <a:tab algn="l" pos="0"/>
+              </a:tabLst>
+            </a:pPr>
+            <a:r>
+              <a:rPr b="0" lang="en-US" sz="1400" spc="-1" strike="noStrike">
+                <a:solidFill>
+                  <a:srgbClr val="000000"/>
+                </a:solidFill>
+                <a:latin typeface="Calibri"/>
+                <a:ea typeface="DejaVu Sans"/>
+              </a:rPr>
+              <a:t>Big Game watching party</a:t>
+            </a:r>
+            <a:endParaRPr b="0" lang="pt-BR" sz="1400" spc="-1" strike="noStrike">
+              <a:latin typeface="Arial"/>
+            </a:endParaRPr>
+          </a:p>
+        </p:txBody>
+      </p:sp>
+      <p:sp>
+        <p:nvSpPr>
+          <p:cNvPr id="4" name="PlaceHolder 3"/>
+          <p:cNvSpPr>
+            <a:spLocks noGrp="1"/>
+          </p:cNvSpPr>
+          <p:nvPr>
+            <p:ph type="sldNum" idx="10"/>
+          </p:nvPr>
+        </p:nvSpPr>
+        <p:spPr/>
+        <p:txBody>
+          <a:bodyPr/>
+          <a:p>
+            <a:fld id="{17EF917A-AC88-4A0A-A0DF-C0586FA9EAC1}" type="slidenum">
+              <a:t>16</a:t>
+            </a:fld>
+          </a:p>
+        </p:txBody>
+      </p:sp>
+    </p:spTree>
+  </p:cSld>
+  <mc:AlternateContent>
+    <mc:Choice Requires="p14">
+      <p:transition spd="slow" p14:dur="2000"/>
+    </mc:Choice>
+    <mc:Fallback>
+      <p:transition spd="slow"/>
+    </mc:Fallback>
+  </mc:AlternateContent>
+</p:sld>
+</file>
+
+<file path=ppt/slides/slide17.xml><?xml version="1.0" encoding="utf-8"?>
+<p:sld xmlns:a="http://schemas.openxmlformats.org/drawingml/2006/main" xmlns:p="http://schemas.openxmlformats.org/presentationml/2006/main" xmlns:r="http://schemas.openxmlformats.org/officeDocument/2006/relationships" xmlns:p14="http://schemas.microsoft.com/office/powerpoint/2010/main" xmlns:p15="http://schemas.microsoft.com/office/powerpoint/2012/main" xmlns:mc="http://schemas.openxmlformats.org/markup-compatibility/2006">
+  <p:cSld>
+    <p:spTree>
+      <p:nvGrpSpPr>
+        <p:cNvPr id="1" name=""/>
+        <p:cNvGrpSpPr/>
+        <p:nvPr/>
+      </p:nvGrpSpPr>
+      <p:grpSpPr>
+        <a:xfrm>
+          <a:off x="0" y="0"/>
+          <a:ext cx="0" cy="0"/>
+          <a:chOff x="0" y="0"/>
+          <a:chExt cx="0" cy="0"/>
+        </a:xfrm>
+      </p:grpSpPr>
+      <p:sp>
+        <p:nvSpPr>
+          <p:cNvPr id="507" name="PlaceHolder 1"/>
+          <p:cNvSpPr>
+            <a:spLocks noGrp="1"/>
+          </p:cNvSpPr>
+          <p:nvPr>
+            <p:ph type="title"/>
+          </p:nvPr>
+        </p:nvSpPr>
+        <p:spPr>
+          <a:xfrm>
             <a:off x="6095880" y="612000"/>
-            <a:ext cx="5896440" cy="883440"/>
+            <a:ext cx="5896080" cy="883080"/>
           </a:xfrm>
           <a:prstGeom prst="rect">
             <a:avLst/>
@@ -28972,7 +30080,7 @@
       </p:sp>
       <p:pic>
         <p:nvPicPr>
-          <p:cNvPr id="503" name="Picture Placeholder 5" descr="person staring at blueprints on a brick wall"/>
+          <p:cNvPr id="508" name="Picture Placeholder 5" descr="person staring at blueprints on a brick wall"/>
           <p:cNvPicPr/>
           <p:nvPr/>
         </p:nvPicPr>
@@ -28996,7 +30104,7 @@
         <p:spPr>
           <a:xfrm>
             <a:off x="0" y="0"/>
-            <a:ext cx="5415840" cy="6857280"/>
+            <a:ext cx="5415480" cy="6856920"/>
           </a:xfrm>
           <a:prstGeom prst="rect">
             <a:avLst/>
@@ -29008,7 +30116,7 @@
       </p:pic>
       <p:sp>
         <p:nvSpPr>
-          <p:cNvPr id="504" name="PlaceHolder 2"/>
+          <p:cNvPr id="509" name="PlaceHolder 2"/>
           <p:cNvSpPr>
             <a:spLocks noGrp="1"/>
           </p:cNvSpPr>
@@ -29019,7 +30127,7 @@
         <p:spPr>
           <a:xfrm>
             <a:off x="6095880" y="1661040"/>
-            <a:ext cx="5668560" cy="4207680"/>
+            <a:ext cx="5668200" cy="4207320"/>
           </a:xfrm>
           <a:prstGeom prst="rect">
             <a:avLst/>
@@ -29047,7 +30155,7 @@
               </a:tabLst>
             </a:pPr>
             <a:r>
-              <a:rPr b="0" lang="en-US" sz="2000" spc="296" strike="noStrike">
+              <a:rPr b="0" lang="en-US" sz="2000" spc="293" strike="noStrike">
                 <a:solidFill>
                   <a:srgbClr val="000000"/>
                 </a:solidFill>
@@ -29116,7 +30224,7 @@
               </a:tabLst>
             </a:pPr>
             <a:r>
-              <a:rPr b="0" lang="en-US" sz="2000" spc="296" strike="noStrike">
+              <a:rPr b="0" lang="en-US" sz="2000" spc="293" strike="noStrike">
                 <a:solidFill>
                   <a:srgbClr val="000000"/>
                 </a:solidFill>
@@ -29185,7 +30293,7 @@
               </a:tabLst>
             </a:pPr>
             <a:r>
-              <a:rPr b="0" lang="en-US" sz="2000" spc="296" strike="noStrike">
+              <a:rPr b="0" lang="en-US" sz="2000" spc="293" strike="noStrike">
                 <a:solidFill>
                   <a:srgbClr val="000000"/>
                 </a:solidFill>
@@ -29254,7 +30362,7 @@
               </a:tabLst>
             </a:pPr>
             <a:r>
-              <a:rPr b="0" lang="en-US" sz="2000" spc="296" strike="noStrike">
+              <a:rPr b="0" lang="en-US" sz="2000" spc="293" strike="noStrike">
                 <a:solidFill>
                   <a:srgbClr val="000000"/>
                 </a:solidFill>
@@ -29325,8 +30433,8 @@
         <p:txBody>
           <a:bodyPr/>
           <a:p>
-            <a:fld id="{91EAE9E5-F657-4896-A102-C5D3AC3755C3}" type="slidenum">
-              <a:t>16</a:t>
+            <a:fld id="{2CA2A289-C498-463A-A6BD-CFCC2C6042B0}" type="slidenum">
+              <a:t>17</a:t>
             </a:fld>
           </a:p>
         </p:txBody>
@@ -29344,7 +30452,7 @@
 </p:sld>
 </file>
 
-<file path=ppt/slides/slide17.xml><?xml version="1.0" encoding="utf-8"?>
+<file path=ppt/slides/slide18.xml><?xml version="1.0" encoding="utf-8"?>
 <p:sld xmlns:a="http://schemas.openxmlformats.org/drawingml/2006/main" xmlns:p="http://schemas.openxmlformats.org/presentationml/2006/main" xmlns:r="http://schemas.openxmlformats.org/officeDocument/2006/relationships" xmlns:p14="http://schemas.microsoft.com/office/powerpoint/2010/main" xmlns:p15="http://schemas.microsoft.com/office/powerpoint/2012/main" xmlns:mc="http://schemas.openxmlformats.org/markup-compatibility/2006">
   <p:cSld>
     <p:bg>
@@ -29370,7 +30478,7 @@
       </p:grpSpPr>
       <p:pic>
         <p:nvPicPr>
-          <p:cNvPr id="505" name="Picture Placeholder 7" descr="abstract image"/>
+          <p:cNvPr id="510" name="Picture Placeholder 7" descr="abstract image"/>
           <p:cNvPicPr/>
           <p:nvPr/>
         </p:nvPicPr>
@@ -29394,8 +30502,8 @@
         </p:blipFill>
         <p:spPr>
           <a:xfrm rot="16200000">
-            <a:off x="2666520" y="-2665800"/>
-            <a:ext cx="6857280" cy="12191400"/>
+            <a:off x="2666160" y="-2665080"/>
+            <a:ext cx="6856920" cy="12191040"/>
           </a:xfrm>
           <a:prstGeom prst="rect">
             <a:avLst/>
@@ -29407,7 +30515,7 @@
       </p:pic>
       <p:sp>
         <p:nvSpPr>
-          <p:cNvPr id="506" name="PlaceHolder 1"/>
+          <p:cNvPr id="511" name="PlaceHolder 1"/>
           <p:cNvSpPr>
             <a:spLocks noGrp="1"/>
           </p:cNvSpPr>
@@ -29418,7 +30526,7 @@
         <p:spPr>
           <a:xfrm>
             <a:off x="702360" y="1660680"/>
-            <a:ext cx="10786680" cy="829800"/>
+            <a:ext cx="10786320" cy="829440"/>
           </a:xfrm>
           <a:prstGeom prst="rect">
             <a:avLst/>
@@ -29440,7 +30548,7 @@
               <a:buNone/>
             </a:pPr>
             <a:r>
-              <a:rPr b="0" lang="en-US" sz="4000" spc="296" strike="noStrike" cap="all">
+              <a:rPr b="0" lang="en-US" sz="4000" spc="293" strike="noStrike" cap="all">
                 <a:solidFill>
                   <a:srgbClr val="ffffff"/>
                 </a:solidFill>
@@ -29456,7 +30564,7 @@
       </p:sp>
       <p:pic>
         <p:nvPicPr>
-          <p:cNvPr id="507" name="Online Image Placeholder 23" descr="User"/>
+          <p:cNvPr id="512" name="Online Image Placeholder 23" descr="User"/>
           <p:cNvPicPr/>
           <p:nvPr/>
         </p:nvPicPr>
@@ -29467,7 +30575,7 @@
         <p:spPr>
           <a:xfrm>
             <a:off x="1754640" y="3098880"/>
-            <a:ext cx="730800" cy="730800"/>
+            <a:ext cx="730440" cy="730440"/>
           </a:xfrm>
           <a:prstGeom prst="rect">
             <a:avLst/>
@@ -29479,7 +30587,7 @@
       </p:pic>
       <p:pic>
         <p:nvPicPr>
-          <p:cNvPr id="508" name="Online Image Placeholder 11" descr="Smart Phone"/>
+          <p:cNvPr id="513" name="Online Image Placeholder 11" descr="Smart Phone"/>
           <p:cNvPicPr/>
           <p:nvPr/>
         </p:nvPicPr>
@@ -29490,7 +30598,7 @@
         <p:spPr>
           <a:xfrm>
             <a:off x="5730840" y="3118680"/>
-            <a:ext cx="729360" cy="729360"/>
+            <a:ext cx="729000" cy="729000"/>
           </a:xfrm>
           <a:prstGeom prst="rect">
             <a:avLst/>
@@ -29502,7 +30610,7 @@
       </p:pic>
       <p:pic>
         <p:nvPicPr>
-          <p:cNvPr id="509" name="Online Image Placeholder 27" descr="Envelope"/>
+          <p:cNvPr id="514" name="Online Image Placeholder 27" descr="Envelope"/>
           <p:cNvPicPr/>
           <p:nvPr/>
         </p:nvPicPr>
@@ -29513,7 +30621,7 @@
         <p:spPr>
           <a:xfrm>
             <a:off x="9705600" y="3098880"/>
-            <a:ext cx="730800" cy="730800"/>
+            <a:ext cx="730440" cy="730440"/>
           </a:xfrm>
           <a:prstGeom prst="rect">
             <a:avLst/>
@@ -29525,7 +30633,7 @@
       </p:pic>
       <p:sp>
         <p:nvSpPr>
-          <p:cNvPr id="510" name="PlaceHolder 2"/>
+          <p:cNvPr id="515" name="PlaceHolder 2"/>
           <p:cNvSpPr>
             <a:spLocks noGrp="1"/>
           </p:cNvSpPr>
@@ -29536,7 +30644,7 @@
         <p:spPr>
           <a:xfrm>
             <a:off x="588240" y="3903120"/>
-            <a:ext cx="3063960" cy="518040"/>
+            <a:ext cx="3063600" cy="517680"/>
           </a:xfrm>
           <a:prstGeom prst="rect">
             <a:avLst/>
@@ -29564,7 +30672,7 @@
               </a:tabLst>
             </a:pPr>
             <a:r>
-              <a:rPr b="0" lang="en-US" sz="1800" spc="296" strike="noStrike">
+              <a:rPr b="0" lang="en-US" sz="1800" spc="293" strike="noStrike">
                 <a:solidFill>
                   <a:srgbClr val="ffffff"/>
                 </a:solidFill>
@@ -29580,7 +30688,7 @@
       </p:sp>
       <p:sp>
         <p:nvSpPr>
-          <p:cNvPr id="511" name="PlaceHolder 3"/>
+          <p:cNvPr id="516" name="PlaceHolder 3"/>
           <p:cNvSpPr>
             <a:spLocks noGrp="1"/>
           </p:cNvSpPr>
@@ -29591,7 +30699,7 @@
         <p:spPr>
           <a:xfrm>
             <a:off x="4563720" y="3893400"/>
-            <a:ext cx="3063960" cy="518040"/>
+            <a:ext cx="3063600" cy="517680"/>
           </a:xfrm>
           <a:prstGeom prst="rect">
             <a:avLst/>
@@ -29619,7 +30727,7 @@
               </a:tabLst>
             </a:pPr>
             <a:r>
-              <a:rPr b="0" lang="en-US" sz="1800" spc="296" strike="noStrike">
+              <a:rPr b="0" lang="en-US" sz="1800" spc="293" strike="noStrike">
                 <a:solidFill>
                   <a:srgbClr val="ffffff"/>
                 </a:solidFill>
@@ -29635,7 +30743,7 @@
       </p:sp>
       <p:sp>
         <p:nvSpPr>
-          <p:cNvPr id="512" name="PlaceHolder 4"/>
+          <p:cNvPr id="517" name="PlaceHolder 4"/>
           <p:cNvSpPr>
             <a:spLocks noGrp="1"/>
           </p:cNvSpPr>
@@ -29646,7 +30754,7 @@
         <p:spPr>
           <a:xfrm>
             <a:off x="8539200" y="3903120"/>
-            <a:ext cx="3063960" cy="518040"/>
+            <a:ext cx="3063600" cy="517680"/>
           </a:xfrm>
           <a:prstGeom prst="rect">
             <a:avLst/>
@@ -29674,7 +30782,7 @@
               </a:tabLst>
             </a:pPr>
             <a:r>
-              <a:rPr b="0" lang="en-US" sz="1800" spc="296" strike="noStrike">
+              <a:rPr b="0" lang="en-US" sz="1800" spc="293" strike="noStrike">
                 <a:solidFill>
                   <a:srgbClr val="ffffff"/>
                 </a:solidFill>
@@ -29690,7 +30798,7 @@
       </p:sp>
       <p:sp>
         <p:nvSpPr>
-          <p:cNvPr id="513" name="PlaceHolder 5"/>
+          <p:cNvPr id="518" name="PlaceHolder 5"/>
           <p:cNvSpPr>
             <a:spLocks noGrp="1"/>
           </p:cNvSpPr>
@@ -29701,7 +30809,7 @@
         <p:spPr>
           <a:xfrm>
             <a:off x="3512520" y="5137920"/>
-            <a:ext cx="5166720" cy="518040"/>
+            <a:ext cx="5166360" cy="517680"/>
           </a:xfrm>
           <a:prstGeom prst="rect">
             <a:avLst/>
@@ -29739,7 +30847,7 @@
               </a:tabLst>
             </a:pPr>
             <a:r>
-              <a:rPr b="0" lang="en-US" sz="1800" spc="296" strike="noStrike">
+              <a:rPr b="0" lang="en-US" sz="1800" spc="293" strike="noStrike">
                 <a:solidFill>
                   <a:srgbClr val="ffffff"/>
                 </a:solidFill>
@@ -29796,7 +30904,7 @@
         <p:spPr>
           <a:xfrm>
             <a:off x="7068960" y="642960"/>
-            <a:ext cx="4845600" cy="1435320"/>
+            <a:ext cx="4845240" cy="1434960"/>
           </a:xfrm>
           <a:prstGeom prst="rect">
             <a:avLst/>
@@ -29844,7 +30952,7 @@
         <p:spPr>
           <a:xfrm>
             <a:off x="0" y="0"/>
-            <a:ext cx="6095160" cy="6857280"/>
+            <a:ext cx="6094800" cy="6856920"/>
           </a:xfrm>
           <a:prstGeom prst="parallelogram">
             <a:avLst>
@@ -29880,7 +30988,7 @@
         <p:spPr>
           <a:xfrm>
             <a:off x="7068960" y="2079000"/>
-            <a:ext cx="4114080" cy="3798000"/>
+            <a:ext cx="4113720" cy="3797640"/>
           </a:xfrm>
           <a:prstGeom prst="rect">
             <a:avLst/>
@@ -29908,7 +31016,7 @@
               </a:tabLst>
             </a:pPr>
             <a:r>
-              <a:rPr b="0" lang="en-US" sz="1800" spc="296" strike="noStrike">
+              <a:rPr b="0" lang="en-US" sz="1800" spc="293" strike="noStrike">
                 <a:solidFill>
                   <a:srgbClr val="000000"/>
                 </a:solidFill>
@@ -29934,7 +31042,7 @@
               </a:tabLst>
             </a:pPr>
             <a:r>
-              <a:rPr b="0" lang="en-US" sz="1800" spc="296" strike="noStrike">
+              <a:rPr b="0" lang="en-US" sz="1800" spc="293" strike="noStrike">
                 <a:solidFill>
                   <a:srgbClr val="000000"/>
                 </a:solidFill>
@@ -29960,7 +31068,7 @@
               </a:tabLst>
             </a:pPr>
             <a:r>
-              <a:rPr b="0" lang="en-US" sz="1800" spc="296" strike="noStrike">
+              <a:rPr b="0" lang="en-US" sz="1800" spc="293" strike="noStrike">
                 <a:solidFill>
                   <a:srgbClr val="000000"/>
                 </a:solidFill>
@@ -29986,7 +31094,7 @@
               </a:tabLst>
             </a:pPr>
             <a:r>
-              <a:rPr b="0" lang="en-US" sz="1800" spc="296" strike="noStrike">
+              <a:rPr b="0" lang="en-US" sz="1800" spc="293" strike="noStrike">
                 <a:solidFill>
                   <a:srgbClr val="000000"/>
                 </a:solidFill>
@@ -30012,7 +31120,7 @@
               </a:tabLst>
             </a:pPr>
             <a:r>
-              <a:rPr b="0" lang="en-US" sz="1800" spc="296" strike="noStrike">
+              <a:rPr b="0" lang="en-US" sz="1800" spc="293" strike="noStrike">
                 <a:solidFill>
                   <a:srgbClr val="000000"/>
                 </a:solidFill>
@@ -30057,7 +31165,7 @@
         <p:txBody>
           <a:bodyPr/>
           <a:p>
-            <a:fld id="{4016470E-E28B-4A38-8B1F-B4A972F49F17}" type="slidenum">
+            <a:fld id="{231893DD-F555-432E-962E-A0A099B9DE50}" type="slidenum">
               <a:t>2</a:t>
             </a:fld>
           </a:p>
@@ -30106,7 +31214,7 @@
         <p:spPr>
           <a:xfrm>
             <a:off x="6095880" y="612000"/>
-            <a:ext cx="5896440" cy="883440"/>
+            <a:ext cx="5896080" cy="883080"/>
           </a:xfrm>
           <a:prstGeom prst="rect">
             <a:avLst/>
@@ -30171,7 +31279,7 @@
         <p:spPr>
           <a:xfrm>
             <a:off x="0" y="0"/>
-            <a:ext cx="5415840" cy="6846120"/>
+            <a:ext cx="5415480" cy="6845760"/>
           </a:xfrm>
           <a:prstGeom prst="rect">
             <a:avLst/>
@@ -30194,7 +31302,7 @@
         <p:spPr>
           <a:xfrm>
             <a:off x="6225480" y="1546200"/>
-            <a:ext cx="3016800" cy="464040"/>
+            <a:ext cx="3016440" cy="463680"/>
           </a:xfrm>
           <a:prstGeom prst="rect">
             <a:avLst/>
@@ -30229,7 +31337,7 @@
               </a:tabLst>
             </a:pPr>
             <a:r>
-              <a:rPr b="0" lang="en-US" sz="1400" spc="296" strike="noStrike">
+              <a:rPr b="0" lang="en-US" sz="1400" spc="293" strike="noStrike">
                 <a:solidFill>
                   <a:srgbClr val="ffffff"/>
                 </a:solidFill>
@@ -30256,7 +31364,7 @@
         <p:spPr>
           <a:xfrm>
             <a:off x="6095880" y="2799720"/>
-            <a:ext cx="4645440" cy="2217960"/>
+            <a:ext cx="4645080" cy="2217600"/>
           </a:xfrm>
           <a:prstGeom prst="rect">
             <a:avLst/>
@@ -30355,7 +31463,7 @@
         <p:txBody>
           <a:bodyPr/>
           <a:p>
-            <a:fld id="{4A03CC17-FA32-4D2E-B72F-64CFAD8F0C29}" type="slidenum">
+            <a:fld id="{5786CCC7-4347-4EF2-8DAE-81E822FAB60E}" type="slidenum">
               <a:t>3</a:t>
             </a:fld>
           </a:p>
@@ -30404,7 +31512,7 @@
         <p:spPr>
           <a:xfrm>
             <a:off x="6095880" y="2262960"/>
-            <a:ext cx="5250600" cy="1660680"/>
+            <a:ext cx="5250240" cy="1660320"/>
           </a:xfrm>
           <a:prstGeom prst="rect">
             <a:avLst/>
@@ -30426,7 +31534,7 @@
               <a:buNone/>
             </a:pPr>
             <a:r>
-              <a:rPr b="0" lang="en-US" sz="6000" spc="296" strike="noStrike" cap="all">
+              <a:rPr b="0" lang="en-US" sz="6000" spc="293" strike="noStrike" cap="all">
                 <a:solidFill>
                   <a:srgbClr val="000000"/>
                 </a:solidFill>
@@ -30449,7 +31557,7 @@
         <p:spPr>
           <a:xfrm>
             <a:off x="0" y="0"/>
-            <a:ext cx="6095160" cy="6867360"/>
+            <a:ext cx="6094800" cy="6867000"/>
           </a:xfrm>
           <a:custGeom>
             <a:avLst/>
@@ -30506,7 +31614,7 @@
         <p:spPr>
           <a:xfrm>
             <a:off x="6202800" y="4393440"/>
-            <a:ext cx="2833920" cy="364320"/>
+            <a:ext cx="2833560" cy="363960"/>
           </a:xfrm>
           <a:prstGeom prst="rect">
             <a:avLst/>
@@ -30544,7 +31652,7 @@
               </a:tabLst>
             </a:pPr>
             <a:r>
-              <a:rPr b="0" lang="en-US" sz="1400" spc="596" strike="noStrike" cap="all">
+              <a:rPr b="0" lang="en-US" sz="1400" spc="593" strike="noStrike" cap="all">
                 <a:solidFill>
                   <a:srgbClr val="ffffff"/>
                 </a:solidFill>
@@ -30572,7 +31680,7 @@
         <p:txBody>
           <a:bodyPr/>
           <a:p>
-            <a:fld id="{789B3E3F-A5C6-456C-A2EA-B298CF443050}" type="slidenum">
+            <a:fld id="{82A8F723-0D7E-4D17-A6C3-60B18EBED2AD}" type="slidenum">
               <a:t>4</a:t>
             </a:fld>
           </a:p>
@@ -30621,7 +31729,7 @@
         <p:spPr>
           <a:xfrm>
             <a:off x="7380000" y="216000"/>
-            <a:ext cx="3624120" cy="1043640"/>
+            <a:ext cx="3623760" cy="1043280"/>
           </a:xfrm>
           <a:prstGeom prst="rect">
             <a:avLst/>
@@ -30643,7 +31751,7 @@
               <a:buNone/>
             </a:pPr>
             <a:r>
-              <a:rPr b="0" lang="en-US" sz="3200" spc="296" strike="noStrike" cap="all">
+              <a:rPr b="0" lang="en-US" sz="3200" spc="293" strike="noStrike" cap="all">
                 <a:solidFill>
                   <a:srgbClr val="000000"/>
                 </a:solidFill>
@@ -30652,7 +31760,7 @@
               <a:t>API</a:t>
             </a:r>
             <a:r>
-              <a:rPr b="0" lang="en-US" sz="6000" spc="296" strike="noStrike" cap="all">
+              <a:rPr b="0" lang="en-US" sz="6000" spc="293" strike="noStrike" cap="all">
                 <a:solidFill>
                   <a:srgbClr val="000000"/>
                 </a:solidFill>
@@ -30661,7 +31769,7 @@
               <a:t> </a:t>
             </a:r>
             <a:r>
-              <a:rPr b="0" lang="en-US" sz="3200" spc="296" strike="noStrike" cap="all">
+              <a:rPr b="0" lang="en-US" sz="3200" spc="293" strike="noStrike" cap="all">
                 <a:solidFill>
                   <a:srgbClr val="000000"/>
                 </a:solidFill>
@@ -30684,7 +31792,7 @@
         <p:spPr>
           <a:xfrm>
             <a:off x="0" y="0"/>
-            <a:ext cx="6095160" cy="6867360"/>
+            <a:ext cx="6094800" cy="6867000"/>
           </a:xfrm>
           <a:custGeom>
             <a:avLst/>
@@ -30741,7 +31849,7 @@
         <p:spPr>
           <a:xfrm>
             <a:off x="7785720" y="1440000"/>
-            <a:ext cx="2833920" cy="364320"/>
+            <a:ext cx="2833560" cy="363960"/>
           </a:xfrm>
           <a:prstGeom prst="rect">
             <a:avLst/>
@@ -30779,7 +31887,7 @@
               </a:tabLst>
             </a:pPr>
             <a:r>
-              <a:rPr b="0" lang="en-US" sz="1400" spc="596" strike="noStrike" cap="all">
+              <a:rPr b="0" lang="en-US" sz="1400" spc="593" strike="noStrike" cap="all">
                 <a:solidFill>
                   <a:srgbClr val="ffffff"/>
                 </a:solidFill>
@@ -30802,7 +31910,7 @@
         <p:spPr>
           <a:xfrm>
             <a:off x="6660000" y="2461680"/>
-            <a:ext cx="5219640" cy="2217960"/>
+            <a:ext cx="5219280" cy="2217600"/>
           </a:xfrm>
           <a:prstGeom prst="rect">
             <a:avLst/>
@@ -30841,6 +31949,7 @@
                   <a:srgbClr val="000000"/>
                 </a:solidFill>
                 <a:latin typeface="Calibri"/>
+                <a:ea typeface="DejaVu Sans"/>
               </a:rPr>
               <a:t>- Software Pattern.</a:t>
             </a:r>
@@ -30867,6 +31976,7 @@
                   <a:srgbClr val="000000"/>
                 </a:solidFill>
                 <a:latin typeface="Calibri"/>
+                <a:ea typeface="DejaVu Sans"/>
               </a:rPr>
               <a:t>- Gerenciador de tráfego.</a:t>
             </a:r>
@@ -30893,6 +32003,7 @@
                   <a:srgbClr val="000000"/>
                 </a:solidFill>
                 <a:latin typeface="Calibri"/>
+                <a:ea typeface="DejaVu Sans"/>
               </a:rPr>
               <a:t>- Capabilities.</a:t>
             </a:r>
@@ -30919,6 +32030,29 @@
           </a:p>
         </p:txBody>
       </p:sp>
+      <p:pic>
+        <p:nvPicPr>
+          <p:cNvPr id="458" name="" descr=""/>
+          <p:cNvPicPr/>
+          <p:nvPr/>
+        </p:nvPicPr>
+        <p:blipFill>
+          <a:blip r:embed="rId2"/>
+          <a:stretch/>
+        </p:blipFill>
+        <p:spPr>
+          <a:xfrm rot="600">
+            <a:off x="6041880" y="3600360"/>
+            <a:ext cx="5117760" cy="2878920"/>
+          </a:xfrm>
+          <a:prstGeom prst="rect">
+            <a:avLst/>
+          </a:prstGeom>
+          <a:ln w="0">
+            <a:noFill/>
+          </a:ln>
+        </p:spPr>
+      </p:pic>
       <p:sp>
         <p:nvSpPr>
           <p:cNvPr id="4" name="PlaceHolder 3"/>
@@ -30933,7 +32067,7 @@
         <p:txBody>
           <a:bodyPr/>
           <a:p>
-            <a:fld id="{66FB5C23-558F-4122-A3D9-3AF0E945568C}" type="slidenum">
+            <a:fld id="{939CB32D-9918-4DAA-B246-A5D420F4D281}" type="slidenum">
               <a:t>5</a:t>
             </a:fld>
           </a:p>
@@ -30971,7 +32105,7 @@
       </p:grpSpPr>
       <p:sp>
         <p:nvSpPr>
-          <p:cNvPr id="458" name="PlaceHolder 1"/>
+          <p:cNvPr id="459" name="PlaceHolder 1"/>
           <p:cNvSpPr>
             <a:spLocks noGrp="1"/>
           </p:cNvSpPr>
@@ -30982,7 +32116,7 @@
         <p:spPr>
           <a:xfrm>
             <a:off x="7380000" y="216000"/>
-            <a:ext cx="3624120" cy="1043640"/>
+            <a:ext cx="3623760" cy="1043280"/>
           </a:xfrm>
           <a:prstGeom prst="rect">
             <a:avLst/>
@@ -31004,7 +32138,7 @@
               <a:buNone/>
             </a:pPr>
             <a:r>
-              <a:rPr b="0" lang="en-US" sz="3200" spc="296" strike="noStrike" cap="all">
+              <a:rPr b="0" lang="en-US" sz="3200" spc="293" strike="noStrike" cap="all">
                 <a:solidFill>
                   <a:srgbClr val="000000"/>
                 </a:solidFill>
@@ -31013,7 +32147,7 @@
               <a:t>API</a:t>
             </a:r>
             <a:r>
-              <a:rPr b="0" lang="en-US" sz="6000" spc="296" strike="noStrike" cap="all">
+              <a:rPr b="0" lang="en-US" sz="6000" spc="293" strike="noStrike" cap="all">
                 <a:solidFill>
                   <a:srgbClr val="000000"/>
                 </a:solidFill>
@@ -31022,7 +32156,7 @@
               <a:t> </a:t>
             </a:r>
             <a:r>
-              <a:rPr b="0" lang="en-US" sz="3200" spc="296" strike="noStrike" cap="all">
+              <a:rPr b="0" lang="en-US" sz="3200" spc="293" strike="noStrike" cap="all">
                 <a:solidFill>
                   <a:srgbClr val="000000"/>
                 </a:solidFill>
@@ -31038,14 +32172,14 @@
       </p:sp>
       <p:sp>
         <p:nvSpPr>
-          <p:cNvPr id="459" name="Picture Placeholder 2"/>
+          <p:cNvPr id="460" name="Picture Placeholder 6"/>
           <p:cNvSpPr/>
           <p:nvPr/>
         </p:nvSpPr>
         <p:spPr>
           <a:xfrm>
-            <a:off x="0" y="0"/>
-            <a:ext cx="6095160" cy="6867360"/>
+            <a:off x="25200" y="-9000"/>
+            <a:ext cx="6094800" cy="6867000"/>
           </a:xfrm>
           <a:custGeom>
             <a:avLst/>
@@ -31091,7 +32225,7 @@
       </p:sp>
       <p:sp>
         <p:nvSpPr>
-          <p:cNvPr id="460" name="PlaceHolder 2"/>
+          <p:cNvPr id="461" name="PlaceHolder 2"/>
           <p:cNvSpPr>
             <a:spLocks noGrp="1"/>
           </p:cNvSpPr>
@@ -31102,7 +32236,7 @@
         <p:spPr>
           <a:xfrm>
             <a:off x="7785720" y="1440000"/>
-            <a:ext cx="2833920" cy="364320"/>
+            <a:ext cx="2833560" cy="363960"/>
           </a:xfrm>
           <a:prstGeom prst="rect">
             <a:avLst/>
@@ -31140,7 +32274,7 @@
               </a:tabLst>
             </a:pPr>
             <a:r>
-              <a:rPr b="0" lang="en-US" sz="1800" spc="596" strike="noStrike" cap="all">
+              <a:rPr b="0" lang="en-US" sz="1400" spc="593" strike="noStrike" cap="all">
                 <a:solidFill>
                   <a:srgbClr val="ffffff"/>
                 </a:solidFill>
@@ -31148,7 +32282,7 @@
               </a:rPr>
               <a:t>O que é?</a:t>
             </a:r>
-            <a:endParaRPr b="0" lang="pt-BR" sz="1800" spc="-1" strike="noStrike">
+            <a:endParaRPr b="0" lang="pt-BR" sz="1400" spc="-1" strike="noStrike">
               <a:latin typeface="Arial"/>
             </a:endParaRPr>
           </a:p>
@@ -31156,7 +32290,7 @@
       </p:sp>
       <p:pic>
         <p:nvPicPr>
-          <p:cNvPr id="461" name="" descr=""/>
+          <p:cNvPr id="462" name="" descr=""/>
           <p:cNvPicPr/>
           <p:nvPr/>
         </p:nvPicPr>
@@ -31166,8 +32300,8 @@
         </p:blipFill>
         <p:spPr>
           <a:xfrm>
-            <a:off x="5526000" y="2712600"/>
-            <a:ext cx="6533640" cy="3047040"/>
+            <a:off x="5580000" y="2340000"/>
+            <a:ext cx="6257880" cy="3420000"/>
           </a:xfrm>
           <a:prstGeom prst="rect">
             <a:avLst/>
@@ -31191,7 +32325,7 @@
         <p:txBody>
           <a:bodyPr/>
           <a:p>
-            <a:fld id="{FA5D821E-729B-4C1C-924D-A128F04CC40E}" type="slidenum">
+            <a:fld id="{594020D8-38D6-470E-ADBB-BE5DFD9A61BA}" type="slidenum">
               <a:t>6</a:t>
             </a:fld>
           </a:p>
@@ -31229,7 +32363,7 @@
       </p:grpSpPr>
       <p:sp>
         <p:nvSpPr>
-          <p:cNvPr id="462" name="PlaceHolder 1"/>
+          <p:cNvPr id="463" name="PlaceHolder 1"/>
           <p:cNvSpPr>
             <a:spLocks noGrp="1"/>
           </p:cNvSpPr>
@@ -31240,7 +32374,7 @@
         <p:spPr>
           <a:xfrm>
             <a:off x="7380000" y="216000"/>
-            <a:ext cx="3624120" cy="1043640"/>
+            <a:ext cx="3623760" cy="1043280"/>
           </a:xfrm>
           <a:prstGeom prst="rect">
             <a:avLst/>
@@ -31262,7 +32396,7 @@
               <a:buNone/>
             </a:pPr>
             <a:r>
-              <a:rPr b="0" lang="en-US" sz="3200" spc="296" strike="noStrike" cap="all">
+              <a:rPr b="0" lang="en-US" sz="3200" spc="293" strike="noStrike" cap="all">
                 <a:solidFill>
                   <a:srgbClr val="000000"/>
                 </a:solidFill>
@@ -31271,7 +32405,7 @@
               <a:t>API</a:t>
             </a:r>
             <a:r>
-              <a:rPr b="0" lang="en-US" sz="6000" spc="296" strike="noStrike" cap="all">
+              <a:rPr b="0" lang="en-US" sz="6000" spc="293" strike="noStrike" cap="all">
                 <a:solidFill>
                   <a:srgbClr val="000000"/>
                 </a:solidFill>
@@ -31280,7 +32414,7 @@
               <a:t> </a:t>
             </a:r>
             <a:r>
-              <a:rPr b="0" lang="en-US" sz="3200" spc="296" strike="noStrike" cap="all">
+              <a:rPr b="0" lang="en-US" sz="3200" spc="293" strike="noStrike" cap="all">
                 <a:solidFill>
                   <a:srgbClr val="000000"/>
                 </a:solidFill>
@@ -31296,14 +32430,14 @@
       </p:sp>
       <p:sp>
         <p:nvSpPr>
-          <p:cNvPr id="463" name="Picture Placeholder 3"/>
+          <p:cNvPr id="464" name="Picture Placeholder 8"/>
           <p:cNvSpPr/>
           <p:nvPr/>
         </p:nvSpPr>
         <p:spPr>
           <a:xfrm>
-            <a:off x="0" y="0"/>
-            <a:ext cx="6095160" cy="6867360"/>
+            <a:off x="25200" y="-9000"/>
+            <a:ext cx="6094800" cy="6867000"/>
           </a:xfrm>
           <a:custGeom>
             <a:avLst/>
@@ -31349,7 +32483,7 @@
       </p:sp>
       <p:sp>
         <p:nvSpPr>
-          <p:cNvPr id="464" name="PlaceHolder 2"/>
+          <p:cNvPr id="465" name="PlaceHolder 2"/>
           <p:cNvSpPr>
             <a:spLocks noGrp="1"/>
           </p:cNvSpPr>
@@ -31360,7 +32494,7 @@
         <p:spPr>
           <a:xfrm>
             <a:off x="7785720" y="1440000"/>
-            <a:ext cx="2833920" cy="364320"/>
+            <a:ext cx="2833560" cy="363960"/>
           </a:xfrm>
           <a:prstGeom prst="rect">
             <a:avLst/>
@@ -31398,15 +32532,15 @@
               </a:tabLst>
             </a:pPr>
             <a:r>
-              <a:rPr b="0" lang="en-US" sz="1800" spc="596" strike="noStrike" cap="all">
+              <a:rPr b="0" lang="en-US" sz="1400" spc="593" strike="noStrike" cap="all">
                 <a:solidFill>
                   <a:srgbClr val="ffffff"/>
                 </a:solidFill>
                 <a:latin typeface="Calibri"/>
               </a:rPr>
-              <a:t>Capabilites</a:t>
+              <a:t>O que é?</a:t>
             </a:r>
-            <a:endParaRPr b="0" lang="pt-BR" sz="1800" spc="-1" strike="noStrike">
+            <a:endParaRPr b="0" lang="pt-BR" sz="1400" spc="-1" strike="noStrike">
               <a:latin typeface="Arial"/>
             </a:endParaRPr>
           </a:p>
@@ -31414,7 +32548,7 @@
       </p:sp>
       <p:pic>
         <p:nvPicPr>
-          <p:cNvPr id="465" name="" descr=""/>
+          <p:cNvPr id="466" name="" descr=""/>
           <p:cNvPicPr/>
           <p:nvPr/>
         </p:nvPicPr>
@@ -31424,8 +32558,8 @@
         </p:blipFill>
         <p:spPr>
           <a:xfrm>
-            <a:off x="5685480" y="1967040"/>
-            <a:ext cx="6374160" cy="4499640"/>
+            <a:off x="5580000" y="2210400"/>
+            <a:ext cx="6630480" cy="3729600"/>
           </a:xfrm>
           <a:prstGeom prst="rect">
             <a:avLst/>
@@ -31449,7 +32583,7 @@
         <p:txBody>
           <a:bodyPr/>
           <a:p>
-            <a:fld id="{A40B7DF6-8E45-437B-B7DB-F5701616C832}" type="slidenum">
+            <a:fld id="{D828BB5D-5A38-46E5-A013-489C87A19B23}" type="slidenum">
               <a:t>7</a:t>
             </a:fld>
           </a:p>
@@ -31487,7 +32621,7 @@
       </p:grpSpPr>
       <p:sp>
         <p:nvSpPr>
-          <p:cNvPr id="466" name="PlaceHolder 1"/>
+          <p:cNvPr id="467" name="PlaceHolder 1"/>
           <p:cNvSpPr>
             <a:spLocks noGrp="1"/>
           </p:cNvSpPr>
@@ -31497,74 +32631,217 @@
         </p:nvSpPr>
         <p:spPr>
           <a:xfrm>
-            <a:off x="594360" y="767880"/>
-            <a:ext cx="11002320" cy="823320"/>
-          </a:xfrm>
-          <a:prstGeom prst="rect">
-            <a:avLst/>
-          </a:prstGeom>
-          <a:noFill/>
-          <a:ln w="0">
-            <a:noFill/>
-          </a:ln>
-        </p:spPr>
-        <p:txBody>
-          <a:bodyPr lIns="90000" rIns="90000" tIns="45000" bIns="45000" anchor="ctr">
-            <a:noAutofit/>
-          </a:bodyPr>
-          <a:p>
-            <a:pPr algn="ctr">
+            <a:off x="7380000" y="216000"/>
+            <a:ext cx="3623760" cy="1043280"/>
+          </a:xfrm>
+          <a:prstGeom prst="rect">
+            <a:avLst/>
+          </a:prstGeom>
+          <a:noFill/>
+          <a:ln w="0">
+            <a:noFill/>
+          </a:ln>
+        </p:spPr>
+        <p:txBody>
+          <a:bodyPr lIns="90000" rIns="90000" tIns="45000" bIns="45000" anchor="b">
+            <a:normAutofit/>
+          </a:bodyPr>
+          <a:p>
+            <a:pPr>
               <a:lnSpc>
                 <a:spcPct val="100000"/>
               </a:lnSpc>
               <a:buNone/>
             </a:pPr>
             <a:r>
-              <a:rPr b="0" lang="en-US" sz="4800" spc="296" strike="noStrike" cap="all">
+              <a:rPr b="0" lang="en-US" sz="3200" spc="293" strike="noStrike" cap="all">
                 <a:solidFill>
                   <a:srgbClr val="000000"/>
                 </a:solidFill>
                 <a:latin typeface="Calibri Light"/>
               </a:rPr>
-              <a:t>Growth by sector</a:t>
+              <a:t>API</a:t>
             </a:r>
-            <a:endParaRPr b="0" lang="pt-BR" sz="4800" spc="-1" strike="noStrike">
-              <a:latin typeface="Arial"/>
-            </a:endParaRPr>
-          </a:p>
-        </p:txBody>
-      </p:sp>
-      <p:graphicFrame>
-        <p:nvGraphicFramePr>
-          <p:cNvPr id="467" name="Chart"/>
-          <p:cNvGraphicFramePr/>
+            <a:r>
+              <a:rPr b="0" lang="en-US" sz="6000" spc="293" strike="noStrike" cap="all">
+                <a:solidFill>
+                  <a:srgbClr val="000000"/>
+                </a:solidFill>
+                <a:latin typeface="Calibri Light"/>
+              </a:rPr>
+              <a:t> </a:t>
+            </a:r>
+            <a:r>
+              <a:rPr b="0" lang="en-US" sz="3200" spc="293" strike="noStrike" cap="all">
+                <a:solidFill>
+                  <a:srgbClr val="000000"/>
+                </a:solidFill>
+                <a:latin typeface="Calibri Light"/>
+              </a:rPr>
+              <a:t>GateWAY</a:t>
+            </a:r>
+            <a:endParaRPr b="0" lang="pt-BR" sz="3200" spc="-1" strike="noStrike">
+              <a:latin typeface="Arial"/>
+            </a:endParaRPr>
+          </a:p>
+        </p:txBody>
+      </p:sp>
+      <p:sp>
+        <p:nvSpPr>
+          <p:cNvPr id="468" name="Picture Placeholder 3"/>
+          <p:cNvSpPr/>
           <p:nvPr/>
-        </p:nvGraphicFramePr>
-        <p:xfrm>
-          <a:off x="0" y="1371600"/>
-          <a:ext cx="12191400" cy="5485680"/>
-        </p:xfrm>
-        <a:graphic>
-          <a:graphicData uri="http://schemas.openxmlformats.org/drawingml/2006/chart">
-            <c:chart xmlns:c="http://schemas.openxmlformats.org/drawingml/2006/chart" xmlns:r="http://schemas.openxmlformats.org/officeDocument/2006/relationships" r:id="rId1"/>
-          </a:graphicData>
-        </a:graphic>
-      </p:graphicFrame>
-      <p:sp>
-        <p:nvSpPr>
-          <p:cNvPr id="3" name="PlaceHolder 2"/>
-          <p:cNvSpPr>
-            <a:spLocks noGrp="1"/>
-          </p:cNvSpPr>
-          <p:nvPr>
-            <p:ph type="sldNum" idx="7"/>
+        </p:nvSpPr>
+        <p:spPr>
+          <a:xfrm>
+            <a:off x="0" y="0"/>
+            <a:ext cx="6094800" cy="6867000"/>
+          </a:xfrm>
+          <a:custGeom>
+            <a:avLst/>
+            <a:gdLst/>
+            <a:ahLst/>
+            <a:rect l="l" t="t" r="r" b="b"/>
+            <a:pathLst>
+              <a:path w="6096000" h="6867922">
+                <a:moveTo>
+                  <a:pt x="0" y="0"/>
+                </a:moveTo>
+                <a:lnTo>
+                  <a:pt x="6096000" y="0"/>
+                </a:lnTo>
+                <a:lnTo>
+                  <a:pt x="4228633" y="6867922"/>
+                </a:lnTo>
+                <a:lnTo>
+                  <a:pt x="0" y="6858000"/>
+                </a:lnTo>
+                <a:lnTo>
+                  <a:pt x="0" y="0"/>
+                </a:lnTo>
+                <a:close/>
+              </a:path>
+            </a:pathLst>
+          </a:custGeom>
+          <a:blipFill rotWithShape="0">
+            <a:blip r:embed="rId1"/>
+            <a:srcRect/>
+            <a:stretch/>
+          </a:blipFill>
+          <a:ln w="0">
+            <a:noFill/>
+          </a:ln>
+        </p:spPr>
+        <p:style>
+          <a:lnRef idx="0"/>
+          <a:fillRef idx="0"/>
+          <a:effectRef idx="0"/>
+          <a:fontRef idx="minor"/>
+        </p:style>
+      </p:sp>
+      <p:sp>
+        <p:nvSpPr>
+          <p:cNvPr id="469" name="PlaceHolder 2"/>
+          <p:cNvSpPr>
+            <a:spLocks noGrp="1"/>
+          </p:cNvSpPr>
+          <p:nvPr>
+            <p:ph/>
+          </p:nvPr>
+        </p:nvSpPr>
+        <p:spPr>
+          <a:xfrm>
+            <a:off x="7785720" y="1440000"/>
+            <a:ext cx="2833560" cy="363960"/>
+          </a:xfrm>
+          <a:prstGeom prst="rect">
+            <a:avLst/>
+          </a:prstGeom>
+          <a:gradFill rotWithShape="0">
+            <a:gsLst>
+              <a:gs pos="0">
+                <a:srgbClr val="01023b"/>
+              </a:gs>
+              <a:gs pos="100000">
+                <a:srgbClr val="a53f52"/>
+              </a:gs>
+            </a:gsLst>
+            <a:lin ang="10800000"/>
+          </a:gradFill>
+          <a:ln w="0">
+            <a:noFill/>
+          </a:ln>
+        </p:spPr>
+        <p:txBody>
+          <a:bodyPr lIns="90000" rIns="90000" tIns="45000" bIns="45000" anchor="ctr">
+            <a:noAutofit/>
+          </a:bodyPr>
+          <a:p>
+            <a:pPr algn="ctr">
+              <a:lnSpc>
+                <a:spcPct val="100000"/>
+              </a:lnSpc>
+              <a:spcBef>
+                <a:spcPts val="1001"/>
+              </a:spcBef>
+              <a:buNone/>
+              <a:tabLst>
+                <a:tab algn="l" pos="0"/>
+              </a:tabLst>
+            </a:pPr>
+            <a:r>
+              <a:rPr b="0" lang="en-US" sz="1800" spc="593" strike="noStrike" cap="all">
+                <a:solidFill>
+                  <a:srgbClr val="ffffff"/>
+                </a:solidFill>
+                <a:latin typeface="Calibri"/>
+              </a:rPr>
+              <a:t>Capabilites</a:t>
+            </a:r>
+            <a:endParaRPr b="0" lang="pt-BR" sz="1800" spc="-1" strike="noStrike">
+              <a:latin typeface="Arial"/>
+            </a:endParaRPr>
+          </a:p>
+        </p:txBody>
+      </p:sp>
+      <p:pic>
+        <p:nvPicPr>
+          <p:cNvPr id="470" name="" descr=""/>
+          <p:cNvPicPr/>
+          <p:nvPr/>
+        </p:nvPicPr>
+        <p:blipFill>
+          <a:blip r:embed="rId2"/>
+          <a:stretch/>
+        </p:blipFill>
+        <p:spPr>
+          <a:xfrm>
+            <a:off x="5685480" y="1967040"/>
+            <a:ext cx="6373800" cy="4499280"/>
+          </a:xfrm>
+          <a:prstGeom prst="rect">
+            <a:avLst/>
+          </a:prstGeom>
+          <a:ln w="0">
+            <a:noFill/>
+          </a:ln>
+        </p:spPr>
+      </p:pic>
+      <p:sp>
+        <p:nvSpPr>
+          <p:cNvPr id="4" name="PlaceHolder 3"/>
+          <p:cNvSpPr>
+            <a:spLocks noGrp="1"/>
+          </p:cNvSpPr>
+          <p:nvPr>
+            <p:ph type="sldNum" idx="5"/>
           </p:nvPr>
         </p:nvSpPr>
         <p:spPr/>
         <p:txBody>
           <a:bodyPr/>
           <a:p>
-            <a:fld id="{E385A02D-37A9-491A-8F73-190373588D2F}" type="slidenum">
+            <a:fld id="{A0E176EA-0026-4A25-B9ED-2F75038190FB}" type="slidenum">
               <a:t>8</a:t>
             </a:fld>
           </a:p>
@@ -31602,51 +32879,7 @@
       </p:grpSpPr>
       <p:sp>
         <p:nvSpPr>
-          <p:cNvPr id="468" name="Rectangle 3"/>
-          <p:cNvSpPr/>
-          <p:nvPr/>
-        </p:nvSpPr>
-        <p:spPr>
-          <a:xfrm>
-            <a:off x="594360" y="2418840"/>
-            <a:ext cx="11002320" cy="556920"/>
-          </a:xfrm>
-          <a:prstGeom prst="rect">
-            <a:avLst/>
-          </a:prstGeom>
-          <a:gradFill rotWithShape="0">
-            <a:gsLst>
-              <a:gs pos="0">
-                <a:srgbClr val="ea9a5c"/>
-              </a:gs>
-              <a:gs pos="100000">
-                <a:srgbClr val="01023b"/>
-              </a:gs>
-            </a:gsLst>
-            <a:lin ang="2700000"/>
-          </a:gradFill>
-          <a:ln>
-            <a:noFill/>
-          </a:ln>
-        </p:spPr>
-        <p:style>
-          <a:lnRef idx="2">
-            <a:schemeClr val="accent1">
-              <a:shade val="50000"/>
-            </a:schemeClr>
-          </a:lnRef>
-          <a:fillRef idx="1">
-            <a:schemeClr val="accent1"/>
-          </a:fillRef>
-          <a:effectRef idx="0">
-            <a:schemeClr val="accent1"/>
-          </a:effectRef>
-          <a:fontRef idx="minor"/>
-        </p:style>
-      </p:sp>
-      <p:sp>
-        <p:nvSpPr>
-          <p:cNvPr id="469" name="PlaceHolder 1"/>
+          <p:cNvPr id="471" name="PlaceHolder 1"/>
           <p:cNvSpPr>
             <a:spLocks noGrp="1"/>
           </p:cNvSpPr>
@@ -31657,7 +32890,7 @@
         <p:spPr>
           <a:xfrm>
             <a:off x="594360" y="767880"/>
-            <a:ext cx="11002320" cy="823320"/>
+            <a:ext cx="11001960" cy="822960"/>
           </a:xfrm>
           <a:prstGeom prst="rect">
             <a:avLst/>
@@ -31669,7 +32902,7 @@
         </p:spPr>
         <p:txBody>
           <a:bodyPr lIns="90000" rIns="90000" tIns="45000" bIns="45000" anchor="ctr">
-            <a:normAutofit/>
+            <a:noAutofit/>
           </a:bodyPr>
           <a:p>
             <a:pPr algn="ctr">
@@ -31679,13 +32912,13 @@
               <a:buNone/>
             </a:pPr>
             <a:r>
-              <a:rPr b="0" lang="en-US" sz="4800" spc="296" strike="noStrike" cap="all">
+              <a:rPr b="0" lang="en-US" sz="4800" spc="293" strike="noStrike" cap="all">
                 <a:solidFill>
                   <a:srgbClr val="000000"/>
                 </a:solidFill>
                 <a:latin typeface="Calibri Light"/>
               </a:rPr>
-              <a:t>Growth by sector </a:t>
+              <a:t>Growth by sector</a:t>
             </a:r>
             <a:endParaRPr b="0" lang="pt-BR" sz="4800" spc="-1" strike="noStrike">
               <a:latin typeface="Arial"/>
@@ -31695,911 +32928,17 @@
       </p:sp>
       <p:graphicFrame>
         <p:nvGraphicFramePr>
-          <p:cNvPr id="470" name="Table 2"/>
+          <p:cNvPr id="472" name="Chart"/>
           <p:cNvGraphicFramePr/>
           <p:nvPr/>
         </p:nvGraphicFramePr>
         <p:xfrm>
-          <a:off x="595440" y="2406240"/>
-          <a:ext cx="11000520" cy="2775600"/>
+          <a:off x="0" y="1371600"/>
+          <a:ext cx="12191040" cy="5485320"/>
         </p:xfrm>
         <a:graphic>
-          <a:graphicData uri="http://schemas.openxmlformats.org/drawingml/2006/table">
-            <a:tbl>
-              <a:tblPr/>
-              <a:tblGrid>
-                <a:gridCol w="2199960"/>
-                <a:gridCol w="2199960"/>
-                <a:gridCol w="2199960"/>
-                <a:gridCol w="2199960"/>
-                <a:gridCol w="2201040"/>
-              </a:tblGrid>
-              <a:tr h="581400">
-                <a:tc>
-                  <a:tcPr anchor="ctr" marL="91440" marR="91440">
-                    <a:lnL w="6480">
-                      <a:solidFill>
-                        <a:srgbClr val="e7e6e6"/>
-                      </a:solidFill>
-                    </a:lnL>
-                    <a:lnR w="12240">
-                      <a:noFill/>
-                    </a:lnR>
-                    <a:lnT w="6480">
-                      <a:solidFill>
-                        <a:srgbClr val="e7e6e6"/>
-                      </a:solidFill>
-                    </a:lnT>
-                    <a:lnB w="2880">
-                      <a:noFill/>
-                    </a:lnB>
-                    <a:noFill/>
-                  </a:tcPr>
-                </a:tc>
-                <a:tc>
-                  <a:txBody>
-                    <a:bodyPr anchor="ctr">
-                      <a:noAutofit/>
-                    </a:bodyPr>
-                    <a:p>
-                      <a:pPr algn="ctr">
-                        <a:lnSpc>
-                          <a:spcPct val="100000"/>
-                        </a:lnSpc>
-                        <a:buNone/>
-                      </a:pPr>
-                      <a:r>
-                        <a:rPr b="0" lang="en-US" sz="1600" spc="-1" strike="noStrike">
-                          <a:solidFill>
-                            <a:srgbClr val="ffffff"/>
-                          </a:solidFill>
-                          <a:latin typeface="Calibri"/>
-                        </a:rPr>
-                        <a:t>Q1</a:t>
-                      </a:r>
-                      <a:endParaRPr b="0" lang="pt-BR" sz="1600" spc="-1" strike="noStrike">
-                        <a:latin typeface="Arial"/>
-                      </a:endParaRPr>
-                    </a:p>
-                  </a:txBody>
-                  <a:tcPr anchor="ctr" marL="91440" marR="91440">
-                    <a:lnL w="12240">
-                      <a:noFill/>
-                    </a:lnL>
-                    <a:lnR w="12240">
-                      <a:noFill/>
-                    </a:lnR>
-                    <a:lnT w="6480">
-                      <a:solidFill>
-                        <a:srgbClr val="e7e6e6"/>
-                      </a:solidFill>
-                    </a:lnT>
-                    <a:lnB w="2880">
-                      <a:noFill/>
-                    </a:lnB>
-                    <a:noFill/>
-                  </a:tcPr>
-                </a:tc>
-                <a:tc>
-                  <a:txBody>
-                    <a:bodyPr anchor="ctr">
-                      <a:noAutofit/>
-                    </a:bodyPr>
-                    <a:p>
-                      <a:pPr algn="ctr">
-                        <a:lnSpc>
-                          <a:spcPct val="100000"/>
-                        </a:lnSpc>
-                        <a:buNone/>
-                      </a:pPr>
-                      <a:r>
-                        <a:rPr b="0" lang="en-US" sz="1600" spc="-1" strike="noStrike">
-                          <a:solidFill>
-                            <a:srgbClr val="ffffff"/>
-                          </a:solidFill>
-                          <a:latin typeface="Calibri"/>
-                        </a:rPr>
-                        <a:t>Q2</a:t>
-                      </a:r>
-                      <a:endParaRPr b="0" lang="pt-BR" sz="1600" spc="-1" strike="noStrike">
-                        <a:latin typeface="Arial"/>
-                      </a:endParaRPr>
-                    </a:p>
-                  </a:txBody>
-                  <a:tcPr anchor="ctr" marL="91440" marR="91440">
-                    <a:lnL w="12240">
-                      <a:noFill/>
-                    </a:lnL>
-                    <a:lnR w="12240">
-                      <a:noFill/>
-                    </a:lnR>
-                    <a:lnT w="6480">
-                      <a:solidFill>
-                        <a:srgbClr val="e7e6e6"/>
-                      </a:solidFill>
-                    </a:lnT>
-                    <a:lnB w="2880">
-                      <a:noFill/>
-                    </a:lnB>
-                    <a:noFill/>
-                  </a:tcPr>
-                </a:tc>
-                <a:tc>
-                  <a:txBody>
-                    <a:bodyPr anchor="ctr">
-                      <a:noAutofit/>
-                    </a:bodyPr>
-                    <a:p>
-                      <a:pPr algn="ctr">
-                        <a:lnSpc>
-                          <a:spcPct val="100000"/>
-                        </a:lnSpc>
-                        <a:buNone/>
-                      </a:pPr>
-                      <a:r>
-                        <a:rPr b="0" lang="en-US" sz="1600" spc="-1" strike="noStrike">
-                          <a:solidFill>
-                            <a:srgbClr val="ffffff"/>
-                          </a:solidFill>
-                          <a:latin typeface="Calibri"/>
-                        </a:rPr>
-                        <a:t>Q3</a:t>
-                      </a:r>
-                      <a:endParaRPr b="0" lang="pt-BR" sz="1600" spc="-1" strike="noStrike">
-                        <a:latin typeface="Arial"/>
-                      </a:endParaRPr>
-                    </a:p>
-                  </a:txBody>
-                  <a:tcPr anchor="ctr" marL="91440" marR="91440">
-                    <a:lnL w="12240">
-                      <a:noFill/>
-                    </a:lnL>
-                    <a:lnR w="12240">
-                      <a:noFill/>
-                    </a:lnR>
-                    <a:lnT w="6480">
-                      <a:solidFill>
-                        <a:srgbClr val="e7e6e6"/>
-                      </a:solidFill>
-                    </a:lnT>
-                    <a:lnB w="2880">
-                      <a:noFill/>
-                    </a:lnB>
-                    <a:noFill/>
-                  </a:tcPr>
-                </a:tc>
-                <a:tc>
-                  <a:txBody>
-                    <a:bodyPr anchor="ctr">
-                      <a:noAutofit/>
-                    </a:bodyPr>
-                    <a:p>
-                      <a:pPr algn="ctr">
-                        <a:lnSpc>
-                          <a:spcPct val="100000"/>
-                        </a:lnSpc>
-                        <a:buNone/>
-                      </a:pPr>
-                      <a:r>
-                        <a:rPr b="0" lang="en-US" sz="1600" spc="-1" strike="noStrike">
-                          <a:solidFill>
-                            <a:srgbClr val="ffffff"/>
-                          </a:solidFill>
-                          <a:latin typeface="Calibri"/>
-                        </a:rPr>
-                        <a:t>Q4</a:t>
-                      </a:r>
-                      <a:endParaRPr b="0" lang="pt-BR" sz="1600" spc="-1" strike="noStrike">
-                        <a:latin typeface="Arial"/>
-                      </a:endParaRPr>
-                    </a:p>
-                  </a:txBody>
-                  <a:tcPr anchor="ctr" marL="91440" marR="91440">
-                    <a:lnL w="12240">
-                      <a:noFill/>
-                    </a:lnL>
-                    <a:lnR w="6480">
-                      <a:solidFill>
-                        <a:srgbClr val="e7e6e6"/>
-                      </a:solidFill>
-                    </a:lnR>
-                    <a:lnT w="6480">
-                      <a:solidFill>
-                        <a:srgbClr val="e7e6e6"/>
-                      </a:solidFill>
-                    </a:lnT>
-                    <a:lnB w="2880">
-                      <a:noFill/>
-                    </a:lnB>
-                    <a:noFill/>
-                  </a:tcPr>
-                </a:tc>
-              </a:tr>
-              <a:tr h="731520">
-                <a:tc>
-                  <a:txBody>
-                    <a:bodyPr lIns="182880" anchor="ctr">
-                      <a:noAutofit/>
-                    </a:bodyPr>
-                    <a:p>
-                      <a:pPr>
-                        <a:lnSpc>
-                          <a:spcPct val="100000"/>
-                        </a:lnSpc>
-                        <a:buNone/>
-                      </a:pPr>
-                      <a:r>
-                        <a:rPr b="0" lang="en-US" sz="1600" spc="296" strike="noStrike">
-                          <a:solidFill>
-                            <a:srgbClr val="000000"/>
-                          </a:solidFill>
-                          <a:latin typeface="Calibri"/>
-                        </a:rPr>
-                        <a:t>SERIES 1</a:t>
-                      </a:r>
-                      <a:endParaRPr b="0" lang="pt-BR" sz="1600" spc="-1" strike="noStrike">
-                        <a:latin typeface="Arial"/>
-                      </a:endParaRPr>
-                    </a:p>
-                  </a:txBody>
-                  <a:tcPr anchor="ctr" marL="182880" marR="91440">
-                    <a:lnL w="6480">
-                      <a:noFill/>
-                    </a:lnL>
-                    <a:lnR w="2880">
-                      <a:solidFill>
-                        <a:srgbClr val="767171"/>
-                      </a:solidFill>
-                    </a:lnR>
-                    <a:lnT w="2880">
-                      <a:noFill/>
-                    </a:lnT>
-                    <a:lnB w="6480">
-                      <a:noFill/>
-                    </a:lnB>
-                    <a:noFill/>
-                  </a:tcPr>
-                </a:tc>
-                <a:tc>
-                  <a:txBody>
-                    <a:bodyPr anchor="ctr">
-                      <a:noAutofit/>
-                    </a:bodyPr>
-                    <a:p>
-                      <a:pPr algn="ctr">
-                        <a:lnSpc>
-                          <a:spcPct val="100000"/>
-                        </a:lnSpc>
-                        <a:buNone/>
-                      </a:pPr>
-                      <a:r>
-                        <a:rPr b="0" lang="en-US" sz="1400" spc="-1" strike="noStrike">
-                          <a:solidFill>
-                            <a:srgbClr val="000000"/>
-                          </a:solidFill>
-                          <a:latin typeface="Calibri"/>
-                        </a:rPr>
-                        <a:t>4.3</a:t>
-                      </a:r>
-                      <a:endParaRPr b="0" lang="pt-BR" sz="1400" spc="-1" strike="noStrike">
-                        <a:latin typeface="Arial"/>
-                      </a:endParaRPr>
-                    </a:p>
-                  </a:txBody>
-                  <a:tcPr anchor="ctr" marL="91440" marR="91440">
-                    <a:lnL w="2880">
-                      <a:solidFill>
-                        <a:srgbClr val="767171"/>
-                      </a:solidFill>
-                    </a:lnL>
-                    <a:lnR w="2880">
-                      <a:solidFill>
-                        <a:srgbClr val="767171"/>
-                      </a:solidFill>
-                    </a:lnR>
-                    <a:lnT w="2880">
-                      <a:noFill/>
-                    </a:lnT>
-                    <a:lnB w="6480">
-                      <a:noFill/>
-                    </a:lnB>
-                    <a:noFill/>
-                  </a:tcPr>
-                </a:tc>
-                <a:tc>
-                  <a:txBody>
-                    <a:bodyPr anchor="ctr">
-                      <a:noAutofit/>
-                    </a:bodyPr>
-                    <a:p>
-                      <a:pPr algn="ctr">
-                        <a:lnSpc>
-                          <a:spcPct val="100000"/>
-                        </a:lnSpc>
-                        <a:buNone/>
-                      </a:pPr>
-                      <a:r>
-                        <a:rPr b="0" lang="en-US" sz="1400" spc="-1" strike="noStrike">
-                          <a:solidFill>
-                            <a:srgbClr val="000000"/>
-                          </a:solidFill>
-                          <a:latin typeface="Calibri"/>
-                        </a:rPr>
-                        <a:t>2.5</a:t>
-                      </a:r>
-                      <a:endParaRPr b="0" lang="pt-BR" sz="1400" spc="-1" strike="noStrike">
-                        <a:latin typeface="Arial"/>
-                      </a:endParaRPr>
-                    </a:p>
-                  </a:txBody>
-                  <a:tcPr anchor="ctr" marL="91440" marR="91440">
-                    <a:lnL w="2880">
-                      <a:solidFill>
-                        <a:srgbClr val="767171"/>
-                      </a:solidFill>
-                    </a:lnL>
-                    <a:lnR w="2880">
-                      <a:solidFill>
-                        <a:srgbClr val="767171"/>
-                      </a:solidFill>
-                    </a:lnR>
-                    <a:lnT w="2880">
-                      <a:noFill/>
-                    </a:lnT>
-                    <a:lnB w="6480">
-                      <a:noFill/>
-                    </a:lnB>
-                    <a:noFill/>
-                  </a:tcPr>
-                </a:tc>
-                <a:tc>
-                  <a:txBody>
-                    <a:bodyPr anchor="ctr">
-                      <a:noAutofit/>
-                    </a:bodyPr>
-                    <a:p>
-                      <a:pPr algn="ctr">
-                        <a:lnSpc>
-                          <a:spcPct val="100000"/>
-                        </a:lnSpc>
-                        <a:buNone/>
-                      </a:pPr>
-                      <a:r>
-                        <a:rPr b="0" lang="en-US" sz="1400" spc="-1" strike="noStrike">
-                          <a:solidFill>
-                            <a:srgbClr val="000000"/>
-                          </a:solidFill>
-                          <a:latin typeface="Calibri"/>
-                        </a:rPr>
-                        <a:t>3.5</a:t>
-                      </a:r>
-                      <a:endParaRPr b="0" lang="pt-BR" sz="1400" spc="-1" strike="noStrike">
-                        <a:latin typeface="Arial"/>
-                      </a:endParaRPr>
-                    </a:p>
-                  </a:txBody>
-                  <a:tcPr anchor="ctr" marL="91440" marR="91440">
-                    <a:lnL w="2880">
-                      <a:solidFill>
-                        <a:srgbClr val="767171"/>
-                      </a:solidFill>
-                    </a:lnL>
-                    <a:lnR w="2880">
-                      <a:solidFill>
-                        <a:srgbClr val="767171"/>
-                      </a:solidFill>
-                    </a:lnR>
-                    <a:lnT w="2880">
-                      <a:noFill/>
-                    </a:lnT>
-                    <a:lnB w="6480">
-                      <a:noFill/>
-                    </a:lnB>
-                    <a:noFill/>
-                  </a:tcPr>
-                </a:tc>
-                <a:tc>
-                  <a:txBody>
-                    <a:bodyPr anchor="ctr">
-                      <a:noAutofit/>
-                    </a:bodyPr>
-                    <a:p>
-                      <a:pPr algn="ctr">
-                        <a:lnSpc>
-                          <a:spcPct val="100000"/>
-                        </a:lnSpc>
-                        <a:buNone/>
-                      </a:pPr>
-                      <a:r>
-                        <a:rPr b="0" lang="en-US" sz="1400" spc="-1" strike="noStrike">
-                          <a:solidFill>
-                            <a:srgbClr val="000000"/>
-                          </a:solidFill>
-                          <a:latin typeface="Calibri"/>
-                        </a:rPr>
-                        <a:t>4.5</a:t>
-                      </a:r>
-                      <a:endParaRPr b="0" lang="pt-BR" sz="1400" spc="-1" strike="noStrike">
-                        <a:latin typeface="Arial"/>
-                      </a:endParaRPr>
-                    </a:p>
-                  </a:txBody>
-                  <a:tcPr anchor="ctr" marL="91440" marR="91440">
-                    <a:lnL w="2880">
-                      <a:solidFill>
-                        <a:srgbClr val="767171"/>
-                      </a:solidFill>
-                    </a:lnL>
-                    <a:lnR w="6480">
-                      <a:noFill/>
-                    </a:lnR>
-                    <a:lnT w="2880">
-                      <a:noFill/>
-                    </a:lnT>
-                    <a:lnB w="6480">
-                      <a:noFill/>
-                    </a:lnB>
-                    <a:noFill/>
-                  </a:tcPr>
-                </a:tc>
-              </a:tr>
-              <a:tr h="731520">
-                <a:tc>
-                  <a:txBody>
-                    <a:bodyPr lIns="182880" anchor="ctr">
-                      <a:noAutofit/>
-                    </a:bodyPr>
-                    <a:p>
-                      <a:pPr>
-                        <a:lnSpc>
-                          <a:spcPct val="100000"/>
-                        </a:lnSpc>
-                        <a:buNone/>
-                      </a:pPr>
-                      <a:r>
-                        <a:rPr b="0" lang="en-US" sz="1600" spc="296" strike="noStrike">
-                          <a:solidFill>
-                            <a:srgbClr val="000000"/>
-                          </a:solidFill>
-                          <a:latin typeface="Calibri"/>
-                        </a:rPr>
-                        <a:t>SERIES 2</a:t>
-                      </a:r>
-                      <a:endParaRPr b="0" lang="pt-BR" sz="1600" spc="-1" strike="noStrike">
-                        <a:latin typeface="Arial"/>
-                      </a:endParaRPr>
-                    </a:p>
-                  </a:txBody>
-                  <a:tcPr anchor="ctr" marL="182880" marR="91440">
-                    <a:lnL w="6480">
-                      <a:noFill/>
-                    </a:lnL>
-                    <a:lnR w="2880">
-                      <a:solidFill>
-                        <a:srgbClr val="767171"/>
-                      </a:solidFill>
-                    </a:lnR>
-                    <a:lnT w="6480">
-                      <a:noFill/>
-                    </a:lnT>
-                    <a:lnB w="6480">
-                      <a:noFill/>
-                    </a:lnB>
-                    <a:noFill/>
-                  </a:tcPr>
-                </a:tc>
-                <a:tc>
-                  <a:txBody>
-                    <a:bodyPr anchor="ctr">
-                      <a:noAutofit/>
-                    </a:bodyPr>
-                    <a:p>
-                      <a:pPr algn="ctr">
-                        <a:lnSpc>
-                          <a:spcPct val="100000"/>
-                        </a:lnSpc>
-                        <a:buNone/>
-                      </a:pPr>
-                      <a:r>
-                        <a:rPr b="0" lang="en-US" sz="1400" spc="-1" strike="noStrike">
-                          <a:solidFill>
-                            <a:srgbClr val="000000"/>
-                          </a:solidFill>
-                          <a:latin typeface="Calibri"/>
-                        </a:rPr>
-                        <a:t>2.4</a:t>
-                      </a:r>
-                      <a:endParaRPr b="0" lang="pt-BR" sz="1400" spc="-1" strike="noStrike">
-                        <a:latin typeface="Arial"/>
-                      </a:endParaRPr>
-                    </a:p>
-                  </a:txBody>
-                  <a:tcPr anchor="ctr" marL="91440" marR="91440">
-                    <a:lnL w="2880">
-                      <a:solidFill>
-                        <a:srgbClr val="767171"/>
-                      </a:solidFill>
-                    </a:lnL>
-                    <a:lnR w="2880">
-                      <a:solidFill>
-                        <a:srgbClr val="767171"/>
-                      </a:solidFill>
-                    </a:lnR>
-                    <a:lnT w="6480">
-                      <a:noFill/>
-                    </a:lnT>
-                    <a:lnB w="6480">
-                      <a:noFill/>
-                    </a:lnB>
-                    <a:noFill/>
-                  </a:tcPr>
-                </a:tc>
-                <a:tc>
-                  <a:txBody>
-                    <a:bodyPr anchor="ctr">
-                      <a:noAutofit/>
-                    </a:bodyPr>
-                    <a:p>
-                      <a:pPr algn="ctr">
-                        <a:lnSpc>
-                          <a:spcPct val="100000"/>
-                        </a:lnSpc>
-                        <a:buNone/>
-                      </a:pPr>
-                      <a:r>
-                        <a:rPr b="0" lang="en-US" sz="1400" spc="-1" strike="noStrike">
-                          <a:solidFill>
-                            <a:srgbClr val="000000"/>
-                          </a:solidFill>
-                          <a:latin typeface="Calibri"/>
-                        </a:rPr>
-                        <a:t>4.4</a:t>
-                      </a:r>
-                      <a:endParaRPr b="0" lang="pt-BR" sz="1400" spc="-1" strike="noStrike">
-                        <a:latin typeface="Arial"/>
-                      </a:endParaRPr>
-                    </a:p>
-                  </a:txBody>
-                  <a:tcPr anchor="ctr" marL="91440" marR="91440">
-                    <a:lnL w="2880">
-                      <a:solidFill>
-                        <a:srgbClr val="767171"/>
-                      </a:solidFill>
-                    </a:lnL>
-                    <a:lnR w="2880">
-                      <a:solidFill>
-                        <a:srgbClr val="767171"/>
-                      </a:solidFill>
-                    </a:lnR>
-                    <a:lnT w="6480">
-                      <a:noFill/>
-                    </a:lnT>
-                    <a:lnB w="6480">
-                      <a:noFill/>
-                    </a:lnB>
-                    <a:noFill/>
-                  </a:tcPr>
-                </a:tc>
-                <a:tc>
-                  <a:txBody>
-                    <a:bodyPr anchor="ctr">
-                      <a:noAutofit/>
-                    </a:bodyPr>
-                    <a:p>
-                      <a:pPr algn="ctr">
-                        <a:lnSpc>
-                          <a:spcPct val="100000"/>
-                        </a:lnSpc>
-                        <a:buNone/>
-                      </a:pPr>
-                      <a:r>
-                        <a:rPr b="0" lang="en-US" sz="1400" spc="-1" strike="noStrike">
-                          <a:solidFill>
-                            <a:srgbClr val="000000"/>
-                          </a:solidFill>
-                          <a:latin typeface="Calibri"/>
-                        </a:rPr>
-                        <a:t>1.8</a:t>
-                      </a:r>
-                      <a:endParaRPr b="0" lang="pt-BR" sz="1400" spc="-1" strike="noStrike">
-                        <a:latin typeface="Arial"/>
-                      </a:endParaRPr>
-                    </a:p>
-                  </a:txBody>
-                  <a:tcPr anchor="ctr" marL="91440" marR="91440">
-                    <a:lnL w="2880">
-                      <a:solidFill>
-                        <a:srgbClr val="767171"/>
-                      </a:solidFill>
-                    </a:lnL>
-                    <a:lnR w="2880">
-                      <a:solidFill>
-                        <a:srgbClr val="767171"/>
-                      </a:solidFill>
-                    </a:lnR>
-                    <a:lnT w="6480">
-                      <a:noFill/>
-                    </a:lnT>
-                    <a:lnB w="6480">
-                      <a:noFill/>
-                    </a:lnB>
-                    <a:noFill/>
-                  </a:tcPr>
-                </a:tc>
-                <a:tc>
-                  <a:txBody>
-                    <a:bodyPr anchor="ctr">
-                      <a:noAutofit/>
-                    </a:bodyPr>
-                    <a:p>
-                      <a:pPr algn="ctr">
-                        <a:lnSpc>
-                          <a:spcPct val="100000"/>
-                        </a:lnSpc>
-                        <a:buNone/>
-                      </a:pPr>
-                      <a:r>
-                        <a:rPr b="0" lang="en-US" sz="1400" spc="-1" strike="noStrike">
-                          <a:solidFill>
-                            <a:srgbClr val="000000"/>
-                          </a:solidFill>
-                          <a:latin typeface="Calibri"/>
-                        </a:rPr>
-                        <a:t>2.8</a:t>
-                      </a:r>
-                      <a:endParaRPr b="0" lang="pt-BR" sz="1400" spc="-1" strike="noStrike">
-                        <a:latin typeface="Arial"/>
-                      </a:endParaRPr>
-                    </a:p>
-                  </a:txBody>
-                  <a:tcPr anchor="ctr" marL="91440" marR="91440">
-                    <a:lnL w="2880">
-                      <a:solidFill>
-                        <a:srgbClr val="767171"/>
-                      </a:solidFill>
-                    </a:lnL>
-                    <a:lnR w="6480">
-                      <a:noFill/>
-                    </a:lnR>
-                    <a:lnT w="6480">
-                      <a:noFill/>
-                    </a:lnT>
-                    <a:lnB w="6480">
-                      <a:noFill/>
-                    </a:lnB>
-                    <a:noFill/>
-                  </a:tcPr>
-                </a:tc>
-              </a:tr>
-              <a:tr h="731520">
-                <a:tc>
-                  <a:txBody>
-                    <a:bodyPr lIns="182880" anchor="ctr">
-                      <a:noAutofit/>
-                    </a:bodyPr>
-                    <a:p>
-                      <a:pPr>
-                        <a:lnSpc>
-                          <a:spcPct val="100000"/>
-                        </a:lnSpc>
-                        <a:buNone/>
-                      </a:pPr>
-                      <a:r>
-                        <a:rPr b="0" lang="en-US" sz="1600" spc="296" strike="noStrike">
-                          <a:solidFill>
-                            <a:srgbClr val="000000"/>
-                          </a:solidFill>
-                          <a:latin typeface="Calibri"/>
-                        </a:rPr>
-                        <a:t>SERIES 3</a:t>
-                      </a:r>
-                      <a:endParaRPr b="0" lang="pt-BR" sz="1600" spc="-1" strike="noStrike">
-                        <a:latin typeface="Arial"/>
-                      </a:endParaRPr>
-                    </a:p>
-                  </a:txBody>
-                  <a:tcPr anchor="ctr" marL="182880" marR="91440">
-                    <a:lnL w="6480">
-                      <a:noFill/>
-                    </a:lnL>
-                    <a:lnR w="2880">
-                      <a:solidFill>
-                        <a:srgbClr val="767171"/>
-                      </a:solidFill>
-                    </a:lnR>
-                    <a:lnT w="6480">
-                      <a:noFill/>
-                    </a:lnT>
-                    <a:lnB w="6480">
-                      <a:noFill/>
-                    </a:lnB>
-                    <a:noFill/>
-                  </a:tcPr>
-                </a:tc>
-                <a:tc>
-                  <a:txBody>
-                    <a:bodyPr anchor="ctr">
-                      <a:noAutofit/>
-                    </a:bodyPr>
-                    <a:p>
-                      <a:pPr algn="ctr">
-                        <a:lnSpc>
-                          <a:spcPct val="100000"/>
-                        </a:lnSpc>
-                        <a:buNone/>
-                      </a:pPr>
-                      <a:r>
-                        <a:rPr b="0" lang="en-US" sz="1400" spc="-1" strike="noStrike">
-                          <a:solidFill>
-                            <a:srgbClr val="000000"/>
-                          </a:solidFill>
-                          <a:latin typeface="Calibri"/>
-                        </a:rPr>
-                        <a:t>2</a:t>
-                      </a:r>
-                      <a:endParaRPr b="0" lang="pt-BR" sz="1400" spc="-1" strike="noStrike">
-                        <a:latin typeface="Arial"/>
-                      </a:endParaRPr>
-                    </a:p>
-                  </a:txBody>
-                  <a:tcPr anchor="ctr" marL="91440" marR="91440">
-                    <a:lnL w="2880">
-                      <a:solidFill>
-                        <a:srgbClr val="767171"/>
-                      </a:solidFill>
-                    </a:lnL>
-                    <a:lnR w="2880">
-                      <a:solidFill>
-                        <a:srgbClr val="767171"/>
-                      </a:solidFill>
-                    </a:lnR>
-                    <a:lnT w="6480">
-                      <a:noFill/>
-                    </a:lnT>
-                    <a:lnB w="6480">
-                      <a:noFill/>
-                    </a:lnB>
-                    <a:noFill/>
-                  </a:tcPr>
-                </a:tc>
-                <a:tc>
-                  <a:txBody>
-                    <a:bodyPr anchor="ctr">
-                      <a:noAutofit/>
-                    </a:bodyPr>
-                    <a:p>
-                      <a:pPr algn="ctr">
-                        <a:lnSpc>
-                          <a:spcPct val="100000"/>
-                        </a:lnSpc>
-                        <a:buNone/>
-                      </a:pPr>
-                      <a:r>
-                        <a:rPr b="0" lang="en-US" sz="1400" spc="-1" strike="noStrike">
-                          <a:solidFill>
-                            <a:srgbClr val="000000"/>
-                          </a:solidFill>
-                          <a:latin typeface="Calibri"/>
-                        </a:rPr>
-                        <a:t>2</a:t>
-                      </a:r>
-                      <a:endParaRPr b="0" lang="pt-BR" sz="1400" spc="-1" strike="noStrike">
-                        <a:latin typeface="Arial"/>
-                      </a:endParaRPr>
-                    </a:p>
-                  </a:txBody>
-                  <a:tcPr anchor="ctr" marL="91440" marR="91440">
-                    <a:lnL w="2880">
-                      <a:solidFill>
-                        <a:srgbClr val="767171"/>
-                      </a:solidFill>
-                    </a:lnL>
-                    <a:lnR w="2880">
-                      <a:solidFill>
-                        <a:srgbClr val="767171"/>
-                      </a:solidFill>
-                    </a:lnR>
-                    <a:lnT w="6480">
-                      <a:noFill/>
-                    </a:lnT>
-                    <a:lnB w="6480">
-                      <a:noFill/>
-                    </a:lnB>
-                    <a:noFill/>
-                  </a:tcPr>
-                </a:tc>
-                <a:tc>
-                  <a:txBody>
-                    <a:bodyPr anchor="ctr">
-                      <a:noAutofit/>
-                    </a:bodyPr>
-                    <a:p>
-                      <a:pPr algn="ctr">
-                        <a:lnSpc>
-                          <a:spcPct val="100000"/>
-                        </a:lnSpc>
-                        <a:buNone/>
-                      </a:pPr>
-                      <a:r>
-                        <a:rPr b="0" lang="en-US" sz="1400" spc="-1" strike="noStrike">
-                          <a:solidFill>
-                            <a:srgbClr val="000000"/>
-                          </a:solidFill>
-                          <a:latin typeface="Calibri"/>
-                        </a:rPr>
-                        <a:t>3</a:t>
-                      </a:r>
-                      <a:endParaRPr b="0" lang="pt-BR" sz="1400" spc="-1" strike="noStrike">
-                        <a:latin typeface="Arial"/>
-                      </a:endParaRPr>
-                    </a:p>
-                  </a:txBody>
-                  <a:tcPr anchor="ctr" marL="91440" marR="91440">
-                    <a:lnL w="2880">
-                      <a:solidFill>
-                        <a:srgbClr val="767171"/>
-                      </a:solidFill>
-                    </a:lnL>
-                    <a:lnR w="2880">
-                      <a:solidFill>
-                        <a:srgbClr val="767171"/>
-                      </a:solidFill>
-                    </a:lnR>
-                    <a:lnT w="6480">
-                      <a:noFill/>
-                    </a:lnT>
-                    <a:lnB w="6480">
-                      <a:noFill/>
-                    </a:lnB>
-                    <a:noFill/>
-                  </a:tcPr>
-                </a:tc>
-                <a:tc>
-                  <a:txBody>
-                    <a:bodyPr anchor="ctr">
-                      <a:noAutofit/>
-                    </a:bodyPr>
-                    <a:p>
-                      <a:pPr algn="ctr">
-                        <a:lnSpc>
-                          <a:spcPct val="100000"/>
-                        </a:lnSpc>
-                        <a:buNone/>
-                      </a:pPr>
-                      <a:r>
-                        <a:rPr b="0" lang="en-US" sz="1400" spc="-1" strike="noStrike">
-                          <a:solidFill>
-                            <a:srgbClr val="000000"/>
-                          </a:solidFill>
-                          <a:latin typeface="Calibri"/>
-                        </a:rPr>
-                        <a:t>5</a:t>
-                      </a:r>
-                      <a:endParaRPr b="0" lang="pt-BR" sz="1400" spc="-1" strike="noStrike">
-                        <a:latin typeface="Arial"/>
-                      </a:endParaRPr>
-                    </a:p>
-                  </a:txBody>
-                  <a:tcPr anchor="ctr" marL="91440" marR="91440">
-                    <a:lnL w="2880">
-                      <a:solidFill>
-                        <a:srgbClr val="767171"/>
-                      </a:solidFill>
-                    </a:lnL>
-                    <a:lnR w="6480">
-                      <a:noFill/>
-                    </a:lnR>
-                    <a:lnT w="6480">
-                      <a:noFill/>
-                    </a:lnT>
-                    <a:lnB w="6480">
-                      <a:noFill/>
-                    </a:lnB>
-                    <a:noFill/>
-                  </a:tcPr>
-                </a:tc>
-              </a:tr>
-            </a:tbl>
+          <a:graphicData uri="http://schemas.openxmlformats.org/drawingml/2006/chart">
+            <c:chart xmlns:c="http://schemas.openxmlformats.org/drawingml/2006/chart" xmlns:r="http://schemas.openxmlformats.org/officeDocument/2006/relationships" r:id="rId1"/>
           </a:graphicData>
         </a:graphic>
       </p:graphicFrame>
@@ -32617,7 +32956,7 @@
         <p:txBody>
           <a:bodyPr/>
           <a:p>
-            <a:fld id="{8A3F3E33-931C-424E-9ADF-A74C2B959BC8}" type="slidenum">
+            <a:fld id="{C644C455-0E59-4185-8123-5390905901C8}" type="slidenum">
               <a:t>9</a:t>
             </a:fld>
           </a:p>

--- a/API Gateway vs BFF_v0.pptx
+++ b/API Gateway vs BFF_v0.pptx
@@ -136,9 +136,53 @@
 <file path=ppt/revisionInfo.xml><?xml version="1.0" encoding="utf-8"?>
 <p1510:revInfo xmlns:a="http://schemas.openxmlformats.org/drawingml/2006/main" xmlns:r="http://schemas.openxmlformats.org/officeDocument/2006/relationships" xmlns:p1510="http://schemas.microsoft.com/office/powerpoint/2015/10/main">
   <p1510:revLst>
-    <p1510:client id="{17E764F8-1EA9-4E5B-BC3F-455825F5E677}" v="13" dt="2023-11-13T18:15:40.995"/>
+    <p1510:client id="{17E764F8-1EA9-4E5B-BC3F-455825F5E677}" v="14" dt="2023-11-13T22:59:19.283"/>
   </p1510:revLst>
 </p1510:revInfo>
+</file>
+
+<file path=ppt/changesInfos/changesInfo1.xml><?xml version="1.0" encoding="utf-8"?>
+<pc:chgInfo xmlns:a="http://schemas.openxmlformats.org/drawingml/2006/main" xmlns:r="http://schemas.openxmlformats.org/officeDocument/2006/relationships" xmlns:ac="http://schemas.microsoft.com/office/drawing/2013/main/command" xmlns:pc="http://schemas.microsoft.com/office/powerpoint/2013/main/command">
+  <pc:docChgLst>
+    <pc:chgData name="Lucas Marcolongo" userId="7ded12b99dd21b36" providerId="LiveId" clId="{17E764F8-1EA9-4E5B-BC3F-455825F5E677}"/>
+    <pc:docChg chg="custSel modSld">
+      <pc:chgData name="Lucas Marcolongo" userId="7ded12b99dd21b36" providerId="LiveId" clId="{17E764F8-1EA9-4E5B-BC3F-455825F5E677}" dt="2023-11-13T23:02:47.244" v="144" actId="20577"/>
+      <pc:docMkLst>
+        <pc:docMk/>
+      </pc:docMkLst>
+      <pc:sldChg chg="addSp delSp modSp mod">
+        <pc:chgData name="Lucas Marcolongo" userId="7ded12b99dd21b36" providerId="LiveId" clId="{17E764F8-1EA9-4E5B-BC3F-455825F5E677}" dt="2023-11-13T23:01:58.744" v="143" actId="478"/>
+        <pc:sldMkLst>
+          <pc:docMk/>
+          <pc:sldMk cId="0" sldId="269"/>
+        </pc:sldMkLst>
+        <pc:spChg chg="add del mod">
+          <ac:chgData name="Lucas Marcolongo" userId="7ded12b99dd21b36" providerId="LiveId" clId="{17E764F8-1EA9-4E5B-BC3F-455825F5E677}" dt="2023-11-13T23:01:58.744" v="143" actId="478"/>
+          <ac:spMkLst>
+            <pc:docMk/>
+            <pc:sldMk cId="0" sldId="269"/>
+            <ac:spMk id="2" creationId="{2AAAA69B-EF4E-70F0-31FE-340872833B34}"/>
+          </ac:spMkLst>
+        </pc:spChg>
+      </pc:sldChg>
+      <pc:sldChg chg="modSp mod">
+        <pc:chgData name="Lucas Marcolongo" userId="7ded12b99dd21b36" providerId="LiveId" clId="{17E764F8-1EA9-4E5B-BC3F-455825F5E677}" dt="2023-11-13T23:02:47.244" v="144" actId="20577"/>
+        <pc:sldMkLst>
+          <pc:docMk/>
+          <pc:sldMk cId="3971926426" sldId="275"/>
+        </pc:sldMkLst>
+        <pc:spChg chg="mod">
+          <ac:chgData name="Lucas Marcolongo" userId="7ded12b99dd21b36" providerId="LiveId" clId="{17E764F8-1EA9-4E5B-BC3F-455825F5E677}" dt="2023-11-13T23:02:47.244" v="144" actId="20577"/>
+          <ac:spMkLst>
+            <pc:docMk/>
+            <pc:sldMk cId="3971926426" sldId="275"/>
+            <ac:spMk id="10" creationId="{D35CCB2E-32A2-0F1C-F017-DFB2DFB9CF8B}"/>
+          </ac:spMkLst>
+        </pc:spChg>
+      </pc:sldChg>
+    </pc:docChg>
+  </pc:docChgLst>
+</pc:chgInfo>
 </file>
 
 <file path=ppt/notesMasters/notesMaster1.xml><?xml version="1.0" encoding="utf-8"?>
@@ -18146,8 +18190,8 @@
         </p:nvSpPr>
         <p:spPr>
           <a:xfrm>
-            <a:off x="1869929" y="563939"/>
-            <a:ext cx="1269040" cy="782262"/>
+            <a:off x="1361928" y="449638"/>
+            <a:ext cx="1662741" cy="1125162"/>
           </a:xfrm>
           <a:prstGeom prst="rect">
             <a:avLst/>
@@ -18159,7 +18203,7 @@
         </p:spPr>
         <p:txBody>
           <a:bodyPr lIns="90000" tIns="45000" rIns="90000" bIns="45000" anchor="b">
-            <a:normAutofit fontScale="97500"/>
+            <a:normAutofit fontScale="45000" lnSpcReduction="20000"/>
           </a:bodyPr>
           <a:lstStyle>
             <a:lvl1pPr algn="l" defTabSz="914400" rtl="0" eaLnBrk="1" latinLnBrk="0" hangingPunct="1">
@@ -18189,7 +18233,7 @@
               <a:buChar char="•"/>
             </a:pPr>
             <a:r>
-              <a:rPr lang="pt-BR" sz="1050" spc="-1" dirty="0">
+              <a:rPr lang="pt-BR" sz="2000" spc="-1" dirty="0">
                 <a:latin typeface="Calibri Light" panose="020F0302020204030204" pitchFamily="34" charset="0"/>
                 <a:ea typeface="Calibri Light" panose="020F0302020204030204" pitchFamily="34" charset="0"/>
                 <a:cs typeface="Calibri Light" panose="020F0302020204030204" pitchFamily="34" charset="0"/>
@@ -18206,7 +18250,7 @@
               <a:buChar char="•"/>
             </a:pPr>
             <a:r>
-              <a:rPr lang="pt-BR" sz="1050" spc="-1" dirty="0">
+              <a:rPr lang="pt-BR" sz="2000" spc="-1" dirty="0">
                 <a:latin typeface="Calibri Light" panose="020F0302020204030204" pitchFamily="34" charset="0"/>
                 <a:ea typeface="Calibri Light" panose="020F0302020204030204" pitchFamily="34" charset="0"/>
                 <a:cs typeface="Calibri Light" panose="020F0302020204030204" pitchFamily="34" charset="0"/>
@@ -18223,13 +18267,154 @@
               <a:buChar char="•"/>
             </a:pPr>
             <a:r>
-              <a:rPr lang="pt-BR" sz="1050" spc="-1" dirty="0">
+              <a:rPr lang="pt-BR" sz="2000" spc="-1" dirty="0">
                 <a:latin typeface="Calibri Light" panose="020F0302020204030204" pitchFamily="34" charset="0"/>
                 <a:ea typeface="Calibri Light" panose="020F0302020204030204" pitchFamily="34" charset="0"/>
                 <a:cs typeface="Calibri Light" panose="020F0302020204030204" pitchFamily="34" charset="0"/>
               </a:rPr>
               <a:t>GPS Location</a:t>
             </a:r>
+          </a:p>
+          <a:p>
+            <a:pPr marL="171450" indent="-171450">
+              <a:lnSpc>
+                <a:spcPct val="100000"/>
+              </a:lnSpc>
+              <a:buFont typeface="Arial" panose="020B0604020202020204" pitchFamily="34" charset="0"/>
+              <a:buChar char="•"/>
+            </a:pPr>
+            <a:endParaRPr lang="pt-BR" sz="2000" spc="-1" dirty="0">
+              <a:latin typeface="Calibri Light" panose="020F0302020204030204" pitchFamily="34" charset="0"/>
+              <a:ea typeface="Calibri Light" panose="020F0302020204030204" pitchFamily="34" charset="0"/>
+              <a:cs typeface="Calibri Light" panose="020F0302020204030204" pitchFamily="34" charset="0"/>
+            </a:endParaRPr>
+          </a:p>
+          <a:p>
+            <a:r>
+              <a:rPr lang="en-US" sz="2000" dirty="0" err="1">
+                <a:latin typeface="Calibri Light" panose="020F0302020204030204" pitchFamily="34" charset="0"/>
+                <a:ea typeface="Calibri Light" panose="020F0302020204030204" pitchFamily="34" charset="0"/>
+                <a:cs typeface="Calibri Light" panose="020F0302020204030204" pitchFamily="34" charset="0"/>
+              </a:rPr>
+              <a:t>Dispositivos</a:t>
+            </a:r>
+            <a:r>
+              <a:rPr lang="en-US" sz="2000" dirty="0">
+                <a:latin typeface="Calibri Light" panose="020F0302020204030204" pitchFamily="34" charset="0"/>
+                <a:ea typeface="Calibri Light" panose="020F0302020204030204" pitchFamily="34" charset="0"/>
+                <a:cs typeface="Calibri Light" panose="020F0302020204030204" pitchFamily="34" charset="0"/>
+              </a:rPr>
+              <a:t> </a:t>
+            </a:r>
+            <a:r>
+              <a:rPr lang="en-US" sz="2000" dirty="0" err="1">
+                <a:latin typeface="Calibri Light" panose="020F0302020204030204" pitchFamily="34" charset="0"/>
+                <a:ea typeface="Calibri Light" panose="020F0302020204030204" pitchFamily="34" charset="0"/>
+                <a:cs typeface="Calibri Light" panose="020F0302020204030204" pitchFamily="34" charset="0"/>
+              </a:rPr>
+              <a:t>ou</a:t>
+            </a:r>
+            <a:r>
+              <a:rPr lang="en-US" sz="2000" dirty="0">
+                <a:latin typeface="Calibri Light" panose="020F0302020204030204" pitchFamily="34" charset="0"/>
+                <a:ea typeface="Calibri Light" panose="020F0302020204030204" pitchFamily="34" charset="0"/>
+                <a:cs typeface="Calibri Light" panose="020F0302020204030204" pitchFamily="34" charset="0"/>
+              </a:rPr>
+              <a:t> </a:t>
+            </a:r>
+          </a:p>
+          <a:p>
+            <a:r>
+              <a:rPr lang="en-US" sz="2000" dirty="0">
+                <a:latin typeface="Calibri Light" panose="020F0302020204030204" pitchFamily="34" charset="0"/>
+                <a:ea typeface="Calibri Light" panose="020F0302020204030204" pitchFamily="34" charset="0"/>
+                <a:cs typeface="Calibri Light" panose="020F0302020204030204" pitchFamily="34" charset="0"/>
+              </a:rPr>
+              <a:t>Exp. de </a:t>
+            </a:r>
+            <a:r>
+              <a:rPr lang="en-US" sz="2000" dirty="0" err="1">
+                <a:latin typeface="Calibri Light" panose="020F0302020204030204" pitchFamily="34" charset="0"/>
+                <a:ea typeface="Calibri Light" panose="020F0302020204030204" pitchFamily="34" charset="0"/>
+                <a:cs typeface="Calibri Light" panose="020F0302020204030204" pitchFamily="34" charset="0"/>
+              </a:rPr>
+              <a:t>usuario</a:t>
+            </a:r>
+            <a:r>
+              <a:rPr lang="en-US" sz="2000" dirty="0">
+                <a:latin typeface="Calibri Light" panose="020F0302020204030204" pitchFamily="34" charset="0"/>
+                <a:ea typeface="Calibri Light" panose="020F0302020204030204" pitchFamily="34" charset="0"/>
+                <a:cs typeface="Calibri Light" panose="020F0302020204030204" pitchFamily="34" charset="0"/>
+              </a:rPr>
+              <a:t> </a:t>
+            </a:r>
+            <a:r>
+              <a:rPr lang="en-US" sz="2000" dirty="0" err="1">
+                <a:latin typeface="Calibri Light" panose="020F0302020204030204" pitchFamily="34" charset="0"/>
+                <a:ea typeface="Calibri Light" panose="020F0302020204030204" pitchFamily="34" charset="0"/>
+                <a:cs typeface="Calibri Light" panose="020F0302020204030204" pitchFamily="34" charset="0"/>
+              </a:rPr>
+              <a:t>diferentes</a:t>
+            </a:r>
+            <a:r>
+              <a:rPr lang="en-US" sz="2000" dirty="0">
+                <a:latin typeface="Calibri Light" panose="020F0302020204030204" pitchFamily="34" charset="0"/>
+                <a:ea typeface="Calibri Light" panose="020F0302020204030204" pitchFamily="34" charset="0"/>
+                <a:cs typeface="Calibri Light" panose="020F0302020204030204" pitchFamily="34" charset="0"/>
+              </a:rPr>
+              <a:t>.</a:t>
+            </a:r>
+            <a:br>
+              <a:rPr lang="en-US" sz="2000" dirty="0">
+                <a:latin typeface="Calibri Light" panose="020F0302020204030204" pitchFamily="34" charset="0"/>
+                <a:ea typeface="Calibri Light" panose="020F0302020204030204" pitchFamily="34" charset="0"/>
+                <a:cs typeface="Calibri Light" panose="020F0302020204030204" pitchFamily="34" charset="0"/>
+              </a:rPr>
+            </a:br>
+            <a:br>
+              <a:rPr lang="en-US" sz="2000" dirty="0">
+                <a:latin typeface="Calibri Light" panose="020F0302020204030204" pitchFamily="34" charset="0"/>
+                <a:ea typeface="Calibri Light" panose="020F0302020204030204" pitchFamily="34" charset="0"/>
+                <a:cs typeface="Calibri Light" panose="020F0302020204030204" pitchFamily="34" charset="0"/>
+              </a:rPr>
+            </a:br>
+            <a:r>
+              <a:rPr lang="en-US" sz="2000" dirty="0">
+                <a:latin typeface="Calibri Light" panose="020F0302020204030204" pitchFamily="34" charset="0"/>
+                <a:ea typeface="Calibri Light" panose="020F0302020204030204" pitchFamily="34" charset="0"/>
+                <a:cs typeface="Calibri Light" panose="020F0302020204030204" pitchFamily="34" charset="0"/>
+              </a:rPr>
+              <a:t>Ex: Uber</a:t>
+            </a:r>
+            <a:br>
+              <a:rPr lang="en-US" sz="2000" dirty="0">
+                <a:latin typeface="Calibri Light" panose="020F0302020204030204" pitchFamily="34" charset="0"/>
+                <a:ea typeface="Calibri Light" panose="020F0302020204030204" pitchFamily="34" charset="0"/>
+                <a:cs typeface="Calibri Light" panose="020F0302020204030204" pitchFamily="34" charset="0"/>
+              </a:rPr>
+            </a:br>
+            <a:r>
+              <a:rPr lang="en-US" sz="2000" dirty="0">
+                <a:latin typeface="Calibri Light" panose="020F0302020204030204" pitchFamily="34" charset="0"/>
+                <a:ea typeface="Calibri Light" panose="020F0302020204030204" pitchFamily="34" charset="0"/>
+                <a:cs typeface="Calibri Light" panose="020F0302020204030204" pitchFamily="34" charset="0"/>
+              </a:rPr>
+              <a:t>API Driver vs API User</a:t>
+            </a:r>
+          </a:p>
+          <a:p>
+            <a:pPr marL="171450" indent="-171450">
+              <a:lnSpc>
+                <a:spcPct val="100000"/>
+              </a:lnSpc>
+              <a:buFont typeface="Arial" panose="020B0604020202020204" pitchFamily="34" charset="0"/>
+              <a:buChar char="•"/>
+            </a:pPr>
+            <a:endParaRPr lang="pt-BR" sz="2000" spc="-1" dirty="0">
+              <a:latin typeface="Calibri Light" panose="020F0302020204030204" pitchFamily="34" charset="0"/>
+              <a:ea typeface="Calibri Light" panose="020F0302020204030204" pitchFamily="34" charset="0"/>
+              <a:cs typeface="Calibri Light" panose="020F0302020204030204" pitchFamily="34" charset="0"/>
+            </a:endParaRPr>
           </a:p>
           <a:p>
             <a:pPr marL="171450" indent="-171450">
